--- a/ppt/1.verilog介绍.pptx
+++ b/ppt/1.verilog介绍.pptx
@@ -1,33 +1,33 @@
 
 <file path=ppt/presentation.xml><?xml version="1.0" encoding="utf-8"?>
-<p:presentation xmlns:a="http://schemas.openxmlformats.org/drawingml/2006/main" xmlns:r="http://schemas.openxmlformats.org/officeDocument/2006/relationships" xmlns:p="http://schemas.openxmlformats.org/presentationml/2006/main">
+<p:presentation xmlns:a="http://schemas.openxmlformats.org/drawingml/2006/main" xmlns:r="http://schemas.openxmlformats.org/officeDocument/2006/relationships" xmlns:p="http://schemas.openxmlformats.org/presentationml/2006/main" saveSubsetFonts="1">
   <p:sldMasterIdLst>
-    <p:sldMasterId id="2147483648" r:id="rId1"/>
-    <p:sldMasterId id="2147483653" r:id="rId3"/>
-    <p:sldMasterId id="2147483661" r:id="rId4"/>
+    <p:sldMasterId id="2147483840" r:id="rId1"/>
+    <p:sldMasterId id="2147483915" r:id="rId2"/>
+    <p:sldMasterId id="2147484013" r:id="rId3"/>
   </p:sldMasterIdLst>
   <p:notesMasterIdLst>
-    <p:notesMasterId r:id="rId8"/>
+    <p:notesMasterId r:id="rId22"/>
   </p:notesMasterIdLst>
   <p:sldIdLst>
-    <p:sldId id="256" r:id="rId5"/>
-    <p:sldId id="259" r:id="rId6"/>
-    <p:sldId id="257" r:id="rId7"/>
-    <p:sldId id="269" r:id="rId9"/>
-    <p:sldId id="270" r:id="rId10"/>
-    <p:sldId id="258" r:id="rId11"/>
-    <p:sldId id="260" r:id="rId12"/>
-    <p:sldId id="261" r:id="rId13"/>
-    <p:sldId id="262" r:id="rId14"/>
-    <p:sldId id="271" r:id="rId15"/>
-    <p:sldId id="272" r:id="rId16"/>
-    <p:sldId id="263" r:id="rId17"/>
-    <p:sldId id="264" r:id="rId18"/>
-    <p:sldId id="265" r:id="rId19"/>
-    <p:sldId id="266" r:id="rId20"/>
-    <p:sldId id="273" r:id="rId21"/>
-    <p:sldId id="267" r:id="rId22"/>
-    <p:sldId id="268" r:id="rId23"/>
+    <p:sldId id="256" r:id="rId4"/>
+    <p:sldId id="259" r:id="rId5"/>
+    <p:sldId id="257" r:id="rId6"/>
+    <p:sldId id="269" r:id="rId7"/>
+    <p:sldId id="270" r:id="rId8"/>
+    <p:sldId id="258" r:id="rId9"/>
+    <p:sldId id="260" r:id="rId10"/>
+    <p:sldId id="261" r:id="rId11"/>
+    <p:sldId id="262" r:id="rId12"/>
+    <p:sldId id="271" r:id="rId13"/>
+    <p:sldId id="272" r:id="rId14"/>
+    <p:sldId id="263" r:id="rId15"/>
+    <p:sldId id="264" r:id="rId16"/>
+    <p:sldId id="265" r:id="rId17"/>
+    <p:sldId id="266" r:id="rId18"/>
+    <p:sldId id="273" r:id="rId19"/>
+    <p:sldId id="267" r:id="rId20"/>
+    <p:sldId id="268" r:id="rId21"/>
   </p:sldIdLst>
   <p:sldSz cx="9144000" cy="6858000" type="screen4x3"/>
   <p:notesSz cx="6858000" cy="9144000"/>
@@ -156,6 +156,11 @@
       </a:defRPr>
     </a:lvl9pPr>
   </p:defaultTextStyle>
+  <p:extLst>
+    <p:ext uri="{EFAFB233-063F-42B5-8137-9DF3F51BA10A}">
+      <p15:sldGuideLst xmlns:p15="http://schemas.microsoft.com/office/powerpoint/2012/main" xmlns=""/>
+    </p:ext>
+  </p:extLst>
 </p:presentation>
 </file>
 
@@ -241,6 +246,7 @@
           <a:p>
             <a:fld id="{A7F19596-6559-49E7-AEB6-FDB3D4F3A95A}" type="datetimeFigureOut">
               <a:rPr lang="zh-CN" altLang="en-US" smtClean="0"/>
+              <a:t>2019/9/2</a:t>
             </a:fld>
             <a:endParaRPr lang="zh-CN" altLang="en-US"/>
           </a:p>
@@ -307,7 +313,6 @@
               <a:rPr lang="zh-CN" altLang="en-US"/>
               <a:t>单击此处编辑母版文本样式</a:t>
             </a:r>
-            <a:endParaRPr lang="zh-CN" altLang="en-US"/>
           </a:p>
           <a:p>
             <a:pPr lvl="1"/>
@@ -315,7 +320,6 @@
               <a:rPr lang="zh-CN" altLang="en-US"/>
               <a:t>二级</a:t>
             </a:r>
-            <a:endParaRPr lang="zh-CN" altLang="en-US"/>
           </a:p>
           <a:p>
             <a:pPr lvl="2"/>
@@ -323,7 +327,6 @@
               <a:rPr lang="zh-CN" altLang="en-US"/>
               <a:t>三级</a:t>
             </a:r>
-            <a:endParaRPr lang="zh-CN" altLang="en-US"/>
           </a:p>
           <a:p>
             <a:pPr lvl="3"/>
@@ -331,7 +334,6 @@
               <a:rPr lang="zh-CN" altLang="en-US"/>
               <a:t>四级</a:t>
             </a:r>
-            <a:endParaRPr lang="zh-CN" altLang="en-US"/>
           </a:p>
           <a:p>
             <a:pPr lvl="4"/>
@@ -339,7 +341,6 @@
               <a:rPr lang="zh-CN" altLang="en-US"/>
               <a:t>五级</a:t>
             </a:r>
-            <a:endParaRPr lang="zh-CN" altLang="en-US"/>
           </a:p>
         </p:txBody>
       </p:sp>
@@ -403,12 +404,18 @@
           <a:p>
             <a:fld id="{79FD646D-9DA1-4510-9B86-B0A2DCFC95AB}" type="slidenum">
               <a:rPr lang="zh-CN" altLang="en-US" smtClean="0"/>
+              <a:t>‹#›</a:t>
             </a:fld>
             <a:endParaRPr lang="zh-CN" altLang="en-US"/>
           </a:p>
         </p:txBody>
       </p:sp>
     </p:spTree>
+    <p:extLst>
+      <p:ext uri="{BB962C8B-B14F-4D97-AF65-F5344CB8AC3E}">
+        <p14:creationId xmlns:p14="http://schemas.microsoft.com/office/powerpoint/2010/main" val="3884202360"/>
+      </p:ext>
+    </p:extLst>
   </p:cSld>
   <p:clrMap bg1="lt1" tx1="dk1" bg2="lt2" tx2="dk2" accent1="accent1" accent2="accent2" accent3="accent3" accent4="accent4" accent5="accent5" accent6="accent6" hlink="hlink" folHlink="folHlink"/>
   <p:notesStyle>
@@ -571,12 +578,18 @@
           <a:p>
             <a:fld id="{79FD646D-9DA1-4510-9B86-B0A2DCFC95AB}" type="slidenum">
               <a:rPr lang="zh-CN" altLang="en-US" smtClean="0"/>
+              <a:t>3</a:t>
             </a:fld>
             <a:endParaRPr lang="zh-CN" altLang="en-US"/>
           </a:p>
         </p:txBody>
       </p:sp>
     </p:spTree>
+    <p:extLst>
+      <p:ext uri="{BB962C8B-B14F-4D97-AF65-F5344CB8AC3E}">
+        <p14:creationId xmlns:p14="http://schemas.microsoft.com/office/powerpoint/2010/main" val="1132511370"/>
+      </p:ext>
+    </p:extLst>
   </p:cSld>
   <p:clrMapOvr>
     <a:masterClrMapping/>
@@ -898,8 +911,8 @@
                 <a:solidFill>
                   <a:srgbClr val="740000"/>
                 </a:solidFill>
-                <a:latin typeface="微软雅黑" panose="020B0503020204020204" pitchFamily="34" charset="-122"/>
-                <a:ea typeface="微软雅黑" panose="020B0503020204020204" pitchFamily="34" charset="-122"/>
+                <a:latin typeface="微软雅黑" pitchFamily="34" charset="-122"/>
+                <a:ea typeface="微软雅黑" pitchFamily="34" charset="-122"/>
               </a:defRPr>
             </a:lvl1pPr>
           </a:lstStyle>
@@ -939,8 +952,8 @@
                     <a:lumMod val="25000"/>
                   </a:schemeClr>
                 </a:solidFill>
-                <a:latin typeface="微软雅黑" panose="020B0503020204020204" pitchFamily="34" charset="-122"/>
-                <a:ea typeface="微软雅黑" panose="020B0503020204020204" pitchFamily="34" charset="-122"/>
+                <a:latin typeface="微软雅黑" pitchFamily="34" charset="-122"/>
+                <a:ea typeface="微软雅黑" pitchFamily="34" charset="-122"/>
               </a:defRPr>
             </a:lvl1pPr>
             <a:lvl2pPr marL="457200" indent="0" algn="ctr">
@@ -1027,6 +1040,11 @@
         </p:spPr>
       </p:pic>
     </p:spTree>
+    <p:extLst>
+      <p:ext uri="{BB962C8B-B14F-4D97-AF65-F5344CB8AC3E}">
+        <p14:creationId xmlns:p14="http://schemas.microsoft.com/office/powerpoint/2010/main" val="2689184709"/>
+      </p:ext>
+    </p:extLst>
   </p:cSld>
   <p:clrMapOvr>
     <a:masterClrMapping/>
@@ -1052,17 +1070,22 @@
         </a:xfrm>
       </p:grpSpPr>
     </p:spTree>
+    <p:extLst>
+      <p:ext uri="{BB962C8B-B14F-4D97-AF65-F5344CB8AC3E}">
+        <p14:creationId xmlns:p14="http://schemas.microsoft.com/office/powerpoint/2010/main" val="73084657"/>
+      </p:ext>
+    </p:extLst>
   </p:cSld>
   <p:clrMapOvr>
     <a:masterClrMapping/>
   </p:clrMapOvr>
-  <mc:AlternateContent xmlns:mc="http://schemas.openxmlformats.org/markup-compatibility/2006">
-    <mc:Choice xmlns:p14="http://schemas.microsoft.com/office/powerpoint/2010/main" Requires="p14">
+  <mc:AlternateContent xmlns:mc="http://schemas.openxmlformats.org/markup-compatibility/2006" xmlns:p14="http://schemas.microsoft.com/office/powerpoint/2010/main">
+    <mc:Choice Requires="p14">
       <p:transition spd="slow" p14:dur="1600">
         <p:blinds dir="vert"/>
       </p:transition>
     </mc:Choice>
-    <mc:Fallback>
+    <mc:Fallback xmlns="">
       <p:transition spd="slow">
         <p:blinds dir="vert"/>
       </p:transition>
@@ -1107,7 +1130,6 @@
               <a:rPr lang="zh-CN" altLang="en-US"/>
               <a:t>单击此处编辑母版标题样式</a:t>
             </a:r>
-            <a:endParaRPr lang="zh-CN" altLang="en-US"/>
           </a:p>
         </p:txBody>
       </p:sp>
@@ -1131,7 +1153,6 @@
               <a:rPr lang="zh-CN" altLang="en-US"/>
               <a:t>单击此处编辑母版文本样式</a:t>
             </a:r>
-            <a:endParaRPr lang="zh-CN" altLang="en-US"/>
           </a:p>
           <a:p>
             <a:pPr lvl="1"/>
@@ -1139,7 +1160,6 @@
               <a:rPr lang="zh-CN" altLang="en-US"/>
               <a:t>二级</a:t>
             </a:r>
-            <a:endParaRPr lang="zh-CN" altLang="en-US"/>
           </a:p>
           <a:p>
             <a:pPr lvl="2"/>
@@ -1147,7 +1167,6 @@
               <a:rPr lang="zh-CN" altLang="en-US"/>
               <a:t>三级</a:t>
             </a:r>
-            <a:endParaRPr lang="zh-CN" altLang="en-US"/>
           </a:p>
           <a:p>
             <a:pPr lvl="3"/>
@@ -1155,7 +1174,6 @@
               <a:rPr lang="zh-CN" altLang="en-US"/>
               <a:t>四级</a:t>
             </a:r>
-            <a:endParaRPr lang="zh-CN" altLang="en-US"/>
           </a:p>
           <a:p>
             <a:pPr lvl="4"/>
@@ -1163,11 +1181,15 @@
               <a:rPr lang="zh-CN" altLang="en-US"/>
               <a:t>五级</a:t>
             </a:r>
-            <a:endParaRPr lang="zh-CN" altLang="en-US"/>
           </a:p>
         </p:txBody>
       </p:sp>
     </p:spTree>
+    <p:extLst>
+      <p:ext uri="{BB962C8B-B14F-4D97-AF65-F5344CB8AC3E}">
+        <p14:creationId xmlns:p14="http://schemas.microsoft.com/office/powerpoint/2010/main" val="1388554666"/>
+      </p:ext>
+    </p:extLst>
   </p:cSld>
   <p:clrMapOvr>
     <a:masterClrMapping/>
@@ -1176,7 +1198,7 @@
 </file>
 
 <file path=ppt/slideLayouts/slideLayout12.xml><?xml version="1.0" encoding="utf-8"?>
-<p:sldLayout xmlns:a="http://schemas.openxmlformats.org/drawingml/2006/main" xmlns:r="http://schemas.openxmlformats.org/officeDocument/2006/relationships" xmlns:p="http://schemas.openxmlformats.org/presentationml/2006/main" type="title" preserve="1" showMasterSp="0">
+<p:sldLayout xmlns:a="http://schemas.openxmlformats.org/drawingml/2006/main" xmlns:r="http://schemas.openxmlformats.org/officeDocument/2006/relationships" xmlns:p="http://schemas.openxmlformats.org/presentationml/2006/main" showMasterSp="0" type="title" preserve="1">
   <p:cSld name="标题幻灯片">
     <p:spTree>
       <p:nvGrpSpPr>
@@ -1237,6 +1259,8 @@
                   <a:schemeClr val="tx1"/>
                 </a:solidFill>
                 <a:round/>
+                <a:headEnd/>
+                <a:tailEnd/>
               </a14:hiddenLine>
             </a:ext>
             <a:ext uri="{AF507438-7753-43E0-B8FC-AC1667EBCBE1}">
@@ -1343,6 +1367,8 @@
                   <a:schemeClr val="tx1"/>
                 </a:solidFill>
                 <a:round/>
+                <a:headEnd/>
+                <a:tailEnd/>
               </a14:hiddenLine>
             </a:ext>
             <a:ext uri="{AF507438-7753-43E0-B8FC-AC1667EBCBE1}">
@@ -1418,8 +1444,8 @@
                 <a:solidFill>
                   <a:schemeClr val="tx2"/>
                 </a:solidFill>
-                <a:latin typeface="微软雅黑" panose="020B0503020204020204" pitchFamily="34" charset="-122"/>
-                <a:ea typeface="微软雅黑" panose="020B0503020204020204" pitchFamily="34" charset="-122"/>
+                <a:latin typeface="微软雅黑" pitchFamily="34" charset="-122"/>
+                <a:ea typeface="微软雅黑" pitchFamily="34" charset="-122"/>
               </a:defRPr>
             </a:lvl1pPr>
           </a:lstStyle>
@@ -1468,7 +1494,11 @@
           </a:extLst>
         </p:spPr>
         <p:txBody>
-          <a:bodyPr vert="horz" wrap="square" lIns="91440" tIns="45720" rIns="91440" bIns="45720" numCol="1" anchor="ctr" anchorCtr="0" compatLnSpc="1"/>
+          <a:bodyPr vert="horz" wrap="square" lIns="91440" tIns="45720" rIns="91440" bIns="45720" numCol="1" anchor="ctr" anchorCtr="0" compatLnSpc="1">
+            <a:prstTxWarp prst="textNoShape">
+              <a:avLst/>
+            </a:prstTxWarp>
+          </a:bodyPr>
           <a:lstStyle>
             <a:lvl1pPr marL="0" indent="0" algn="l">
               <a:buNone/>
@@ -1476,8 +1506,8 @@
                 <a:solidFill>
                   <a:srgbClr val="660033"/>
                 </a:solidFill>
-                <a:latin typeface="微软雅黑" panose="020B0503020204020204" pitchFamily="34" charset="-122"/>
-                <a:ea typeface="微软雅黑" panose="020B0503020204020204" pitchFamily="34" charset="-122"/>
+                <a:latin typeface="微软雅黑" pitchFamily="34" charset="-122"/>
+                <a:ea typeface="微软雅黑" pitchFamily="34" charset="-122"/>
                 <a:cs typeface="+mj-cs"/>
               </a:defRPr>
             </a:lvl1pPr>
@@ -1513,9 +1543,7 @@
             </a:extLst>
           </a:blip>
           <a:srcRect t="10808"/>
-          <a:stretch>
-            <a:fillRect/>
-          </a:stretch>
+          <a:stretch/>
         </p:blipFill>
         <p:spPr bwMode="auto">
           <a:xfrm>
@@ -1582,6 +1610,11 @@
         </p:spPr>
       </p:pic>
     </p:spTree>
+    <p:extLst>
+      <p:ext uri="{BB962C8B-B14F-4D97-AF65-F5344CB8AC3E}">
+        <p14:creationId xmlns:p14="http://schemas.microsoft.com/office/powerpoint/2010/main" val="2353138199"/>
+      </p:ext>
+    </p:extLst>
   </p:cSld>
   <p:clrMapOvr>
     <a:masterClrMapping/>
@@ -1627,8 +1660,8 @@
           <a:lstStyle>
             <a:lvl1pPr algn="r">
               <a:defRPr sz="2800">
-                <a:latin typeface="微软雅黑" panose="020B0503020204020204" pitchFamily="34" charset="-122"/>
-                <a:ea typeface="微软雅黑" panose="020B0503020204020204" pitchFamily="34" charset="-122"/>
+                <a:latin typeface="微软雅黑" pitchFamily="34" charset="-122"/>
+                <a:ea typeface="微软雅黑" pitchFamily="34" charset="-122"/>
               </a:defRPr>
             </a:lvl1pPr>
           </a:lstStyle>
@@ -1657,32 +1690,32 @@
           <a:lstStyle>
             <a:lvl1pPr>
               <a:defRPr b="1">
-                <a:latin typeface="黑体" panose="02010609060101010101" pitchFamily="49" charset="-122"/>
-                <a:ea typeface="黑体" panose="02010609060101010101" pitchFamily="49" charset="-122"/>
+                <a:latin typeface="黑体" pitchFamily="49" charset="-122"/>
+                <a:ea typeface="黑体" pitchFamily="49" charset="-122"/>
               </a:defRPr>
             </a:lvl1pPr>
             <a:lvl2pPr>
               <a:defRPr b="1">
-                <a:latin typeface="黑体" panose="02010609060101010101" pitchFamily="49" charset="-122"/>
-                <a:ea typeface="黑体" panose="02010609060101010101" pitchFamily="49" charset="-122"/>
+                <a:latin typeface="黑体" pitchFamily="49" charset="-122"/>
+                <a:ea typeface="黑体" pitchFamily="49" charset="-122"/>
               </a:defRPr>
             </a:lvl2pPr>
             <a:lvl3pPr>
               <a:defRPr b="1">
-                <a:latin typeface="黑体" panose="02010609060101010101" pitchFamily="49" charset="-122"/>
-                <a:ea typeface="黑体" panose="02010609060101010101" pitchFamily="49" charset="-122"/>
+                <a:latin typeface="黑体" pitchFamily="49" charset="-122"/>
+                <a:ea typeface="黑体" pitchFamily="49" charset="-122"/>
               </a:defRPr>
             </a:lvl3pPr>
             <a:lvl4pPr>
               <a:defRPr b="1">
-                <a:latin typeface="黑体" panose="02010609060101010101" pitchFamily="49" charset="-122"/>
-                <a:ea typeface="黑体" panose="02010609060101010101" pitchFamily="49" charset="-122"/>
+                <a:latin typeface="黑体" pitchFamily="49" charset="-122"/>
+                <a:ea typeface="黑体" pitchFamily="49" charset="-122"/>
               </a:defRPr>
             </a:lvl4pPr>
             <a:lvl5pPr>
               <a:defRPr b="1">
-                <a:latin typeface="黑体" panose="02010609060101010101" pitchFamily="49" charset="-122"/>
-                <a:ea typeface="黑体" panose="02010609060101010101" pitchFamily="49" charset="-122"/>
+                <a:latin typeface="黑体" pitchFamily="49" charset="-122"/>
+                <a:ea typeface="黑体" pitchFamily="49" charset="-122"/>
               </a:defRPr>
             </a:lvl5pPr>
           </a:lstStyle>
@@ -1692,7 +1725,6 @@
               <a:rPr lang="zh-CN" altLang="en-US"/>
               <a:t>单击此处编辑母版文本样式</a:t>
             </a:r>
-            <a:endParaRPr lang="zh-CN" altLang="en-US"/>
           </a:p>
           <a:p>
             <a:pPr lvl="1"/>
@@ -1700,7 +1732,6 @@
               <a:rPr lang="zh-CN" altLang="en-US"/>
               <a:t>二级</a:t>
             </a:r>
-            <a:endParaRPr lang="zh-CN" altLang="en-US"/>
           </a:p>
           <a:p>
             <a:pPr lvl="2"/>
@@ -1708,7 +1739,6 @@
               <a:rPr lang="zh-CN" altLang="en-US"/>
               <a:t>三级</a:t>
             </a:r>
-            <a:endParaRPr lang="zh-CN" altLang="en-US"/>
           </a:p>
           <a:p>
             <a:pPr lvl="3"/>
@@ -1716,7 +1746,6 @@
               <a:rPr lang="zh-CN" altLang="en-US"/>
               <a:t>四级</a:t>
             </a:r>
-            <a:endParaRPr lang="zh-CN" altLang="en-US"/>
           </a:p>
           <a:p>
             <a:pPr lvl="4"/>
@@ -1724,22 +1753,26 @@
               <a:rPr lang="zh-CN" altLang="en-US"/>
               <a:t>五级</a:t>
             </a:r>
-            <a:endParaRPr lang="zh-CN" altLang="en-US"/>
           </a:p>
         </p:txBody>
       </p:sp>
     </p:spTree>
+    <p:extLst>
+      <p:ext uri="{BB962C8B-B14F-4D97-AF65-F5344CB8AC3E}">
+        <p14:creationId xmlns:p14="http://schemas.microsoft.com/office/powerpoint/2010/main" val="3368332455"/>
+      </p:ext>
+    </p:extLst>
   </p:cSld>
   <p:clrMapOvr>
     <a:masterClrMapping/>
   </p:clrMapOvr>
-  <mc:AlternateContent xmlns:mc="http://schemas.openxmlformats.org/markup-compatibility/2006">
-    <mc:Choice xmlns:p14="http://schemas.microsoft.com/office/powerpoint/2010/main" Requires="p14">
+  <mc:AlternateContent xmlns:mc="http://schemas.openxmlformats.org/markup-compatibility/2006" xmlns:p14="http://schemas.microsoft.com/office/powerpoint/2010/main">
+    <mc:Choice Requires="p14">
       <p:transition spd="slow" p14:dur="1600">
         <p:blinds dir="vert"/>
       </p:transition>
     </mc:Choice>
-    <mc:Fallback>
+    <mc:Fallback xmlns="">
       <p:transition spd="slow">
         <p:blinds dir="vert"/>
       </p:transition>
@@ -1793,7 +1826,6 @@
               <a:rPr lang="zh-CN" altLang="en-US"/>
               <a:t>单击此处编辑母版标题样式</a:t>
             </a:r>
-            <a:endParaRPr lang="zh-CN" altLang="en-US"/>
           </a:p>
         </p:txBody>
       </p:sp>
@@ -1859,11 +1891,15 @@
               <a:rPr lang="zh-CN" altLang="en-US"/>
               <a:t>单击此处编辑母版文本样式</a:t>
             </a:r>
-            <a:endParaRPr lang="zh-CN" altLang="en-US"/>
           </a:p>
         </p:txBody>
       </p:sp>
     </p:spTree>
+    <p:extLst>
+      <p:ext uri="{BB962C8B-B14F-4D97-AF65-F5344CB8AC3E}">
+        <p14:creationId xmlns:p14="http://schemas.microsoft.com/office/powerpoint/2010/main" val="1565939248"/>
+      </p:ext>
+    </p:extLst>
   </p:cSld>
   <p:clrMapOvr>
     <a:masterClrMapping/>
@@ -1907,7 +1943,6 @@
               <a:rPr lang="zh-CN" altLang="en-US"/>
               <a:t>单击此处编辑母版标题样式</a:t>
             </a:r>
-            <a:endParaRPr lang="zh-CN" altLang="en-US"/>
           </a:p>
         </p:txBody>
       </p:sp>
@@ -1964,7 +1999,6 @@
               <a:rPr lang="zh-CN" altLang="en-US"/>
               <a:t>单击此处编辑母版文本样式</a:t>
             </a:r>
-            <a:endParaRPr lang="zh-CN" altLang="en-US"/>
           </a:p>
           <a:p>
             <a:pPr lvl="1"/>
@@ -1972,7 +2006,6 @@
               <a:rPr lang="zh-CN" altLang="en-US"/>
               <a:t>二级</a:t>
             </a:r>
-            <a:endParaRPr lang="zh-CN" altLang="en-US"/>
           </a:p>
           <a:p>
             <a:pPr lvl="2"/>
@@ -1980,7 +2013,6 @@
               <a:rPr lang="zh-CN" altLang="en-US"/>
               <a:t>三级</a:t>
             </a:r>
-            <a:endParaRPr lang="zh-CN" altLang="en-US"/>
           </a:p>
           <a:p>
             <a:pPr lvl="3"/>
@@ -1988,7 +2020,6 @@
               <a:rPr lang="zh-CN" altLang="en-US"/>
               <a:t>四级</a:t>
             </a:r>
-            <a:endParaRPr lang="zh-CN" altLang="en-US"/>
           </a:p>
           <a:p>
             <a:pPr lvl="4"/>
@@ -1996,7 +2027,6 @@
               <a:rPr lang="zh-CN" altLang="en-US"/>
               <a:t>五级</a:t>
             </a:r>
-            <a:endParaRPr lang="zh-CN" altLang="en-US"/>
           </a:p>
         </p:txBody>
       </p:sp>
@@ -2053,7 +2083,6 @@
               <a:rPr lang="zh-CN" altLang="en-US"/>
               <a:t>单击此处编辑母版文本样式</a:t>
             </a:r>
-            <a:endParaRPr lang="zh-CN" altLang="en-US"/>
           </a:p>
           <a:p>
             <a:pPr lvl="1"/>
@@ -2061,7 +2090,6 @@
               <a:rPr lang="zh-CN" altLang="en-US"/>
               <a:t>二级</a:t>
             </a:r>
-            <a:endParaRPr lang="zh-CN" altLang="en-US"/>
           </a:p>
           <a:p>
             <a:pPr lvl="2"/>
@@ -2069,7 +2097,6 @@
               <a:rPr lang="zh-CN" altLang="en-US"/>
               <a:t>三级</a:t>
             </a:r>
-            <a:endParaRPr lang="zh-CN" altLang="en-US"/>
           </a:p>
           <a:p>
             <a:pPr lvl="3"/>
@@ -2077,7 +2104,6 @@
               <a:rPr lang="zh-CN" altLang="en-US"/>
               <a:t>四级</a:t>
             </a:r>
-            <a:endParaRPr lang="zh-CN" altLang="en-US"/>
           </a:p>
           <a:p>
             <a:pPr lvl="4"/>
@@ -2085,11 +2111,15 @@
               <a:rPr lang="zh-CN" altLang="en-US"/>
               <a:t>五级</a:t>
             </a:r>
-            <a:endParaRPr lang="zh-CN" altLang="en-US"/>
           </a:p>
         </p:txBody>
       </p:sp>
     </p:spTree>
+    <p:extLst>
+      <p:ext uri="{BB962C8B-B14F-4D97-AF65-F5344CB8AC3E}">
+        <p14:creationId xmlns:p14="http://schemas.microsoft.com/office/powerpoint/2010/main" val="3160060354"/>
+      </p:ext>
+    </p:extLst>
   </p:cSld>
   <p:clrMapOvr>
     <a:masterClrMapping/>
@@ -2142,7 +2172,6 @@
               <a:rPr lang="zh-CN" altLang="en-US"/>
               <a:t>单击此处编辑母版标题样式</a:t>
             </a:r>
-            <a:endParaRPr lang="zh-CN" altLang="en-US"/>
           </a:p>
         </p:txBody>
       </p:sp>
@@ -2208,7 +2237,6 @@
               <a:rPr lang="zh-CN" altLang="en-US"/>
               <a:t>单击此处编辑母版文本样式</a:t>
             </a:r>
-            <a:endParaRPr lang="zh-CN" altLang="en-US"/>
           </a:p>
         </p:txBody>
       </p:sp>
@@ -2265,7 +2293,6 @@
               <a:rPr lang="zh-CN" altLang="en-US"/>
               <a:t>单击此处编辑母版文本样式</a:t>
             </a:r>
-            <a:endParaRPr lang="zh-CN" altLang="en-US"/>
           </a:p>
           <a:p>
             <a:pPr lvl="1"/>
@@ -2273,7 +2300,6 @@
               <a:rPr lang="zh-CN" altLang="en-US"/>
               <a:t>二级</a:t>
             </a:r>
-            <a:endParaRPr lang="zh-CN" altLang="en-US"/>
           </a:p>
           <a:p>
             <a:pPr lvl="2"/>
@@ -2281,7 +2307,6 @@
               <a:rPr lang="zh-CN" altLang="en-US"/>
               <a:t>三级</a:t>
             </a:r>
-            <a:endParaRPr lang="zh-CN" altLang="en-US"/>
           </a:p>
           <a:p>
             <a:pPr lvl="3"/>
@@ -2289,7 +2314,6 @@
               <a:rPr lang="zh-CN" altLang="en-US"/>
               <a:t>四级</a:t>
             </a:r>
-            <a:endParaRPr lang="zh-CN" altLang="en-US"/>
           </a:p>
           <a:p>
             <a:pPr lvl="4"/>
@@ -2297,7 +2321,6 @@
               <a:rPr lang="zh-CN" altLang="en-US"/>
               <a:t>五级</a:t>
             </a:r>
-            <a:endParaRPr lang="zh-CN" altLang="en-US"/>
           </a:p>
         </p:txBody>
       </p:sp>
@@ -2363,7 +2386,6 @@
               <a:rPr lang="zh-CN" altLang="en-US"/>
               <a:t>单击此处编辑母版文本样式</a:t>
             </a:r>
-            <a:endParaRPr lang="zh-CN" altLang="en-US"/>
           </a:p>
         </p:txBody>
       </p:sp>
@@ -2420,7 +2442,6 @@
               <a:rPr lang="zh-CN" altLang="en-US"/>
               <a:t>单击此处编辑母版文本样式</a:t>
             </a:r>
-            <a:endParaRPr lang="zh-CN" altLang="en-US"/>
           </a:p>
           <a:p>
             <a:pPr lvl="1"/>
@@ -2428,7 +2449,6 @@
               <a:rPr lang="zh-CN" altLang="en-US"/>
               <a:t>二级</a:t>
             </a:r>
-            <a:endParaRPr lang="zh-CN" altLang="en-US"/>
           </a:p>
           <a:p>
             <a:pPr lvl="2"/>
@@ -2436,7 +2456,6 @@
               <a:rPr lang="zh-CN" altLang="en-US"/>
               <a:t>三级</a:t>
             </a:r>
-            <a:endParaRPr lang="zh-CN" altLang="en-US"/>
           </a:p>
           <a:p>
             <a:pPr lvl="3"/>
@@ -2444,7 +2463,6 @@
               <a:rPr lang="zh-CN" altLang="en-US"/>
               <a:t>四级</a:t>
             </a:r>
-            <a:endParaRPr lang="zh-CN" altLang="en-US"/>
           </a:p>
           <a:p>
             <a:pPr lvl="4"/>
@@ -2452,11 +2470,15 @@
               <a:rPr lang="zh-CN" altLang="en-US"/>
               <a:t>五级</a:t>
             </a:r>
-            <a:endParaRPr lang="zh-CN" altLang="en-US"/>
           </a:p>
         </p:txBody>
       </p:sp>
     </p:spTree>
+    <p:extLst>
+      <p:ext uri="{BB962C8B-B14F-4D97-AF65-F5344CB8AC3E}">
+        <p14:creationId xmlns:p14="http://schemas.microsoft.com/office/powerpoint/2010/main" val="3407215719"/>
+      </p:ext>
+    </p:extLst>
   </p:cSld>
   <p:clrMapOvr>
     <a:masterClrMapping/>
@@ -2500,11 +2522,15 @@
               <a:rPr lang="zh-CN" altLang="en-US"/>
               <a:t>单击此处编辑母版标题样式</a:t>
             </a:r>
-            <a:endParaRPr lang="zh-CN" altLang="en-US"/>
           </a:p>
         </p:txBody>
       </p:sp>
     </p:spTree>
+    <p:extLst>
+      <p:ext uri="{BB962C8B-B14F-4D97-AF65-F5344CB8AC3E}">
+        <p14:creationId xmlns:p14="http://schemas.microsoft.com/office/powerpoint/2010/main" val="3972987049"/>
+      </p:ext>
+    </p:extLst>
   </p:cSld>
   <p:clrMapOvr>
     <a:masterClrMapping/>
@@ -2530,6 +2556,11 @@
         </a:xfrm>
       </p:grpSpPr>
     </p:spTree>
+    <p:extLst>
+      <p:ext uri="{BB962C8B-B14F-4D97-AF65-F5344CB8AC3E}">
+        <p14:creationId xmlns:p14="http://schemas.microsoft.com/office/powerpoint/2010/main" val="4164085093"/>
+      </p:ext>
+    </p:extLst>
   </p:cSld>
   <p:clrMapOvr>
     <a:masterClrMapping/>
@@ -2582,7 +2613,6 @@
               <a:rPr lang="zh-CN" altLang="en-US"/>
               <a:t>单击此处编辑母版标题样式</a:t>
             </a:r>
-            <a:endParaRPr lang="zh-CN" altLang="en-US"/>
           </a:p>
         </p:txBody>
       </p:sp>
@@ -2639,7 +2669,6 @@
               <a:rPr lang="zh-CN" altLang="en-US"/>
               <a:t>单击此处编辑母版文本样式</a:t>
             </a:r>
-            <a:endParaRPr lang="zh-CN" altLang="en-US"/>
           </a:p>
           <a:p>
             <a:pPr lvl="1"/>
@@ -2647,7 +2676,6 @@
               <a:rPr lang="zh-CN" altLang="en-US"/>
               <a:t>二级</a:t>
             </a:r>
-            <a:endParaRPr lang="zh-CN" altLang="en-US"/>
           </a:p>
           <a:p>
             <a:pPr lvl="2"/>
@@ -2655,7 +2683,6 @@
               <a:rPr lang="zh-CN" altLang="en-US"/>
               <a:t>三级</a:t>
             </a:r>
-            <a:endParaRPr lang="zh-CN" altLang="en-US"/>
           </a:p>
           <a:p>
             <a:pPr lvl="3"/>
@@ -2663,7 +2690,6 @@
               <a:rPr lang="zh-CN" altLang="en-US"/>
               <a:t>四级</a:t>
             </a:r>
-            <a:endParaRPr lang="zh-CN" altLang="en-US"/>
           </a:p>
           <a:p>
             <a:pPr lvl="4"/>
@@ -2671,7 +2697,6 @@
               <a:rPr lang="zh-CN" altLang="en-US"/>
               <a:t>五级</a:t>
             </a:r>
-            <a:endParaRPr lang="zh-CN" altLang="en-US"/>
           </a:p>
         </p:txBody>
       </p:sp>
@@ -2737,11 +2762,15 @@
               <a:rPr lang="zh-CN" altLang="en-US"/>
               <a:t>单击此处编辑母版文本样式</a:t>
             </a:r>
-            <a:endParaRPr lang="zh-CN" altLang="en-US"/>
           </a:p>
         </p:txBody>
       </p:sp>
     </p:spTree>
+    <p:extLst>
+      <p:ext uri="{BB962C8B-B14F-4D97-AF65-F5344CB8AC3E}">
+        <p14:creationId xmlns:p14="http://schemas.microsoft.com/office/powerpoint/2010/main" val="1711673987"/>
+      </p:ext>
+    </p:extLst>
   </p:cSld>
   <p:clrMapOvr>
     <a:masterClrMapping/>
@@ -2786,7 +2815,6 @@
               <a:rPr lang="zh-CN" altLang="en-US"/>
               <a:t>单击此处编辑母版文本样式</a:t>
             </a:r>
-            <a:endParaRPr lang="zh-CN" altLang="en-US"/>
           </a:p>
           <a:p>
             <a:pPr lvl="1"/>
@@ -2794,7 +2822,6 @@
               <a:rPr lang="zh-CN" altLang="en-US"/>
               <a:t>二级</a:t>
             </a:r>
-            <a:endParaRPr lang="zh-CN" altLang="en-US"/>
           </a:p>
           <a:p>
             <a:pPr lvl="2"/>
@@ -2802,7 +2829,6 @@
               <a:rPr lang="zh-CN" altLang="en-US"/>
               <a:t>三级</a:t>
             </a:r>
-            <a:endParaRPr lang="zh-CN" altLang="en-US"/>
           </a:p>
           <a:p>
             <a:pPr lvl="3"/>
@@ -2810,7 +2836,6 @@
               <a:rPr lang="zh-CN" altLang="en-US"/>
               <a:t>四级</a:t>
             </a:r>
-            <a:endParaRPr lang="zh-CN" altLang="en-US"/>
           </a:p>
           <a:p>
             <a:pPr lvl="4"/>
@@ -2823,6 +2848,11 @@
         </p:txBody>
       </p:sp>
     </p:spTree>
+    <p:extLst>
+      <p:ext uri="{BB962C8B-B14F-4D97-AF65-F5344CB8AC3E}">
+        <p14:creationId xmlns:p14="http://schemas.microsoft.com/office/powerpoint/2010/main" val="4288740875"/>
+      </p:ext>
+    </p:extLst>
   </p:cSld>
   <p:clrMapOvr>
     <a:masterClrMapping/>
@@ -2875,7 +2905,6 @@
               <a:rPr lang="zh-CN" altLang="en-US"/>
               <a:t>单击此处编辑母版标题样式</a:t>
             </a:r>
-            <a:endParaRPr lang="zh-CN" altLang="en-US"/>
           </a:p>
         </p:txBody>
       </p:sp>
@@ -2940,7 +2969,6 @@
               <a:rPr lang="zh-CN" altLang="en-US"/>
               <a:t>单击图标添加图片</a:t>
             </a:r>
-            <a:endParaRPr lang="zh-CN" altLang="en-US"/>
           </a:p>
         </p:txBody>
       </p:sp>
@@ -3006,11 +3034,15 @@
               <a:rPr lang="zh-CN" altLang="en-US"/>
               <a:t>单击此处编辑母版文本样式</a:t>
             </a:r>
-            <a:endParaRPr lang="zh-CN" altLang="en-US"/>
           </a:p>
         </p:txBody>
       </p:sp>
     </p:spTree>
+    <p:extLst>
+      <p:ext uri="{BB962C8B-B14F-4D97-AF65-F5344CB8AC3E}">
+        <p14:creationId xmlns:p14="http://schemas.microsoft.com/office/powerpoint/2010/main" val="779768991"/>
+      </p:ext>
+    </p:extLst>
   </p:cSld>
   <p:clrMapOvr>
     <a:masterClrMapping/>
@@ -3054,7 +3086,6 @@
               <a:rPr lang="zh-CN" altLang="en-US"/>
               <a:t>单击此处编辑母版标题样式</a:t>
             </a:r>
-            <a:endParaRPr lang="zh-CN" altLang="en-US"/>
           </a:p>
         </p:txBody>
       </p:sp>
@@ -3078,7 +3109,6 @@
               <a:rPr lang="zh-CN" altLang="en-US"/>
               <a:t>单击此处编辑母版文本样式</a:t>
             </a:r>
-            <a:endParaRPr lang="zh-CN" altLang="en-US"/>
           </a:p>
           <a:p>
             <a:pPr lvl="1"/>
@@ -3086,7 +3116,6 @@
               <a:rPr lang="zh-CN" altLang="en-US"/>
               <a:t>二级</a:t>
             </a:r>
-            <a:endParaRPr lang="zh-CN" altLang="en-US"/>
           </a:p>
           <a:p>
             <a:pPr lvl="2"/>
@@ -3094,7 +3123,6 @@
               <a:rPr lang="zh-CN" altLang="en-US"/>
               <a:t>三级</a:t>
             </a:r>
-            <a:endParaRPr lang="zh-CN" altLang="en-US"/>
           </a:p>
           <a:p>
             <a:pPr lvl="3"/>
@@ -3102,7 +3130,6 @@
               <a:rPr lang="zh-CN" altLang="en-US"/>
               <a:t>四级</a:t>
             </a:r>
-            <a:endParaRPr lang="zh-CN" altLang="en-US"/>
           </a:p>
           <a:p>
             <a:pPr lvl="4"/>
@@ -3110,11 +3137,15 @@
               <a:rPr lang="zh-CN" altLang="en-US"/>
               <a:t>五级</a:t>
             </a:r>
-            <a:endParaRPr lang="zh-CN" altLang="en-US"/>
           </a:p>
         </p:txBody>
       </p:sp>
     </p:spTree>
+    <p:extLst>
+      <p:ext uri="{BB962C8B-B14F-4D97-AF65-F5344CB8AC3E}">
+        <p14:creationId xmlns:p14="http://schemas.microsoft.com/office/powerpoint/2010/main" val="491914652"/>
+      </p:ext>
+    </p:extLst>
   </p:cSld>
   <p:clrMapOvr>
     <a:masterClrMapping/>
@@ -3163,7 +3194,6 @@
               <a:rPr lang="zh-CN" altLang="en-US"/>
               <a:t>单击此处编辑母版标题样式</a:t>
             </a:r>
-            <a:endParaRPr lang="zh-CN" altLang="en-US"/>
           </a:p>
         </p:txBody>
       </p:sp>
@@ -3192,7 +3222,6 @@
               <a:rPr lang="zh-CN" altLang="en-US"/>
               <a:t>单击此处编辑母版文本样式</a:t>
             </a:r>
-            <a:endParaRPr lang="zh-CN" altLang="en-US"/>
           </a:p>
           <a:p>
             <a:pPr lvl="1"/>
@@ -3200,7 +3229,6 @@
               <a:rPr lang="zh-CN" altLang="en-US"/>
               <a:t>二级</a:t>
             </a:r>
-            <a:endParaRPr lang="zh-CN" altLang="en-US"/>
           </a:p>
           <a:p>
             <a:pPr lvl="2"/>
@@ -3208,7 +3236,6 @@
               <a:rPr lang="zh-CN" altLang="en-US"/>
               <a:t>三级</a:t>
             </a:r>
-            <a:endParaRPr lang="zh-CN" altLang="en-US"/>
           </a:p>
           <a:p>
             <a:pPr lvl="3"/>
@@ -3216,7 +3243,6 @@
               <a:rPr lang="zh-CN" altLang="en-US"/>
               <a:t>四级</a:t>
             </a:r>
-            <a:endParaRPr lang="zh-CN" altLang="en-US"/>
           </a:p>
           <a:p>
             <a:pPr lvl="4"/>
@@ -3224,11 +3250,15 @@
               <a:rPr lang="zh-CN" altLang="en-US"/>
               <a:t>五级</a:t>
             </a:r>
-            <a:endParaRPr lang="zh-CN" altLang="en-US"/>
           </a:p>
         </p:txBody>
       </p:sp>
     </p:spTree>
+    <p:extLst>
+      <p:ext uri="{BB962C8B-B14F-4D97-AF65-F5344CB8AC3E}">
+        <p14:creationId xmlns:p14="http://schemas.microsoft.com/office/powerpoint/2010/main" val="2087291619"/>
+      </p:ext>
+    </p:extLst>
   </p:cSld>
   <p:clrMapOvr>
     <a:masterClrMapping/>
@@ -3280,11 +3310,15 @@
               <a:rPr lang="zh-CN" altLang="en-US"/>
               <a:t>单击此处编辑母版标题样式</a:t>
             </a:r>
-            <a:endParaRPr lang="zh-CN" altLang="en-US"/>
           </a:p>
         </p:txBody>
       </p:sp>
     </p:spTree>
+    <p:extLst>
+      <p:ext uri="{BB962C8B-B14F-4D97-AF65-F5344CB8AC3E}">
+        <p14:creationId xmlns:p14="http://schemas.microsoft.com/office/powerpoint/2010/main" val="2687689974"/>
+      </p:ext>
+    </p:extLst>
   </p:cSld>
   <p:clrMapOvr>
     <a:masterClrMapping/>
@@ -3330,8 +3364,8 @@
           <a:lstStyle>
             <a:lvl1pPr algn="r">
               <a:defRPr sz="2800">
-                <a:latin typeface="微软雅黑" panose="020B0503020204020204" pitchFamily="34" charset="-122"/>
-                <a:ea typeface="微软雅黑" panose="020B0503020204020204" pitchFamily="34" charset="-122"/>
+                <a:latin typeface="微软雅黑" pitchFamily="34" charset="-122"/>
+                <a:ea typeface="微软雅黑" pitchFamily="34" charset="-122"/>
               </a:defRPr>
             </a:lvl1pPr>
           </a:lstStyle>
@@ -3360,32 +3394,32 @@
           <a:lstStyle>
             <a:lvl1pPr>
               <a:defRPr b="1">
-                <a:latin typeface="黑体" panose="02010609060101010101" pitchFamily="49" charset="-122"/>
-                <a:ea typeface="黑体" panose="02010609060101010101" pitchFamily="49" charset="-122"/>
+                <a:latin typeface="黑体" pitchFamily="49" charset="-122"/>
+                <a:ea typeface="黑体" pitchFamily="49" charset="-122"/>
               </a:defRPr>
             </a:lvl1pPr>
             <a:lvl2pPr>
               <a:defRPr b="1">
-                <a:latin typeface="黑体" panose="02010609060101010101" pitchFamily="49" charset="-122"/>
-                <a:ea typeface="黑体" panose="02010609060101010101" pitchFamily="49" charset="-122"/>
+                <a:latin typeface="黑体" pitchFamily="49" charset="-122"/>
+                <a:ea typeface="黑体" pitchFamily="49" charset="-122"/>
               </a:defRPr>
             </a:lvl2pPr>
             <a:lvl3pPr>
               <a:defRPr b="1">
-                <a:latin typeface="黑体" panose="02010609060101010101" pitchFamily="49" charset="-122"/>
-                <a:ea typeface="黑体" panose="02010609060101010101" pitchFamily="49" charset="-122"/>
+                <a:latin typeface="黑体" pitchFamily="49" charset="-122"/>
+                <a:ea typeface="黑体" pitchFamily="49" charset="-122"/>
               </a:defRPr>
             </a:lvl3pPr>
             <a:lvl4pPr>
               <a:defRPr b="1">
-                <a:latin typeface="黑体" panose="02010609060101010101" pitchFamily="49" charset="-122"/>
-                <a:ea typeface="黑体" panose="02010609060101010101" pitchFamily="49" charset="-122"/>
+                <a:latin typeface="黑体" pitchFamily="49" charset="-122"/>
+                <a:ea typeface="黑体" pitchFamily="49" charset="-122"/>
               </a:defRPr>
             </a:lvl4pPr>
             <a:lvl5pPr>
               <a:defRPr b="1">
-                <a:latin typeface="黑体" panose="02010609060101010101" pitchFamily="49" charset="-122"/>
-                <a:ea typeface="黑体" panose="02010609060101010101" pitchFamily="49" charset="-122"/>
+                <a:latin typeface="黑体" pitchFamily="49" charset="-122"/>
+                <a:ea typeface="黑体" pitchFamily="49" charset="-122"/>
               </a:defRPr>
             </a:lvl5pPr>
           </a:lstStyle>
@@ -3395,7 +3429,6 @@
               <a:rPr lang="zh-CN" altLang="en-US"/>
               <a:t>单击此处编辑母版文本样式</a:t>
             </a:r>
-            <a:endParaRPr lang="zh-CN" altLang="en-US"/>
           </a:p>
           <a:p>
             <a:pPr lvl="1"/>
@@ -3403,7 +3436,6 @@
               <a:rPr lang="zh-CN" altLang="en-US"/>
               <a:t>二级</a:t>
             </a:r>
-            <a:endParaRPr lang="zh-CN" altLang="en-US"/>
           </a:p>
           <a:p>
             <a:pPr lvl="2"/>
@@ -3411,7 +3443,6 @@
               <a:rPr lang="zh-CN" altLang="en-US"/>
               <a:t>三级</a:t>
             </a:r>
-            <a:endParaRPr lang="zh-CN" altLang="en-US"/>
           </a:p>
           <a:p>
             <a:pPr lvl="3"/>
@@ -3419,7 +3450,6 @@
               <a:rPr lang="zh-CN" altLang="en-US"/>
               <a:t>四级</a:t>
             </a:r>
-            <a:endParaRPr lang="zh-CN" altLang="en-US"/>
           </a:p>
           <a:p>
             <a:pPr lvl="4"/>
@@ -3427,11 +3457,15 @@
               <a:rPr lang="zh-CN" altLang="en-US"/>
               <a:t>五级</a:t>
             </a:r>
-            <a:endParaRPr lang="zh-CN" altLang="en-US"/>
           </a:p>
         </p:txBody>
       </p:sp>
     </p:spTree>
+    <p:extLst>
+      <p:ext uri="{BB962C8B-B14F-4D97-AF65-F5344CB8AC3E}">
+        <p14:creationId xmlns:p14="http://schemas.microsoft.com/office/powerpoint/2010/main" val="389507758"/>
+      </p:ext>
+    </p:extLst>
   </p:cSld>
   <p:clrMapOvr>
     <a:masterClrMapping/>
@@ -3594,7 +3628,7 @@
                 <a:cs typeface="Arial Unicode MS" panose="020B0604020202020204" pitchFamily="34" charset="-122"/>
               </a:defRPr>
             </a:lvl1pPr>
-            <a:lvl2pPr marL="362585" indent="0" algn="ctr">
+            <a:lvl2pPr marL="362808" indent="0" algn="ctr">
               <a:buNone/>
               <a:defRPr>
                 <a:solidFill>
@@ -3604,7 +3638,7 @@
                 </a:solidFill>
               </a:defRPr>
             </a:lvl2pPr>
-            <a:lvl3pPr marL="725805" indent="0" algn="ctr">
+            <a:lvl3pPr marL="725617" indent="0" algn="ctr">
               <a:buNone/>
               <a:defRPr>
                 <a:solidFill>
@@ -3614,7 +3648,7 @@
                 </a:solidFill>
               </a:defRPr>
             </a:lvl3pPr>
-            <a:lvl4pPr marL="1088390" indent="0" algn="ctr">
+            <a:lvl4pPr marL="1088425" indent="0" algn="ctr">
               <a:buNone/>
               <a:defRPr>
                 <a:solidFill>
@@ -3624,7 +3658,7 @@
                 </a:solidFill>
               </a:defRPr>
             </a:lvl4pPr>
-            <a:lvl5pPr marL="1450975" indent="0" algn="ctr">
+            <a:lvl5pPr marL="1451233" indent="0" algn="ctr">
               <a:buNone/>
               <a:defRPr>
                 <a:solidFill>
@@ -3634,7 +3668,7 @@
                 </a:solidFill>
               </a:defRPr>
             </a:lvl5pPr>
-            <a:lvl6pPr marL="1814195" indent="0" algn="ctr">
+            <a:lvl6pPr marL="1814042" indent="0" algn="ctr">
               <a:buNone/>
               <a:defRPr>
                 <a:solidFill>
@@ -3644,7 +3678,7 @@
                 </a:solidFill>
               </a:defRPr>
             </a:lvl6pPr>
-            <a:lvl7pPr marL="2176780" indent="0" algn="ctr">
+            <a:lvl7pPr marL="2176851" indent="0" algn="ctr">
               <a:buNone/>
               <a:defRPr>
                 <a:solidFill>
@@ -3654,7 +3688,7 @@
                 </a:solidFill>
               </a:defRPr>
             </a:lvl7pPr>
-            <a:lvl8pPr marL="2539365" indent="0" algn="ctr">
+            <a:lvl8pPr marL="2539659" indent="0" algn="ctr">
               <a:buNone/>
               <a:defRPr>
                 <a:solidFill>
@@ -3664,7 +3698,7 @@
                 </a:solidFill>
               </a:defRPr>
             </a:lvl8pPr>
-            <a:lvl9pPr marL="2902585" indent="0" algn="ctr">
+            <a:lvl9pPr marL="2902467" indent="0" algn="ctr">
               <a:buNone/>
               <a:defRPr>
                 <a:solidFill>
@@ -6240,6 +6274,8 @@
           <a:ln w="9525" algn="ctr">
             <a:noFill/>
             <a:miter lim="800000"/>
+            <a:headEnd/>
+            <a:tailEnd/>
           </a:ln>
         </p:spPr>
         <p:txBody>
@@ -6272,7 +6308,7 @@
               </a:rPr>
               <a:t>忠信笃敬  知行合一  自强不息  和而不同</a:t>
             </a:r>
-            <a:endParaRPr lang="zh-CN" altLang="en-US" sz="950" dirty="0">
+            <a:endParaRPr lang="zh-CN" altLang="en-US" sz="952" dirty="0">
               <a:solidFill>
                 <a:prstClr val="white">
                   <a:lumMod val="85000"/>
@@ -8456,6 +8492,11 @@
         </p:spPr>
       </p:pic>
     </p:spTree>
+    <p:extLst>
+      <p:ext uri="{BB962C8B-B14F-4D97-AF65-F5344CB8AC3E}">
+        <p14:creationId xmlns:p14="http://schemas.microsoft.com/office/powerpoint/2010/main" val="3721025307"/>
+      </p:ext>
+    </p:extLst>
   </p:cSld>
   <p:clrMapOvr>
     <a:masterClrMapping/>
@@ -8586,7 +8627,6 @@
               <a:rPr lang="zh-CN" altLang="en-US"/>
               <a:t>单击此处编辑母版文本样式</a:t>
             </a:r>
-            <a:endParaRPr lang="zh-CN" altLang="en-US"/>
           </a:p>
           <a:p>
             <a:pPr lvl="1"/>
@@ -8594,7 +8634,6 @@
               <a:rPr lang="zh-CN" altLang="en-US"/>
               <a:t>二级</a:t>
             </a:r>
-            <a:endParaRPr lang="zh-CN" altLang="en-US"/>
           </a:p>
           <a:p>
             <a:pPr lvl="2"/>
@@ -8602,7 +8641,6 @@
               <a:rPr lang="zh-CN" altLang="en-US"/>
               <a:t>三级</a:t>
             </a:r>
-            <a:endParaRPr lang="zh-CN" altLang="en-US"/>
           </a:p>
           <a:p>
             <a:pPr lvl="3"/>
@@ -8610,7 +8648,6 @@
               <a:rPr lang="zh-CN" altLang="en-US"/>
               <a:t>四级</a:t>
             </a:r>
-            <a:endParaRPr lang="zh-CN" altLang="en-US"/>
           </a:p>
           <a:p>
             <a:pPr lvl="4"/>
@@ -8618,7 +8655,6 @@
               <a:rPr lang="zh-CN" altLang="en-US"/>
               <a:t>五级</a:t>
             </a:r>
-            <a:endParaRPr lang="zh-CN" altLang="en-US"/>
           </a:p>
         </p:txBody>
       </p:sp>
@@ -8663,17 +8699,22 @@
         </p:txBody>
       </p:sp>
     </p:spTree>
+    <p:extLst>
+      <p:ext uri="{BB962C8B-B14F-4D97-AF65-F5344CB8AC3E}">
+        <p14:creationId xmlns:p14="http://schemas.microsoft.com/office/powerpoint/2010/main" val="301304363"/>
+      </p:ext>
+    </p:extLst>
   </p:cSld>
   <p:clrMapOvr>
     <a:masterClrMapping/>
   </p:clrMapOvr>
-  <mc:AlternateContent xmlns:mc="http://schemas.openxmlformats.org/markup-compatibility/2006">
-    <mc:Choice xmlns:p14="http://schemas.microsoft.com/office/powerpoint/2010/main" Requires="p14">
+  <mc:AlternateContent xmlns:mc="http://schemas.openxmlformats.org/markup-compatibility/2006" xmlns:p14="http://schemas.microsoft.com/office/powerpoint/2010/main">
+    <mc:Choice Requires="p14">
       <p:transition spd="slow" p14:dur="1600">
         <p:blinds dir="vert"/>
       </p:transition>
     </mc:Choice>
-    <mc:Fallback>
+    <mc:Fallback xmlns="">
       <p:transition spd="slow">
         <p:blinds dir="vert"/>
       </p:transition>
@@ -8757,31 +8798,31 @@
           <a:bodyPr/>
           <a:lstStyle>
             <a:lvl1pPr>
-              <a:defRPr sz="2220"/>
+              <a:defRPr sz="2222"/>
             </a:lvl1pPr>
             <a:lvl2pPr>
               <a:defRPr sz="1905"/>
             </a:lvl2pPr>
             <a:lvl3pPr>
-              <a:defRPr sz="1585"/>
+              <a:defRPr sz="1587"/>
             </a:lvl3pPr>
             <a:lvl4pPr>
-              <a:defRPr sz="1430"/>
+              <a:defRPr sz="1429"/>
             </a:lvl4pPr>
             <a:lvl5pPr>
-              <a:defRPr sz="1430"/>
+              <a:defRPr sz="1429"/>
             </a:lvl5pPr>
             <a:lvl6pPr>
-              <a:defRPr sz="1430"/>
+              <a:defRPr sz="1429"/>
             </a:lvl6pPr>
             <a:lvl7pPr>
-              <a:defRPr sz="1430"/>
+              <a:defRPr sz="1429"/>
             </a:lvl7pPr>
             <a:lvl8pPr>
-              <a:defRPr sz="1430"/>
+              <a:defRPr sz="1429"/>
             </a:lvl8pPr>
             <a:lvl9pPr>
-              <a:defRPr sz="1430"/>
+              <a:defRPr sz="1429"/>
             </a:lvl9pPr>
           </a:lstStyle>
           <a:p>
@@ -8790,7 +8831,6 @@
               <a:rPr lang="zh-CN" altLang="en-US"/>
               <a:t>单击此处编辑母版文本样式</a:t>
             </a:r>
-            <a:endParaRPr lang="zh-CN" altLang="en-US"/>
           </a:p>
           <a:p>
             <a:pPr lvl="1"/>
@@ -8798,7 +8838,6 @@
               <a:rPr lang="zh-CN" altLang="en-US"/>
               <a:t>二级</a:t>
             </a:r>
-            <a:endParaRPr lang="zh-CN" altLang="en-US"/>
           </a:p>
           <a:p>
             <a:pPr lvl="2"/>
@@ -8806,7 +8845,6 @@
               <a:rPr lang="zh-CN" altLang="en-US"/>
               <a:t>三级</a:t>
             </a:r>
-            <a:endParaRPr lang="zh-CN" altLang="en-US"/>
           </a:p>
           <a:p>
             <a:pPr lvl="3"/>
@@ -8814,7 +8852,6 @@
               <a:rPr lang="zh-CN" altLang="en-US"/>
               <a:t>四级</a:t>
             </a:r>
-            <a:endParaRPr lang="zh-CN" altLang="en-US"/>
           </a:p>
           <a:p>
             <a:pPr lvl="4"/>
@@ -8822,7 +8859,6 @@
               <a:rPr lang="zh-CN" altLang="en-US"/>
               <a:t>五级</a:t>
             </a:r>
-            <a:endParaRPr lang="zh-CN" altLang="en-US"/>
           </a:p>
         </p:txBody>
       </p:sp>
@@ -8846,31 +8882,31 @@
           <a:bodyPr/>
           <a:lstStyle>
             <a:lvl1pPr>
-              <a:defRPr sz="2220"/>
+              <a:defRPr sz="2222"/>
             </a:lvl1pPr>
             <a:lvl2pPr>
               <a:defRPr sz="1905"/>
             </a:lvl2pPr>
             <a:lvl3pPr>
-              <a:defRPr sz="1585"/>
+              <a:defRPr sz="1587"/>
             </a:lvl3pPr>
             <a:lvl4pPr>
-              <a:defRPr sz="1430"/>
+              <a:defRPr sz="1429"/>
             </a:lvl4pPr>
             <a:lvl5pPr>
-              <a:defRPr sz="1430"/>
+              <a:defRPr sz="1429"/>
             </a:lvl5pPr>
             <a:lvl6pPr>
-              <a:defRPr sz="1430"/>
+              <a:defRPr sz="1429"/>
             </a:lvl6pPr>
             <a:lvl7pPr>
-              <a:defRPr sz="1430"/>
+              <a:defRPr sz="1429"/>
             </a:lvl7pPr>
             <a:lvl8pPr>
-              <a:defRPr sz="1430"/>
+              <a:defRPr sz="1429"/>
             </a:lvl8pPr>
             <a:lvl9pPr>
-              <a:defRPr sz="1430"/>
+              <a:defRPr sz="1429"/>
             </a:lvl9pPr>
           </a:lstStyle>
           <a:p>
@@ -8879,7 +8915,6 @@
               <a:rPr lang="zh-CN" altLang="en-US"/>
               <a:t>单击此处编辑母版文本样式</a:t>
             </a:r>
-            <a:endParaRPr lang="zh-CN" altLang="en-US"/>
           </a:p>
           <a:p>
             <a:pPr lvl="1"/>
@@ -8887,7 +8922,6 @@
               <a:rPr lang="zh-CN" altLang="en-US"/>
               <a:t>二级</a:t>
             </a:r>
-            <a:endParaRPr lang="zh-CN" altLang="en-US"/>
           </a:p>
           <a:p>
             <a:pPr lvl="2"/>
@@ -8895,7 +8929,6 @@
               <a:rPr lang="zh-CN" altLang="en-US"/>
               <a:t>三级</a:t>
             </a:r>
-            <a:endParaRPr lang="zh-CN" altLang="en-US"/>
           </a:p>
           <a:p>
             <a:pPr lvl="3"/>
@@ -8903,7 +8936,6 @@
               <a:rPr lang="zh-CN" altLang="en-US"/>
               <a:t>四级</a:t>
             </a:r>
-            <a:endParaRPr lang="zh-CN" altLang="en-US"/>
           </a:p>
           <a:p>
             <a:pPr lvl="4"/>
@@ -8911,22 +8943,26 @@
               <a:rPr lang="zh-CN" altLang="en-US"/>
               <a:t>五级</a:t>
             </a:r>
-            <a:endParaRPr lang="zh-CN" altLang="en-US"/>
           </a:p>
         </p:txBody>
       </p:sp>
     </p:spTree>
+    <p:extLst>
+      <p:ext uri="{BB962C8B-B14F-4D97-AF65-F5344CB8AC3E}">
+        <p14:creationId xmlns:p14="http://schemas.microsoft.com/office/powerpoint/2010/main" val="1592371276"/>
+      </p:ext>
+    </p:extLst>
   </p:cSld>
   <p:clrMapOvr>
     <a:masterClrMapping/>
   </p:clrMapOvr>
-  <mc:AlternateContent xmlns:mc="http://schemas.openxmlformats.org/markup-compatibility/2006">
-    <mc:Choice xmlns:p14="http://schemas.microsoft.com/office/powerpoint/2010/main" Requires="p14">
+  <mc:AlternateContent xmlns:mc="http://schemas.openxmlformats.org/markup-compatibility/2006" xmlns:p14="http://schemas.microsoft.com/office/powerpoint/2010/main">
+    <mc:Choice Requires="p14">
       <p:transition spd="slow" p14:dur="1600">
         <p:blinds dir="vert"/>
       </p:transition>
     </mc:Choice>
-    <mc:Fallback>
+    <mc:Fallback xmlns="">
       <p:transition spd="slow">
         <p:blinds dir="vert"/>
       </p:transition>
@@ -9013,35 +9049,35 @@
               <a:buNone/>
               <a:defRPr sz="1905" b="1"/>
             </a:lvl1pPr>
-            <a:lvl2pPr marL="362585" indent="0">
+            <a:lvl2pPr marL="362808" indent="0">
               <a:buNone/>
-              <a:defRPr sz="1585" b="1"/>
+              <a:defRPr sz="1587" b="1"/>
             </a:lvl2pPr>
-            <a:lvl3pPr marL="725805" indent="0">
+            <a:lvl3pPr marL="725617" indent="0">
               <a:buNone/>
-              <a:defRPr sz="1430" b="1"/>
+              <a:defRPr sz="1429" b="1"/>
             </a:lvl3pPr>
-            <a:lvl4pPr marL="1088390" indent="0">
+            <a:lvl4pPr marL="1088425" indent="0">
               <a:buNone/>
               <a:defRPr sz="1270" b="1"/>
             </a:lvl4pPr>
-            <a:lvl5pPr marL="1450975" indent="0">
+            <a:lvl5pPr marL="1451233" indent="0">
               <a:buNone/>
               <a:defRPr sz="1270" b="1"/>
             </a:lvl5pPr>
-            <a:lvl6pPr marL="1814195" indent="0">
+            <a:lvl6pPr marL="1814042" indent="0">
               <a:buNone/>
               <a:defRPr sz="1270" b="1"/>
             </a:lvl6pPr>
-            <a:lvl7pPr marL="2176780" indent="0">
+            <a:lvl7pPr marL="2176851" indent="0">
               <a:buNone/>
               <a:defRPr sz="1270" b="1"/>
             </a:lvl7pPr>
-            <a:lvl8pPr marL="2539365" indent="0">
+            <a:lvl8pPr marL="2539659" indent="0">
               <a:buNone/>
               <a:defRPr sz="1270" b="1"/>
             </a:lvl8pPr>
-            <a:lvl9pPr marL="2902585" indent="0">
+            <a:lvl9pPr marL="2902467" indent="0">
               <a:buNone/>
               <a:defRPr sz="1270" b="1"/>
             </a:lvl9pPr>
@@ -9052,7 +9088,6 @@
               <a:rPr lang="zh-CN" altLang="en-US"/>
               <a:t>单击此处编辑母版文本样式</a:t>
             </a:r>
-            <a:endParaRPr lang="zh-CN" altLang="en-US"/>
           </a:p>
         </p:txBody>
       </p:sp>
@@ -9079,10 +9114,10 @@
               <a:defRPr sz="1905"/>
             </a:lvl1pPr>
             <a:lvl2pPr>
-              <a:defRPr sz="1585"/>
+              <a:defRPr sz="1587"/>
             </a:lvl2pPr>
             <a:lvl3pPr>
-              <a:defRPr sz="1430"/>
+              <a:defRPr sz="1429"/>
             </a:lvl3pPr>
             <a:lvl4pPr>
               <a:defRPr sz="1270"/>
@@ -9109,7 +9144,6 @@
               <a:rPr lang="zh-CN" altLang="en-US"/>
               <a:t>单击此处编辑母版文本样式</a:t>
             </a:r>
-            <a:endParaRPr lang="zh-CN" altLang="en-US"/>
           </a:p>
           <a:p>
             <a:pPr lvl="1"/>
@@ -9117,7 +9151,6 @@
               <a:rPr lang="zh-CN" altLang="en-US"/>
               <a:t>二级</a:t>
             </a:r>
-            <a:endParaRPr lang="zh-CN" altLang="en-US"/>
           </a:p>
           <a:p>
             <a:pPr lvl="2"/>
@@ -9125,7 +9158,6 @@
               <a:rPr lang="zh-CN" altLang="en-US"/>
               <a:t>三级</a:t>
             </a:r>
-            <a:endParaRPr lang="zh-CN" altLang="en-US"/>
           </a:p>
           <a:p>
             <a:pPr lvl="3"/>
@@ -9133,7 +9165,6 @@
               <a:rPr lang="zh-CN" altLang="en-US"/>
               <a:t>四级</a:t>
             </a:r>
-            <a:endParaRPr lang="zh-CN" altLang="en-US"/>
           </a:p>
           <a:p>
             <a:pPr lvl="4"/>
@@ -9141,7 +9172,6 @@
               <a:rPr lang="zh-CN" altLang="en-US"/>
               <a:t>五级</a:t>
             </a:r>
-            <a:endParaRPr lang="zh-CN" altLang="en-US"/>
           </a:p>
         </p:txBody>
       </p:sp>
@@ -9168,35 +9198,35 @@
               <a:buNone/>
               <a:defRPr sz="1905" b="1"/>
             </a:lvl1pPr>
-            <a:lvl2pPr marL="362585" indent="0">
+            <a:lvl2pPr marL="362808" indent="0">
               <a:buNone/>
-              <a:defRPr sz="1585" b="1"/>
+              <a:defRPr sz="1587" b="1"/>
             </a:lvl2pPr>
-            <a:lvl3pPr marL="725805" indent="0">
+            <a:lvl3pPr marL="725617" indent="0">
               <a:buNone/>
-              <a:defRPr sz="1430" b="1"/>
+              <a:defRPr sz="1429" b="1"/>
             </a:lvl3pPr>
-            <a:lvl4pPr marL="1088390" indent="0">
+            <a:lvl4pPr marL="1088425" indent="0">
               <a:buNone/>
               <a:defRPr sz="1270" b="1"/>
             </a:lvl4pPr>
-            <a:lvl5pPr marL="1450975" indent="0">
+            <a:lvl5pPr marL="1451233" indent="0">
               <a:buNone/>
               <a:defRPr sz="1270" b="1"/>
             </a:lvl5pPr>
-            <a:lvl6pPr marL="1814195" indent="0">
+            <a:lvl6pPr marL="1814042" indent="0">
               <a:buNone/>
               <a:defRPr sz="1270" b="1"/>
             </a:lvl6pPr>
-            <a:lvl7pPr marL="2176780" indent="0">
+            <a:lvl7pPr marL="2176851" indent="0">
               <a:buNone/>
               <a:defRPr sz="1270" b="1"/>
             </a:lvl7pPr>
-            <a:lvl8pPr marL="2539365" indent="0">
+            <a:lvl8pPr marL="2539659" indent="0">
               <a:buNone/>
               <a:defRPr sz="1270" b="1"/>
             </a:lvl8pPr>
-            <a:lvl9pPr marL="2902585" indent="0">
+            <a:lvl9pPr marL="2902467" indent="0">
               <a:buNone/>
               <a:defRPr sz="1270" b="1"/>
             </a:lvl9pPr>
@@ -9207,7 +9237,6 @@
               <a:rPr lang="zh-CN" altLang="en-US"/>
               <a:t>单击此处编辑母版文本样式</a:t>
             </a:r>
-            <a:endParaRPr lang="zh-CN" altLang="en-US"/>
           </a:p>
         </p:txBody>
       </p:sp>
@@ -9234,10 +9263,10 @@
               <a:defRPr sz="1905"/>
             </a:lvl1pPr>
             <a:lvl2pPr>
-              <a:defRPr sz="1585"/>
+              <a:defRPr sz="1587"/>
             </a:lvl2pPr>
             <a:lvl3pPr>
-              <a:defRPr sz="1430"/>
+              <a:defRPr sz="1429"/>
             </a:lvl3pPr>
             <a:lvl4pPr>
               <a:defRPr sz="1270"/>
@@ -9264,7 +9293,6 @@
               <a:rPr lang="zh-CN" altLang="en-US"/>
               <a:t>单击此处编辑母版文本样式</a:t>
             </a:r>
-            <a:endParaRPr lang="zh-CN" altLang="en-US"/>
           </a:p>
           <a:p>
             <a:pPr lvl="1"/>
@@ -9272,7 +9300,6 @@
               <a:rPr lang="zh-CN" altLang="en-US"/>
               <a:t>二级</a:t>
             </a:r>
-            <a:endParaRPr lang="zh-CN" altLang="en-US"/>
           </a:p>
           <a:p>
             <a:pPr lvl="2"/>
@@ -9280,7 +9307,6 @@
               <a:rPr lang="zh-CN" altLang="en-US"/>
               <a:t>三级</a:t>
             </a:r>
-            <a:endParaRPr lang="zh-CN" altLang="en-US"/>
           </a:p>
           <a:p>
             <a:pPr lvl="3"/>
@@ -9288,7 +9314,6 @@
               <a:rPr lang="zh-CN" altLang="en-US"/>
               <a:t>四级</a:t>
             </a:r>
-            <a:endParaRPr lang="zh-CN" altLang="en-US"/>
           </a:p>
           <a:p>
             <a:pPr lvl="4"/>
@@ -9296,22 +9321,26 @@
               <a:rPr lang="zh-CN" altLang="en-US"/>
               <a:t>五级</a:t>
             </a:r>
-            <a:endParaRPr lang="zh-CN" altLang="en-US"/>
           </a:p>
         </p:txBody>
       </p:sp>
     </p:spTree>
+    <p:extLst>
+      <p:ext uri="{BB962C8B-B14F-4D97-AF65-F5344CB8AC3E}">
+        <p14:creationId xmlns:p14="http://schemas.microsoft.com/office/powerpoint/2010/main" val="2568532511"/>
+      </p:ext>
+    </p:extLst>
   </p:cSld>
   <p:clrMapOvr>
     <a:masterClrMapping/>
   </p:clrMapOvr>
-  <mc:AlternateContent xmlns:mc="http://schemas.openxmlformats.org/markup-compatibility/2006">
-    <mc:Choice xmlns:p14="http://schemas.microsoft.com/office/powerpoint/2010/main" Requires="p14">
+  <mc:AlternateContent xmlns:mc="http://schemas.openxmlformats.org/markup-compatibility/2006" xmlns:p14="http://schemas.microsoft.com/office/powerpoint/2010/main">
+    <mc:Choice Requires="p14">
       <p:transition spd="slow" p14:dur="1600">
         <p:blinds dir="vert"/>
       </p:transition>
     </mc:Choice>
-    <mc:Fallback>
+    <mc:Fallback xmlns="">
       <p:transition spd="slow">
         <p:blinds dir="vert"/>
       </p:transition>
@@ -9356,22 +9385,26 @@
               <a:rPr lang="zh-CN" altLang="en-US"/>
               <a:t>单击此处编辑母版标题样式</a:t>
             </a:r>
-            <a:endParaRPr lang="zh-CN" altLang="en-US"/>
           </a:p>
         </p:txBody>
       </p:sp>
     </p:spTree>
+    <p:extLst>
+      <p:ext uri="{BB962C8B-B14F-4D97-AF65-F5344CB8AC3E}">
+        <p14:creationId xmlns:p14="http://schemas.microsoft.com/office/powerpoint/2010/main" val="3978802437"/>
+      </p:ext>
+    </p:extLst>
   </p:cSld>
   <p:clrMapOvr>
     <a:masterClrMapping/>
   </p:clrMapOvr>
-  <mc:AlternateContent xmlns:mc="http://schemas.openxmlformats.org/markup-compatibility/2006">
-    <mc:Choice xmlns:p14="http://schemas.microsoft.com/office/powerpoint/2010/main" Requires="p14">
+  <mc:AlternateContent xmlns:mc="http://schemas.openxmlformats.org/markup-compatibility/2006" xmlns:p14="http://schemas.microsoft.com/office/powerpoint/2010/main">
+    <mc:Choice Requires="p14">
       <p:transition spd="slow" p14:dur="1600">
         <p:blinds dir="vert"/>
       </p:transition>
     </mc:Choice>
-    <mc:Fallback>
+    <mc:Fallback xmlns="">
       <p:transition spd="slow">
         <p:blinds dir="vert"/>
       </p:transition>
@@ -9414,7 +9447,7 @@
           <p:nvPr/>
         </p:nvPicPr>
         <p:blipFill>
-          <a:blip r:embed="rId5">
+          <a:blip r:embed="rId6">
             <a:extLst>
               <a:ext uri="{28A0092B-C50C-407E-A947-70E740481C1C}">
                 <a14:useLocalDpi xmlns:a14="http://schemas.microsoft.com/office/drawing/2010/main" val="0"/>
@@ -9468,7 +9501,7 @@
           <p:nvPr/>
         </p:nvPicPr>
         <p:blipFill>
-          <a:blip r:embed="rId6">
+          <a:blip r:embed="rId7">
             <a:extLst>
               <a:ext uri="{28A0092B-C50C-407E-A947-70E740481C1C}">
                 <a14:useLocalDpi xmlns:a14="http://schemas.microsoft.com/office/drawing/2010/main" val="0"/>
@@ -9522,7 +9555,7 @@
           <p:nvPr/>
         </p:nvPicPr>
         <p:blipFill>
-          <a:blip r:embed="rId7">
+          <a:blip r:embed="rId8">
             <a:extLst>
               <a:ext uri="{28A0092B-C50C-407E-A947-70E740481C1C}">
                 <a14:useLocalDpi xmlns:a14="http://schemas.microsoft.com/office/drawing/2010/main" val="0"/>
@@ -9576,7 +9609,7 @@
           <p:nvPr/>
         </p:nvPicPr>
         <p:blipFill>
-          <a:blip r:embed="rId8">
+          <a:blip r:embed="rId9">
             <a:extLst>
               <a:ext uri="{28A0092B-C50C-407E-A947-70E740481C1C}">
                 <a14:useLocalDpi xmlns:a14="http://schemas.microsoft.com/office/drawing/2010/main" val="0"/>
@@ -9655,6 +9688,8 @@
           <a:ln w="9525">
             <a:noFill/>
             <a:miter lim="800000"/>
+            <a:headEnd/>
+            <a:tailEnd/>
           </a:ln>
         </p:spPr>
         <p:txBody>
@@ -9711,7 +9746,11 @@
           </a:extLst>
         </p:spPr>
         <p:txBody>
-          <a:bodyPr vert="horz" wrap="square" lIns="91440" tIns="45720" rIns="91440" bIns="45720" numCol="1" anchor="t" anchorCtr="0" compatLnSpc="1"/>
+          <a:bodyPr vert="horz" wrap="square" lIns="91440" tIns="45720" rIns="91440" bIns="45720" numCol="1" anchor="t" anchorCtr="0" compatLnSpc="1">
+            <a:prstTxWarp prst="textNoShape">
+              <a:avLst/>
+            </a:prstTxWarp>
+          </a:bodyPr>
           <a:lstStyle/>
           <a:p>
             <a:pPr lvl="0"/>
@@ -9719,7 +9758,6 @@
               <a:rPr lang="zh-CN" altLang="en-US"/>
               <a:t>单击此处编辑母版文本样式</a:t>
             </a:r>
-            <a:endParaRPr lang="zh-CN" altLang="en-US"/>
           </a:p>
           <a:p>
             <a:pPr lvl="1"/>
@@ -9727,7 +9765,6 @@
               <a:rPr lang="zh-CN" altLang="en-US"/>
               <a:t>第二级</a:t>
             </a:r>
-            <a:endParaRPr lang="zh-CN" altLang="en-US"/>
           </a:p>
           <a:p>
             <a:pPr lvl="2"/>
@@ -9735,7 +9772,6 @@
               <a:rPr lang="zh-CN" altLang="en-US"/>
               <a:t>第三级</a:t>
             </a:r>
-            <a:endParaRPr lang="zh-CN" altLang="en-US"/>
           </a:p>
           <a:p>
             <a:pPr lvl="3"/>
@@ -9743,7 +9779,6 @@
               <a:rPr lang="zh-CN" altLang="en-US"/>
               <a:t>第四级</a:t>
             </a:r>
-            <a:endParaRPr lang="zh-CN" altLang="en-US"/>
           </a:p>
           <a:p>
             <a:pPr lvl="4"/>
@@ -9751,7 +9786,6 @@
               <a:rPr lang="zh-CN" altLang="en-US"/>
               <a:t>第五级</a:t>
             </a:r>
-            <a:endParaRPr lang="zh-CN" altLang="en-US"/>
           </a:p>
         </p:txBody>
       </p:sp>
@@ -9764,7 +9798,7 @@
           <p:nvPr/>
         </p:nvPicPr>
         <p:blipFill>
-          <a:blip r:embed="rId9" cstate="print">
+          <a:blip r:embed="rId10" cstate="print">
             <a:extLst>
               <a:ext uri="{28A0092B-C50C-407E-A947-70E740481C1C}">
                 <a14:useLocalDpi xmlns:a14="http://schemas.microsoft.com/office/drawing/2010/main" val="0"/>
@@ -9797,13 +9831,18 @@
         </p:spPr>
       </p:pic>
     </p:spTree>
+    <p:extLst>
+      <p:ext uri="{BB962C8B-B14F-4D97-AF65-F5344CB8AC3E}">
+        <p14:creationId xmlns:p14="http://schemas.microsoft.com/office/powerpoint/2010/main" val="2416450882"/>
+      </p:ext>
+    </p:extLst>
   </p:cSld>
   <p:clrMap bg1="lt1" tx1="dk1" bg2="lt2" tx2="dk2" accent1="accent1" accent2="accent2" accent3="accent3" accent4="accent4" accent5="accent5" accent6="accent6" hlink="hlink" folHlink="folHlink"/>
   <p:sldLayoutIdLst>
-    <p:sldLayoutId id="2147483649" r:id="rId1"/>
-    <p:sldLayoutId id="2147483650" r:id="rId2"/>
-    <p:sldLayoutId id="2147483651" r:id="rId3"/>
-    <p:sldLayoutId id="2147483652" r:id="rId4"/>
+    <p:sldLayoutId id="2147483841" r:id="rId1"/>
+    <p:sldLayoutId id="2147483842" r:id="rId2"/>
+    <p:sldLayoutId id="2147483843" r:id="rId3"/>
+    <p:sldLayoutId id="2147483844" r:id="rId4"/>
   </p:sldLayoutIdLst>
   <p:txStyles>
     <p:titleStyle>
@@ -10245,7 +10284,6 @@
               <a:rPr lang="zh-CN" altLang="en-US" dirty="0"/>
               <a:t>单击此处编辑母版文本样式</a:t>
             </a:r>
-            <a:endParaRPr lang="zh-CN" altLang="en-US" dirty="0"/>
           </a:p>
           <a:p>
             <a:pPr lvl="1"/>
@@ -10253,7 +10291,6 @@
               <a:rPr lang="zh-CN" altLang="en-US" dirty="0"/>
               <a:t>第二级</a:t>
             </a:r>
-            <a:endParaRPr lang="zh-CN" altLang="en-US" dirty="0"/>
           </a:p>
           <a:p>
             <a:pPr lvl="2"/>
@@ -10261,7 +10298,6 @@
               <a:rPr lang="zh-CN" altLang="en-US" dirty="0"/>
               <a:t>第三级</a:t>
             </a:r>
-            <a:endParaRPr lang="zh-CN" altLang="en-US" dirty="0"/>
           </a:p>
           <a:p>
             <a:pPr lvl="3"/>
@@ -10269,7 +10305,6 @@
               <a:rPr lang="zh-CN" altLang="en-US" dirty="0"/>
               <a:t>第四级</a:t>
             </a:r>
-            <a:endParaRPr lang="zh-CN" altLang="en-US" dirty="0"/>
           </a:p>
           <a:p>
             <a:pPr lvl="4"/>
@@ -10277,7 +10312,6 @@
               <a:rPr lang="zh-CN" altLang="en-US" dirty="0"/>
               <a:t>第五级</a:t>
             </a:r>
-            <a:endParaRPr lang="zh-CN" altLang="en-US" dirty="0"/>
           </a:p>
         </p:txBody>
       </p:sp>
@@ -12012,7 +12046,6 @@
               <a:rPr lang="zh-CN" altLang="en-US" dirty="0"/>
               <a:t>单击此处编辑母版标题样式</a:t>
             </a:r>
-            <a:endParaRPr lang="zh-CN" altLang="en-US" dirty="0"/>
           </a:p>
         </p:txBody>
       </p:sp>
@@ -14155,7 +14188,7 @@
           <p:nvPr/>
         </p:nvPicPr>
         <p:blipFill>
-          <a:blip r:embed="rId8" cstate="print">
+          <a:blip r:embed="rId9" cstate="print">
             <a:extLst>
               <a:ext uri="{28A0092B-C50C-407E-A947-70E740481C1C}">
                 <a14:useLocalDpi xmlns:a14="http://schemas.microsoft.com/office/drawing/2010/main" val="0"/>
@@ -14188,16 +14221,21 @@
         </p:spPr>
       </p:pic>
     </p:spTree>
+    <p:extLst>
+      <p:ext uri="{BB962C8B-B14F-4D97-AF65-F5344CB8AC3E}">
+        <p14:creationId xmlns:p14="http://schemas.microsoft.com/office/powerpoint/2010/main" val="2567712831"/>
+      </p:ext>
+    </p:extLst>
   </p:cSld>
   <p:clrMap bg1="lt1" tx1="dk1" bg2="lt2" tx2="dk2" accent1="accent1" accent2="accent2" accent3="accent3" accent4="accent4" accent5="accent5" accent6="accent6" hlink="hlink" folHlink="folHlink"/>
   <p:sldLayoutIdLst>
-    <p:sldLayoutId id="2147483654" r:id="rId1"/>
-    <p:sldLayoutId id="2147483655" r:id="rId2"/>
-    <p:sldLayoutId id="2147483656" r:id="rId3"/>
-    <p:sldLayoutId id="2147483657" r:id="rId4"/>
-    <p:sldLayoutId id="2147483658" r:id="rId5"/>
-    <p:sldLayoutId id="2147483659" r:id="rId6"/>
-    <p:sldLayoutId id="2147483660" r:id="rId7"/>
+    <p:sldLayoutId id="2147483916" r:id="rId1"/>
+    <p:sldLayoutId id="2147483917" r:id="rId2"/>
+    <p:sldLayoutId id="2147483918" r:id="rId3"/>
+    <p:sldLayoutId id="2147483919" r:id="rId4"/>
+    <p:sldLayoutId id="2147483920" r:id="rId5"/>
+    <p:sldLayoutId id="2147483921" r:id="rId6"/>
+    <p:sldLayoutId id="2147483922" r:id="rId7"/>
   </p:sldLayoutIdLst>
   <p:timing>
     <p:tnLst>
@@ -14831,7 +14869,7 @@
   </p:timing>
   <p:txStyles>
     <p:titleStyle>
-      <a:lvl1pPr algn="ctr" defTabSz="725170" rtl="0" eaLnBrk="1" latinLnBrk="0" hangingPunct="1">
+      <a:lvl1pPr algn="ctr" defTabSz="725617" rtl="0" eaLnBrk="1" latinLnBrk="0" hangingPunct="1">
         <a:spcBef>
           <a:spcPct val="0"/>
         </a:spcBef>
@@ -14854,7 +14892,7 @@
       </a:lvl1pPr>
     </p:titleStyle>
     <p:bodyStyle>
-      <a:lvl1pPr marL="272415" indent="-272415" algn="l" defTabSz="725170" rtl="0" eaLnBrk="1" latinLnBrk="0" hangingPunct="1">
+      <a:lvl1pPr marL="272107" indent="-272107" algn="l" defTabSz="725617" rtl="0" eaLnBrk="1" latinLnBrk="0" hangingPunct="1">
         <a:spcBef>
           <a:spcPct val="20000"/>
         </a:spcBef>
@@ -14869,13 +14907,13 @@
           <a:cs typeface="+mn-cs"/>
         </a:defRPr>
       </a:lvl1pPr>
-      <a:lvl2pPr marL="589280" indent="-226695" algn="l" defTabSz="725170" rtl="0" eaLnBrk="1" latinLnBrk="0" hangingPunct="1">
+      <a:lvl2pPr marL="589563" indent="-226755" algn="l" defTabSz="725617" rtl="0" eaLnBrk="1" latinLnBrk="0" hangingPunct="1">
         <a:spcBef>
           <a:spcPct val="20000"/>
         </a:spcBef>
         <a:buFont typeface="Arial" panose="020B0604020202020204" pitchFamily="34" charset="0"/>
         <a:buChar char="–"/>
-        <a:defRPr sz="2220" b="1" kern="1200">
+        <a:defRPr sz="2222" b="1" kern="1200">
           <a:solidFill>
             <a:schemeClr val="tx1"/>
           </a:solidFill>
@@ -14884,7 +14922,7 @@
           <a:cs typeface="+mn-cs"/>
         </a:defRPr>
       </a:lvl2pPr>
-      <a:lvl3pPr marL="906780" indent="-181610" algn="l" defTabSz="725170" rtl="0" eaLnBrk="1" latinLnBrk="0" hangingPunct="1">
+      <a:lvl3pPr marL="907021" indent="-181404" algn="l" defTabSz="725617" rtl="0" eaLnBrk="1" latinLnBrk="0" hangingPunct="1">
         <a:spcBef>
           <a:spcPct val="20000"/>
         </a:spcBef>
@@ -14899,13 +14937,13 @@
           <a:cs typeface="+mn-cs"/>
         </a:defRPr>
       </a:lvl3pPr>
-      <a:lvl4pPr marL="1270000" indent="-181610" algn="l" defTabSz="725170" rtl="0" eaLnBrk="1" latinLnBrk="0" hangingPunct="1">
+      <a:lvl4pPr marL="1269829" indent="-181404" algn="l" defTabSz="725617" rtl="0" eaLnBrk="1" latinLnBrk="0" hangingPunct="1">
         <a:spcBef>
           <a:spcPct val="20000"/>
         </a:spcBef>
         <a:buFont typeface="Arial" panose="020B0604020202020204" pitchFamily="34" charset="0"/>
         <a:buChar char="–"/>
-        <a:defRPr sz="1585" b="1" kern="1200">
+        <a:defRPr sz="1587" b="1" kern="1200">
           <a:solidFill>
             <a:schemeClr val="tx1"/>
           </a:solidFill>
@@ -14914,13 +14952,13 @@
           <a:cs typeface="+mn-cs"/>
         </a:defRPr>
       </a:lvl4pPr>
-      <a:lvl5pPr marL="1632585" indent="-181610" algn="l" defTabSz="725170" rtl="0" eaLnBrk="1" latinLnBrk="0" hangingPunct="1">
+      <a:lvl5pPr marL="1632638" indent="-181404" algn="l" defTabSz="725617" rtl="0" eaLnBrk="1" latinLnBrk="0" hangingPunct="1">
         <a:spcBef>
           <a:spcPct val="20000"/>
         </a:spcBef>
         <a:buFont typeface="Arial" panose="020B0604020202020204" pitchFamily="34" charset="0"/>
         <a:buChar char="»"/>
-        <a:defRPr sz="1585" b="1" kern="1200">
+        <a:defRPr sz="1587" b="1" kern="1200">
           <a:solidFill>
             <a:schemeClr val="tx1"/>
           </a:solidFill>
@@ -14929,13 +14967,13 @@
           <a:cs typeface="+mn-cs"/>
         </a:defRPr>
       </a:lvl5pPr>
-      <a:lvl6pPr marL="1995170" indent="-181610" algn="l" defTabSz="725170" rtl="0" eaLnBrk="1" latinLnBrk="0" hangingPunct="1">
+      <a:lvl6pPr marL="1995447" indent="-181404" algn="l" defTabSz="725617" rtl="0" eaLnBrk="1" latinLnBrk="0" hangingPunct="1">
         <a:spcBef>
           <a:spcPct val="20000"/>
         </a:spcBef>
         <a:buFont typeface="Arial" panose="020B0604020202020204" pitchFamily="34" charset="0"/>
         <a:buChar char="•"/>
-        <a:defRPr sz="1585" kern="1200">
+        <a:defRPr sz="1587" kern="1200">
           <a:solidFill>
             <a:schemeClr val="tx1"/>
           </a:solidFill>
@@ -14944,13 +14982,13 @@
           <a:cs typeface="+mn-cs"/>
         </a:defRPr>
       </a:lvl6pPr>
-      <a:lvl7pPr marL="2358390" indent="-181610" algn="l" defTabSz="725170" rtl="0" eaLnBrk="1" latinLnBrk="0" hangingPunct="1">
+      <a:lvl7pPr marL="2358255" indent="-181404" algn="l" defTabSz="725617" rtl="0" eaLnBrk="1" latinLnBrk="0" hangingPunct="1">
         <a:spcBef>
           <a:spcPct val="20000"/>
         </a:spcBef>
         <a:buFont typeface="Arial" panose="020B0604020202020204" pitchFamily="34" charset="0"/>
         <a:buChar char="•"/>
-        <a:defRPr sz="1585" kern="1200">
+        <a:defRPr sz="1587" kern="1200">
           <a:solidFill>
             <a:schemeClr val="tx1"/>
           </a:solidFill>
@@ -14959,13 +14997,13 @@
           <a:cs typeface="+mn-cs"/>
         </a:defRPr>
       </a:lvl7pPr>
-      <a:lvl8pPr marL="2720975" indent="-181610" algn="l" defTabSz="725170" rtl="0" eaLnBrk="1" latinLnBrk="0" hangingPunct="1">
+      <a:lvl8pPr marL="2721063" indent="-181404" algn="l" defTabSz="725617" rtl="0" eaLnBrk="1" latinLnBrk="0" hangingPunct="1">
         <a:spcBef>
           <a:spcPct val="20000"/>
         </a:spcBef>
         <a:buFont typeface="Arial" panose="020B0604020202020204" pitchFamily="34" charset="0"/>
         <a:buChar char="•"/>
-        <a:defRPr sz="1585" kern="1200">
+        <a:defRPr sz="1587" kern="1200">
           <a:solidFill>
             <a:schemeClr val="tx1"/>
           </a:solidFill>
@@ -14974,13 +15012,13 @@
           <a:cs typeface="+mn-cs"/>
         </a:defRPr>
       </a:lvl8pPr>
-      <a:lvl9pPr marL="3083560" indent="-181610" algn="l" defTabSz="725170" rtl="0" eaLnBrk="1" latinLnBrk="0" hangingPunct="1">
+      <a:lvl9pPr marL="3083871" indent="-181404" algn="l" defTabSz="725617" rtl="0" eaLnBrk="1" latinLnBrk="0" hangingPunct="1">
         <a:spcBef>
           <a:spcPct val="20000"/>
         </a:spcBef>
         <a:buFont typeface="Arial" panose="020B0604020202020204" pitchFamily="34" charset="0"/>
         <a:buChar char="•"/>
-        <a:defRPr sz="1585" kern="1200">
+        <a:defRPr sz="1587" kern="1200">
           <a:solidFill>
             <a:schemeClr val="tx1"/>
           </a:solidFill>
@@ -14994,8 +15032,8 @@
       <a:defPPr>
         <a:defRPr lang="zh-CN"/>
       </a:defPPr>
-      <a:lvl1pPr marL="0" algn="l" defTabSz="725170" rtl="0" eaLnBrk="1" latinLnBrk="0" hangingPunct="1">
-        <a:defRPr sz="1430" kern="1200">
+      <a:lvl1pPr marL="0" algn="l" defTabSz="725617" rtl="0" eaLnBrk="1" latinLnBrk="0" hangingPunct="1">
+        <a:defRPr sz="1429" kern="1200">
           <a:solidFill>
             <a:schemeClr val="tx1"/>
           </a:solidFill>
@@ -15004,8 +15042,8 @@
           <a:cs typeface="+mn-cs"/>
         </a:defRPr>
       </a:lvl1pPr>
-      <a:lvl2pPr marL="362585" algn="l" defTabSz="725170" rtl="0" eaLnBrk="1" latinLnBrk="0" hangingPunct="1">
-        <a:defRPr sz="1430" kern="1200">
+      <a:lvl2pPr marL="362808" algn="l" defTabSz="725617" rtl="0" eaLnBrk="1" latinLnBrk="0" hangingPunct="1">
+        <a:defRPr sz="1429" kern="1200">
           <a:solidFill>
             <a:schemeClr val="tx1"/>
           </a:solidFill>
@@ -15014,8 +15052,8 @@
           <a:cs typeface="+mn-cs"/>
         </a:defRPr>
       </a:lvl2pPr>
-      <a:lvl3pPr marL="725805" algn="l" defTabSz="725170" rtl="0" eaLnBrk="1" latinLnBrk="0" hangingPunct="1">
-        <a:defRPr sz="1430" kern="1200">
+      <a:lvl3pPr marL="725617" algn="l" defTabSz="725617" rtl="0" eaLnBrk="1" latinLnBrk="0" hangingPunct="1">
+        <a:defRPr sz="1429" kern="1200">
           <a:solidFill>
             <a:schemeClr val="tx1"/>
           </a:solidFill>
@@ -15024,8 +15062,8 @@
           <a:cs typeface="+mn-cs"/>
         </a:defRPr>
       </a:lvl3pPr>
-      <a:lvl4pPr marL="1088390" algn="l" defTabSz="725170" rtl="0" eaLnBrk="1" latinLnBrk="0" hangingPunct="1">
-        <a:defRPr sz="1430" kern="1200">
+      <a:lvl4pPr marL="1088425" algn="l" defTabSz="725617" rtl="0" eaLnBrk="1" latinLnBrk="0" hangingPunct="1">
+        <a:defRPr sz="1429" kern="1200">
           <a:solidFill>
             <a:schemeClr val="tx1"/>
           </a:solidFill>
@@ -15034,8 +15072,8 @@
           <a:cs typeface="+mn-cs"/>
         </a:defRPr>
       </a:lvl4pPr>
-      <a:lvl5pPr marL="1450975" algn="l" defTabSz="725170" rtl="0" eaLnBrk="1" latinLnBrk="0" hangingPunct="1">
-        <a:defRPr sz="1430" kern="1200">
+      <a:lvl5pPr marL="1451233" algn="l" defTabSz="725617" rtl="0" eaLnBrk="1" latinLnBrk="0" hangingPunct="1">
+        <a:defRPr sz="1429" kern="1200">
           <a:solidFill>
             <a:schemeClr val="tx1"/>
           </a:solidFill>
@@ -15044,8 +15082,8 @@
           <a:cs typeface="+mn-cs"/>
         </a:defRPr>
       </a:lvl5pPr>
-      <a:lvl6pPr marL="1814195" algn="l" defTabSz="725170" rtl="0" eaLnBrk="1" latinLnBrk="0" hangingPunct="1">
-        <a:defRPr sz="1430" kern="1200">
+      <a:lvl6pPr marL="1814042" algn="l" defTabSz="725617" rtl="0" eaLnBrk="1" latinLnBrk="0" hangingPunct="1">
+        <a:defRPr sz="1429" kern="1200">
           <a:solidFill>
             <a:schemeClr val="tx1"/>
           </a:solidFill>
@@ -15054,8 +15092,8 @@
           <a:cs typeface="+mn-cs"/>
         </a:defRPr>
       </a:lvl6pPr>
-      <a:lvl7pPr marL="2176780" algn="l" defTabSz="725170" rtl="0" eaLnBrk="1" latinLnBrk="0" hangingPunct="1">
-        <a:defRPr sz="1430" kern="1200">
+      <a:lvl7pPr marL="2176851" algn="l" defTabSz="725617" rtl="0" eaLnBrk="1" latinLnBrk="0" hangingPunct="1">
+        <a:defRPr sz="1429" kern="1200">
           <a:solidFill>
             <a:schemeClr val="tx1"/>
           </a:solidFill>
@@ -15064,8 +15102,8 @@
           <a:cs typeface="+mn-cs"/>
         </a:defRPr>
       </a:lvl7pPr>
-      <a:lvl8pPr marL="2539365" algn="l" defTabSz="725170" rtl="0" eaLnBrk="1" latinLnBrk="0" hangingPunct="1">
-        <a:defRPr sz="1430" kern="1200">
+      <a:lvl8pPr marL="2539659" algn="l" defTabSz="725617" rtl="0" eaLnBrk="1" latinLnBrk="0" hangingPunct="1">
+        <a:defRPr sz="1429" kern="1200">
           <a:solidFill>
             <a:schemeClr val="tx1"/>
           </a:solidFill>
@@ -15074,8 +15112,8 @@
           <a:cs typeface="+mn-cs"/>
         </a:defRPr>
       </a:lvl8pPr>
-      <a:lvl9pPr marL="2902585" algn="l" defTabSz="725170" rtl="0" eaLnBrk="1" latinLnBrk="0" hangingPunct="1">
-        <a:defRPr sz="1430" kern="1200">
+      <a:lvl9pPr marL="2902467" algn="l" defTabSz="725617" rtl="0" eaLnBrk="1" latinLnBrk="0" hangingPunct="1">
+        <a:defRPr sz="1429" kern="1200">
           <a:solidFill>
             <a:schemeClr val="tx1"/>
           </a:solidFill>
@@ -15159,6 +15197,8 @@
                   <a:schemeClr val="tx1"/>
                 </a:solidFill>
                 <a:round/>
+                <a:headEnd/>
+                <a:tailEnd/>
               </a14:hiddenLine>
             </a:ext>
             <a:ext uri="{AF507438-7753-43E0-B8FC-AC1667EBCBE1}">
@@ -15286,7 +15326,11 @@
           </a:extLst>
         </p:spPr>
         <p:txBody>
-          <a:bodyPr vert="horz" wrap="square" lIns="91440" tIns="45720" rIns="91440" bIns="45720" numCol="1" anchor="t" anchorCtr="0" compatLnSpc="1"/>
+          <a:bodyPr vert="horz" wrap="square" lIns="91440" tIns="45720" rIns="91440" bIns="45720" numCol="1" anchor="t" anchorCtr="0" compatLnSpc="1">
+            <a:prstTxWarp prst="textNoShape">
+              <a:avLst/>
+            </a:prstTxWarp>
+          </a:bodyPr>
           <a:lstStyle/>
           <a:p>
             <a:pPr lvl="0"/>
@@ -15294,7 +15338,6 @@
               <a:rPr lang="zh-CN" altLang="en-US"/>
               <a:t>单击此处编辑母版文本样式</a:t>
             </a:r>
-            <a:endParaRPr lang="zh-CN" altLang="en-US"/>
           </a:p>
           <a:p>
             <a:pPr lvl="1"/>
@@ -15302,7 +15345,6 @@
               <a:rPr lang="zh-CN" altLang="en-US"/>
               <a:t>第二级</a:t>
             </a:r>
-            <a:endParaRPr lang="zh-CN" altLang="en-US"/>
           </a:p>
           <a:p>
             <a:pPr lvl="2"/>
@@ -15310,7 +15352,6 @@
               <a:rPr lang="zh-CN" altLang="en-US"/>
               <a:t>第三级</a:t>
             </a:r>
-            <a:endParaRPr lang="zh-CN" altLang="en-US"/>
           </a:p>
           <a:p>
             <a:pPr lvl="3"/>
@@ -15318,7 +15359,6 @@
               <a:rPr lang="zh-CN" altLang="en-US"/>
               <a:t>第四级</a:t>
             </a:r>
-            <a:endParaRPr lang="zh-CN" altLang="en-US"/>
           </a:p>
           <a:p>
             <a:pPr lvl="4"/>
@@ -15383,7 +15423,11 @@
           </a:extLst>
         </p:spPr>
         <p:txBody>
-          <a:bodyPr vert="horz" wrap="square" lIns="91440" tIns="45720" rIns="91440" bIns="45720" numCol="1" anchor="ctr" anchorCtr="0" compatLnSpc="1"/>
+          <a:bodyPr vert="horz" wrap="square" lIns="91440" tIns="45720" rIns="91440" bIns="45720" numCol="1" anchor="ctr" anchorCtr="0" compatLnSpc="1">
+            <a:prstTxWarp prst="textNoShape">
+              <a:avLst/>
+            </a:prstTxWarp>
+          </a:bodyPr>
           <a:lstStyle/>
           <a:p>
             <a:pPr lvl="0"/>
@@ -15404,7 +15448,7 @@
           <p:nvPr/>
         </p:nvPicPr>
         <p:blipFill rotWithShape="1">
-          <a:blip r:embed="rId12" cstate="print">
+          <a:blip r:embed="rId13" cstate="print">
             <a:extLst>
               <a:ext uri="{28A0092B-C50C-407E-A947-70E740481C1C}">
                 <a14:useLocalDpi xmlns:a14="http://schemas.microsoft.com/office/drawing/2010/main" val="0"/>
@@ -15412,9 +15456,7 @@
             </a:extLst>
           </a:blip>
           <a:srcRect t="10808"/>
-          <a:stretch>
-            <a:fillRect/>
-          </a:stretch>
+          <a:stretch/>
         </p:blipFill>
         <p:spPr bwMode="auto">
           <a:xfrm>
@@ -15448,7 +15490,7 @@
           <p:nvPr/>
         </p:nvPicPr>
         <p:blipFill>
-          <a:blip r:embed="rId13" cstate="print">
+          <a:blip r:embed="rId14" cstate="print">
             <a:extLst>
               <a:ext uri="{28A0092B-C50C-407E-A947-70E740481C1C}">
                 <a14:useLocalDpi xmlns:a14="http://schemas.microsoft.com/office/drawing/2010/main" val="0"/>
@@ -15481,20 +15523,25 @@
         </p:spPr>
       </p:pic>
     </p:spTree>
+    <p:extLst>
+      <p:ext uri="{BB962C8B-B14F-4D97-AF65-F5344CB8AC3E}">
+        <p14:creationId xmlns:p14="http://schemas.microsoft.com/office/powerpoint/2010/main" val="1749735295"/>
+      </p:ext>
+    </p:extLst>
   </p:cSld>
   <p:clrMap bg1="lt1" tx1="dk1" bg2="lt2" tx2="dk2" accent1="accent1" accent2="accent2" accent3="accent3" accent4="accent4" accent5="accent5" accent6="accent6" hlink="hlink" folHlink="folHlink"/>
   <p:sldLayoutIdLst>
-    <p:sldLayoutId id="2147483662" r:id="rId1"/>
-    <p:sldLayoutId id="2147483663" r:id="rId2"/>
-    <p:sldLayoutId id="2147483664" r:id="rId3"/>
-    <p:sldLayoutId id="2147483665" r:id="rId4"/>
-    <p:sldLayoutId id="2147483666" r:id="rId5"/>
-    <p:sldLayoutId id="2147483667" r:id="rId6"/>
-    <p:sldLayoutId id="2147483668" r:id="rId7"/>
-    <p:sldLayoutId id="2147483669" r:id="rId8"/>
-    <p:sldLayoutId id="2147483670" r:id="rId9"/>
-    <p:sldLayoutId id="2147483671" r:id="rId10"/>
-    <p:sldLayoutId id="2147483672" r:id="rId11"/>
+    <p:sldLayoutId id="2147484014" r:id="rId1"/>
+    <p:sldLayoutId id="2147484015" r:id="rId2"/>
+    <p:sldLayoutId id="2147484016" r:id="rId3"/>
+    <p:sldLayoutId id="2147484017" r:id="rId4"/>
+    <p:sldLayoutId id="2147484018" r:id="rId5"/>
+    <p:sldLayoutId id="2147484019" r:id="rId6"/>
+    <p:sldLayoutId id="2147484020" r:id="rId7"/>
+    <p:sldLayoutId id="2147484021" r:id="rId8"/>
+    <p:sldLayoutId id="2147484022" r:id="rId9"/>
+    <p:sldLayoutId id="2147484023" r:id="rId10"/>
+    <p:sldLayoutId id="2147484024" r:id="rId11"/>
   </p:sldLayoutIdLst>
   <p:timing>
     <p:tnLst>
@@ -16155,7 +16202,7 @@
           <a:solidFill>
             <a:schemeClr val="bg1"/>
           </a:solidFill>
-          <a:latin typeface="Arial" panose="020B0604020202020204" pitchFamily="34" charset="0"/>
+          <a:latin typeface="Arial" charset="0"/>
         </a:defRPr>
       </a:lvl2pPr>
       <a:lvl3pPr algn="ctr" rtl="0" eaLnBrk="1" fontAlgn="base" hangingPunct="1">
@@ -16169,7 +16216,7 @@
           <a:solidFill>
             <a:schemeClr val="bg1"/>
           </a:solidFill>
-          <a:latin typeface="Arial" panose="020B0604020202020204" pitchFamily="34" charset="0"/>
+          <a:latin typeface="Arial" charset="0"/>
         </a:defRPr>
       </a:lvl3pPr>
       <a:lvl4pPr algn="ctr" rtl="0" eaLnBrk="1" fontAlgn="base" hangingPunct="1">
@@ -16183,7 +16230,7 @@
           <a:solidFill>
             <a:schemeClr val="bg1"/>
           </a:solidFill>
-          <a:latin typeface="Arial" panose="020B0604020202020204" pitchFamily="34" charset="0"/>
+          <a:latin typeface="Arial" charset="0"/>
         </a:defRPr>
       </a:lvl4pPr>
       <a:lvl5pPr algn="ctr" rtl="0" eaLnBrk="1" fontAlgn="base" hangingPunct="1">
@@ -16197,7 +16244,7 @@
           <a:solidFill>
             <a:schemeClr val="bg1"/>
           </a:solidFill>
-          <a:latin typeface="Arial" panose="020B0604020202020204" pitchFamily="34" charset="0"/>
+          <a:latin typeface="Arial" charset="0"/>
         </a:defRPr>
       </a:lvl5pPr>
       <a:lvl6pPr marL="457200" algn="ctr" rtl="0" eaLnBrk="1" fontAlgn="base" hangingPunct="1">
@@ -16211,7 +16258,7 @@
           <a:solidFill>
             <a:schemeClr val="bg1"/>
           </a:solidFill>
-          <a:latin typeface="Arial" panose="020B0604020202020204" pitchFamily="34" charset="0"/>
+          <a:latin typeface="Arial" charset="0"/>
         </a:defRPr>
       </a:lvl6pPr>
       <a:lvl7pPr marL="914400" algn="ctr" rtl="0" eaLnBrk="1" fontAlgn="base" hangingPunct="1">
@@ -16225,7 +16272,7 @@
           <a:solidFill>
             <a:schemeClr val="bg1"/>
           </a:solidFill>
-          <a:latin typeface="Arial" panose="020B0604020202020204" pitchFamily="34" charset="0"/>
+          <a:latin typeface="Arial" charset="0"/>
         </a:defRPr>
       </a:lvl7pPr>
       <a:lvl8pPr marL="1371600" algn="ctr" rtl="0" eaLnBrk="1" fontAlgn="base" hangingPunct="1">
@@ -16239,7 +16286,7 @@
           <a:solidFill>
             <a:schemeClr val="bg1"/>
           </a:solidFill>
-          <a:latin typeface="Arial" panose="020B0604020202020204" pitchFamily="34" charset="0"/>
+          <a:latin typeface="Arial" charset="0"/>
         </a:defRPr>
       </a:lvl8pPr>
       <a:lvl9pPr marL="1828800" algn="ctr" rtl="0" eaLnBrk="1" fontAlgn="base" hangingPunct="1">
@@ -16253,7 +16300,7 @@
           <a:solidFill>
             <a:schemeClr val="bg1"/>
           </a:solidFill>
-          <a:latin typeface="Arial" panose="020B0604020202020204" pitchFamily="34" charset="0"/>
+          <a:latin typeface="Arial" charset="0"/>
         </a:defRPr>
       </a:lvl9pPr>
     </p:titleStyle>
@@ -16268,7 +16315,7 @@
         <a:buClr>
           <a:schemeClr val="tx2"/>
         </a:buClr>
-        <a:buFont typeface="Wingdings" panose="05000000000000000000" pitchFamily="2" charset="2"/>
+        <a:buFont typeface="Wingdings" pitchFamily="2" charset="2"/>
         <a:buChar char="v"/>
         <a:defRPr sz="2400">
           <a:solidFill>
@@ -16289,7 +16336,7 @@
         <a:buClr>
           <a:schemeClr val="accent1"/>
         </a:buClr>
-        <a:buFont typeface="Wingdings" panose="05000000000000000000" pitchFamily="2" charset="2"/>
+        <a:buFont typeface="Wingdings" pitchFamily="2" charset="2"/>
         <a:buChar char="§"/>
         <a:defRPr sz="2200">
           <a:solidFill>
@@ -16525,7 +16572,13 @@
       </p:grpSpPr>
       <p:sp>
         <p:nvSpPr>
-          <p:cNvPr id="2" name="标题 1"/>
+          <p:cNvPr id="2" name="标题 1">
+            <a:extLst>
+              <a:ext uri="{FF2B5EF4-FFF2-40B4-BE49-F238E27FC236}">
+                <a16:creationId xmlns:a16="http://schemas.microsoft.com/office/drawing/2014/main" xmlns="" id="{6ABB3EF3-ED44-4787-BE1B-F397804B05B3}"/>
+              </a:ext>
+            </a:extLst>
+          </p:cNvPr>
           <p:cNvSpPr>
             <a:spLocks noGrp="1"/>
           </p:cNvSpPr>
@@ -16542,13 +16595,18 @@
               <a:rPr lang="zh-CN" altLang="en-US" dirty="0"/>
               <a:t>数字逻辑实验</a:t>
             </a:r>
-            <a:endParaRPr lang="zh-CN" altLang="en-US" dirty="0"/>
           </a:p>
         </p:txBody>
       </p:sp>
       <p:sp>
         <p:nvSpPr>
-          <p:cNvPr id="3" name="副标题 2"/>
+          <p:cNvPr id="3" name="副标题 2">
+            <a:extLst>
+              <a:ext uri="{FF2B5EF4-FFF2-40B4-BE49-F238E27FC236}">
+                <a16:creationId xmlns:a16="http://schemas.microsoft.com/office/drawing/2014/main" xmlns="" id="{4327CF54-986B-4801-90CB-FF8262015CC1}"/>
+              </a:ext>
+            </a:extLst>
+          </p:cNvPr>
           <p:cNvSpPr>
             <a:spLocks noGrp="1"/>
           </p:cNvSpPr>
@@ -16565,11 +16623,15 @@
               <a:rPr lang="zh-CN" altLang="en-US" dirty="0"/>
               <a:t>王传胜、梁倬骞</a:t>
             </a:r>
-            <a:endParaRPr lang="zh-CN" altLang="en-US" dirty="0"/>
           </a:p>
         </p:txBody>
       </p:sp>
     </p:spTree>
+    <p:extLst>
+      <p:ext uri="{BB962C8B-B14F-4D97-AF65-F5344CB8AC3E}">
+        <p14:creationId xmlns:p14="http://schemas.microsoft.com/office/powerpoint/2010/main" val="660012150"/>
+      </p:ext>
+    </p:extLst>
   </p:cSld>
   <p:clrMapOvr>
     <a:masterClrMapping/>
@@ -16620,20 +16682,25 @@
               <a:rPr lang="zh-CN" altLang="en-US" dirty="0"/>
               <a:t>模块图</a:t>
             </a:r>
-            <a:endParaRPr lang="zh-CN" altLang="en-US" dirty="0"/>
           </a:p>
         </p:txBody>
       </p:sp>
       <p:pic>
         <p:nvPicPr>
-          <p:cNvPr id="4" name="图片 3"/>
+          <p:cNvPr id="4" name="图片 3">
+            <a:extLst>
+              <a:ext uri="{FF2B5EF4-FFF2-40B4-BE49-F238E27FC236}">
+                <a16:creationId xmlns:a16="http://schemas.microsoft.com/office/drawing/2014/main" xmlns="" id="{993E3BAB-136B-4F60-A995-C482FC63172C}"/>
+              </a:ext>
+            </a:extLst>
+          </p:cNvPr>
           <p:cNvPicPr>
             <a:picLocks noChangeAspect="1"/>
           </p:cNvPicPr>
           <p:nvPr/>
         </p:nvPicPr>
         <p:blipFill>
-          <a:blip r:embed="rId1"/>
+          <a:blip r:embed="rId2"/>
           <a:stretch>
             <a:fillRect/>
           </a:stretch>
@@ -16649,17 +16716,22 @@
         </p:spPr>
       </p:pic>
     </p:spTree>
+    <p:extLst>
+      <p:ext uri="{BB962C8B-B14F-4D97-AF65-F5344CB8AC3E}">
+        <p14:creationId xmlns:p14="http://schemas.microsoft.com/office/powerpoint/2010/main" val="2063287070"/>
+      </p:ext>
+    </p:extLst>
   </p:cSld>
   <p:clrMapOvr>
     <a:masterClrMapping/>
   </p:clrMapOvr>
-  <mc:AlternateContent xmlns:mc="http://schemas.openxmlformats.org/markup-compatibility/2006">
-    <mc:Choice xmlns:p14="http://schemas.microsoft.com/office/powerpoint/2010/main" Requires="p14">
+  <mc:AlternateContent xmlns:mc="http://schemas.openxmlformats.org/markup-compatibility/2006" xmlns:p14="http://schemas.microsoft.com/office/powerpoint/2010/main">
+    <mc:Choice Requires="p14">
       <p:transition spd="slow" p14:dur="1600">
         <p:blinds dir="vert"/>
       </p:transition>
     </mc:Choice>
-    <mc:Fallback>
+    <mc:Fallback xmlns="">
       <p:transition spd="slow">
         <p:blinds dir="vert"/>
       </p:transition>
@@ -16731,17 +16803,22 @@
         </p:txBody>
       </p:sp>
     </p:spTree>
+    <p:extLst>
+      <p:ext uri="{BB962C8B-B14F-4D97-AF65-F5344CB8AC3E}">
+        <p14:creationId xmlns:p14="http://schemas.microsoft.com/office/powerpoint/2010/main" val="1222721608"/>
+      </p:ext>
+    </p:extLst>
   </p:cSld>
   <p:clrMapOvr>
     <a:masterClrMapping/>
   </p:clrMapOvr>
-  <mc:AlternateContent xmlns:mc="http://schemas.openxmlformats.org/markup-compatibility/2006">
-    <mc:Choice xmlns:p14="http://schemas.microsoft.com/office/powerpoint/2010/main" Requires="p14">
+  <mc:AlternateContent xmlns:mc="http://schemas.openxmlformats.org/markup-compatibility/2006" xmlns:p14="http://schemas.microsoft.com/office/powerpoint/2010/main">
+    <mc:Choice Requires="p14">
       <p:transition spd="slow" p14:dur="1600">
         <p:blinds dir="vert"/>
       </p:transition>
     </mc:Choice>
-    <mc:Fallback>
+    <mc:Fallback xmlns="">
       <p:transition spd="slow">
         <p:blinds dir="vert"/>
       </p:transition>
@@ -16769,7 +16846,13 @@
       </p:grpSpPr>
       <p:sp>
         <p:nvSpPr>
-          <p:cNvPr id="2" name="标题 1"/>
+          <p:cNvPr id="2" name="标题 1">
+            <a:extLst>
+              <a:ext uri="{FF2B5EF4-FFF2-40B4-BE49-F238E27FC236}">
+                <a16:creationId xmlns:a16="http://schemas.microsoft.com/office/drawing/2014/main" xmlns="" id="{5FFA8B0C-5027-42D9-8BB3-E5451AFFD393}"/>
+              </a:ext>
+            </a:extLst>
+          </p:cNvPr>
           <p:cNvSpPr>
             <a:spLocks noGrp="1"/>
           </p:cNvSpPr>
@@ -16786,13 +16869,18 @@
               <a:rPr lang="zh-CN" altLang="en-US" dirty="0"/>
               <a:t>模块</a:t>
             </a:r>
-            <a:endParaRPr lang="zh-CN" altLang="en-US" dirty="0"/>
           </a:p>
         </p:txBody>
       </p:sp>
       <p:sp>
         <p:nvSpPr>
-          <p:cNvPr id="3" name="内容占位符 2"/>
+          <p:cNvPr id="3" name="内容占位符 2">
+            <a:extLst>
+              <a:ext uri="{FF2B5EF4-FFF2-40B4-BE49-F238E27FC236}">
+                <a16:creationId xmlns:a16="http://schemas.microsoft.com/office/drawing/2014/main" xmlns="" id="{1229CBC6-F905-445E-99B0-705BE56DD633}"/>
+              </a:ext>
+            </a:extLst>
+          </p:cNvPr>
           <p:cNvSpPr>
             <a:spLocks noGrp="1"/>
           </p:cNvSpPr>
@@ -16945,14 +17033,20 @@
       </p:sp>
       <p:pic>
         <p:nvPicPr>
-          <p:cNvPr id="4" name="图片 3"/>
+          <p:cNvPr id="4" name="图片 3">
+            <a:extLst>
+              <a:ext uri="{FF2B5EF4-FFF2-40B4-BE49-F238E27FC236}">
+                <a16:creationId xmlns:a16="http://schemas.microsoft.com/office/drawing/2014/main" xmlns="" id="{0962B031-3091-4F2D-858A-E251ADB24D97}"/>
+              </a:ext>
+            </a:extLst>
+          </p:cNvPr>
           <p:cNvPicPr>
             <a:picLocks noChangeAspect="1"/>
           </p:cNvPicPr>
           <p:nvPr/>
         </p:nvPicPr>
         <p:blipFill>
-          <a:blip r:embed="rId1"/>
+          <a:blip r:embed="rId2"/>
           <a:stretch>
             <a:fillRect/>
           </a:stretch>
@@ -16969,7 +17063,13 @@
       </p:pic>
       <p:sp>
         <p:nvSpPr>
-          <p:cNvPr id="5" name="对话气泡: 圆角矩形 4"/>
+          <p:cNvPr id="5" name="对话气泡: 圆角矩形 4">
+            <a:extLst>
+              <a:ext uri="{FF2B5EF4-FFF2-40B4-BE49-F238E27FC236}">
+                <a16:creationId xmlns:a16="http://schemas.microsoft.com/office/drawing/2014/main" xmlns="" id="{7EE94740-135D-4333-8700-2A9F1942A558}"/>
+              </a:ext>
+            </a:extLst>
+          </p:cNvPr>
           <p:cNvSpPr/>
           <p:nvPr/>
         </p:nvSpPr>
@@ -17005,7 +17105,11 @@
           </a:fontRef>
         </p:style>
         <p:txBody>
-          <a:bodyPr vert="horz" wrap="square" lIns="91440" tIns="45720" rIns="91440" bIns="45720" numCol="1" rtlCol="0" anchor="t" anchorCtr="0" compatLnSpc="1"/>
+          <a:bodyPr vert="horz" wrap="square" lIns="91440" tIns="45720" rIns="91440" bIns="45720" numCol="1" rtlCol="0" anchor="t" anchorCtr="0" compatLnSpc="1">
+            <a:prstTxWarp prst="textNoShape">
+              <a:avLst/>
+            </a:prstTxWarp>
+          </a:bodyPr>
           <a:lstStyle/>
           <a:p>
             <a:pPr latinLnBrk="0"/>
@@ -17045,7 +17149,13 @@
       </p:sp>
       <p:sp>
         <p:nvSpPr>
-          <p:cNvPr id="6" name="对话气泡: 圆角矩形 5"/>
+          <p:cNvPr id="6" name="对话气泡: 圆角矩形 5">
+            <a:extLst>
+              <a:ext uri="{FF2B5EF4-FFF2-40B4-BE49-F238E27FC236}">
+                <a16:creationId xmlns:a16="http://schemas.microsoft.com/office/drawing/2014/main" xmlns="" id="{F3667178-3EFB-4669-B156-6E95D6CCC281}"/>
+              </a:ext>
+            </a:extLst>
+          </p:cNvPr>
           <p:cNvSpPr/>
           <p:nvPr/>
         </p:nvSpPr>
@@ -17081,7 +17191,11 @@
           </a:fontRef>
         </p:style>
         <p:txBody>
-          <a:bodyPr vert="horz" wrap="square" lIns="91440" tIns="45720" rIns="91440" bIns="45720" numCol="1" rtlCol="0" anchor="t" anchorCtr="0" compatLnSpc="1"/>
+          <a:bodyPr vert="horz" wrap="square" lIns="91440" tIns="45720" rIns="91440" bIns="45720" numCol="1" rtlCol="0" anchor="t" anchorCtr="0" compatLnSpc="1">
+            <a:prstTxWarp prst="textNoShape">
+              <a:avLst/>
+            </a:prstTxWarp>
+          </a:bodyPr>
           <a:lstStyle/>
           <a:p>
             <a:pPr latinLnBrk="0"/>
@@ -17115,13 +17229,6 @@
               </a:rPr>
               <a:t>内部</a:t>
             </a:r>
-            <a:endParaRPr lang="zh-CN" altLang="en-US" dirty="0">
-              <a:solidFill>
-                <a:srgbClr val="FF0000"/>
-              </a:solidFill>
-              <a:latin typeface="等线" panose="02010600030101010101" pitchFamily="2" charset="-122"/>
-              <a:ea typeface="等线" panose="02010600030101010101" pitchFamily="2" charset="-122"/>
-            </a:endParaRPr>
           </a:p>
           <a:p>
             <a:pPr marL="0" marR="0" indent="0" algn="l" defTabSz="914400" rtl="0" eaLnBrk="1" fontAlgn="base" latinLnBrk="0" hangingPunct="1">
@@ -17138,6 +17245,7 @@
               <a:buSzTx/>
               <a:buFontTx/>
               <a:buNone/>
+              <a:tabLst/>
             </a:pPr>
             <a:endParaRPr kumimoji="0" lang="zh-CN" altLang="en-US" sz="1800" b="1" i="0" u="none" strike="noStrike" cap="none" normalizeH="0" baseline="0" dirty="0">
               <a:ln>
@@ -17154,17 +17262,22 @@
         </p:txBody>
       </p:sp>
     </p:spTree>
+    <p:extLst>
+      <p:ext uri="{BB962C8B-B14F-4D97-AF65-F5344CB8AC3E}">
+        <p14:creationId xmlns:p14="http://schemas.microsoft.com/office/powerpoint/2010/main" val="1201519626"/>
+      </p:ext>
+    </p:extLst>
   </p:cSld>
   <p:clrMapOvr>
     <a:masterClrMapping/>
   </p:clrMapOvr>
-  <mc:AlternateContent xmlns:mc="http://schemas.openxmlformats.org/markup-compatibility/2006">
-    <mc:Choice xmlns:p14="http://schemas.microsoft.com/office/powerpoint/2010/main" Requires="p14">
+  <mc:AlternateContent xmlns:mc="http://schemas.openxmlformats.org/markup-compatibility/2006" xmlns:p14="http://schemas.microsoft.com/office/powerpoint/2010/main">
+    <mc:Choice Requires="p14">
       <p:transition spd="slow" p14:dur="1600">
         <p:blinds dir="vert"/>
       </p:transition>
     </mc:Choice>
-    <mc:Fallback>
+    <mc:Fallback xmlns="">
       <p:transition spd="slow">
         <p:blinds dir="vert"/>
       </p:transition>
@@ -17199,7 +17312,13 @@
       </p:grpSpPr>
       <p:sp>
         <p:nvSpPr>
-          <p:cNvPr id="2" name="标题 1"/>
+          <p:cNvPr id="2" name="标题 1">
+            <a:extLst>
+              <a:ext uri="{FF2B5EF4-FFF2-40B4-BE49-F238E27FC236}">
+                <a16:creationId xmlns:a16="http://schemas.microsoft.com/office/drawing/2014/main" xmlns="" id="{555FF972-EA38-4CC0-BBF8-B4382F539DC9}"/>
+              </a:ext>
+            </a:extLst>
+          </p:cNvPr>
           <p:cNvSpPr>
             <a:spLocks noGrp="1"/>
           </p:cNvSpPr>
@@ -17226,7 +17345,13 @@
       </p:sp>
       <p:sp>
         <p:nvSpPr>
-          <p:cNvPr id="3" name="内容占位符 2"/>
+          <p:cNvPr id="3" name="内容占位符 2">
+            <a:extLst>
+              <a:ext uri="{FF2B5EF4-FFF2-40B4-BE49-F238E27FC236}">
+                <a16:creationId xmlns:a16="http://schemas.microsoft.com/office/drawing/2014/main" xmlns="" id="{446D582F-F852-4842-8248-3E8640CC6698}"/>
+              </a:ext>
+            </a:extLst>
+          </p:cNvPr>
           <p:cNvSpPr>
             <a:spLocks noGrp="1"/>
           </p:cNvSpPr>
@@ -17263,7 +17388,6 @@
               <a:rPr lang="zh-CN" altLang="en-US" b="0" dirty="0"/>
               <a:t>模块通过端口与外部通信</a:t>
             </a:r>
-            <a:endParaRPr lang="zh-CN" altLang="en-US" b="0" dirty="0"/>
           </a:p>
           <a:p>
             <a:endParaRPr lang="zh-CN" altLang="en-US" dirty="0"/>
@@ -17272,14 +17396,20 @@
       </p:sp>
       <p:pic>
         <p:nvPicPr>
-          <p:cNvPr id="4" name="图片 3"/>
+          <p:cNvPr id="4" name="图片 3">
+            <a:extLst>
+              <a:ext uri="{FF2B5EF4-FFF2-40B4-BE49-F238E27FC236}">
+                <a16:creationId xmlns:a16="http://schemas.microsoft.com/office/drawing/2014/main" xmlns="" id="{93801E9B-CF1F-4383-B360-661A5B4C7939}"/>
+              </a:ext>
+            </a:extLst>
+          </p:cNvPr>
           <p:cNvPicPr>
             <a:picLocks noChangeAspect="1"/>
           </p:cNvPicPr>
           <p:nvPr/>
         </p:nvPicPr>
         <p:blipFill>
-          <a:blip r:embed="rId1"/>
+          <a:blip r:embed="rId2"/>
           <a:stretch>
             <a:fillRect/>
           </a:stretch>
@@ -17296,7 +17426,13 @@
       </p:pic>
       <p:sp>
         <p:nvSpPr>
-          <p:cNvPr id="5" name="对话气泡: 圆角矩形 4"/>
+          <p:cNvPr id="5" name="对话气泡: 圆角矩形 4">
+            <a:extLst>
+              <a:ext uri="{FF2B5EF4-FFF2-40B4-BE49-F238E27FC236}">
+                <a16:creationId xmlns:a16="http://schemas.microsoft.com/office/drawing/2014/main" xmlns="" id="{E1B711CF-EEC7-4085-97AF-06CCF6D1CF4B}"/>
+              </a:ext>
+            </a:extLst>
+          </p:cNvPr>
           <p:cNvSpPr/>
           <p:nvPr/>
         </p:nvSpPr>
@@ -17332,7 +17468,11 @@
           </a:fontRef>
         </p:style>
         <p:txBody>
-          <a:bodyPr vert="horz" wrap="square" lIns="91440" tIns="45720" rIns="91440" bIns="45720" numCol="1" rtlCol="0" anchor="t" anchorCtr="0" compatLnSpc="1"/>
+          <a:bodyPr vert="horz" wrap="square" lIns="91440" tIns="45720" rIns="91440" bIns="45720" numCol="1" rtlCol="0" anchor="t" anchorCtr="0" compatLnSpc="1">
+            <a:prstTxWarp prst="textNoShape">
+              <a:avLst/>
+            </a:prstTxWarp>
+          </a:bodyPr>
           <a:lstStyle/>
           <a:p>
             <a:pPr latinLnBrk="0"/>
@@ -17352,14 +17492,20 @@
                 <a:srgbClr val="FF0000"/>
               </a:solidFill>
               <a:effectLst/>
-              <a:latin typeface="Arial" panose="020B0604020202020204" pitchFamily="34" charset="0"/>
+              <a:latin typeface="Arial" charset="0"/>
             </a:endParaRPr>
           </a:p>
         </p:txBody>
       </p:sp>
       <p:sp>
         <p:nvSpPr>
-          <p:cNvPr id="6" name="对话气泡: 圆角矩形 5"/>
+          <p:cNvPr id="6" name="对话气泡: 圆角矩形 5">
+            <a:extLst>
+              <a:ext uri="{FF2B5EF4-FFF2-40B4-BE49-F238E27FC236}">
+                <a16:creationId xmlns:a16="http://schemas.microsoft.com/office/drawing/2014/main" xmlns="" id="{80EF6538-2581-4FAB-9802-4C56A8F8434E}"/>
+              </a:ext>
+            </a:extLst>
+          </p:cNvPr>
           <p:cNvSpPr/>
           <p:nvPr/>
         </p:nvSpPr>
@@ -17395,7 +17541,11 @@
           </a:fontRef>
         </p:style>
         <p:txBody>
-          <a:bodyPr vert="horz" wrap="square" lIns="91440" tIns="45720" rIns="91440" bIns="45720" numCol="1" rtlCol="0" anchor="t" anchorCtr="0" compatLnSpc="1"/>
+          <a:bodyPr vert="horz" wrap="square" lIns="91440" tIns="45720" rIns="91440" bIns="45720" numCol="1" rtlCol="0" anchor="t" anchorCtr="0" compatLnSpc="1">
+            <a:prstTxWarp prst="textNoShape">
+              <a:avLst/>
+            </a:prstTxWarp>
+          </a:bodyPr>
           <a:lstStyle/>
           <a:p>
             <a:pPr latinLnBrk="0"/>
@@ -17447,14 +17597,20 @@
                 <a:srgbClr val="FF0000"/>
               </a:solidFill>
               <a:effectLst/>
-              <a:latin typeface="Arial" panose="020B0604020202020204" pitchFamily="34" charset="0"/>
+              <a:latin typeface="Arial" charset="0"/>
             </a:endParaRPr>
           </a:p>
         </p:txBody>
       </p:sp>
       <p:sp>
         <p:nvSpPr>
-          <p:cNvPr id="7" name="对话气泡: 圆角矩形 6"/>
+          <p:cNvPr id="7" name="对话气泡: 圆角矩形 6">
+            <a:extLst>
+              <a:ext uri="{FF2B5EF4-FFF2-40B4-BE49-F238E27FC236}">
+                <a16:creationId xmlns:a16="http://schemas.microsoft.com/office/drawing/2014/main" xmlns="" id="{D885FEAA-80C4-4A1C-AB04-8B4FBADE575B}"/>
+              </a:ext>
+            </a:extLst>
+          </p:cNvPr>
           <p:cNvSpPr/>
           <p:nvPr/>
         </p:nvSpPr>
@@ -17490,7 +17646,11 @@
           </a:fontRef>
         </p:style>
         <p:txBody>
-          <a:bodyPr vert="horz" wrap="square" lIns="91440" tIns="45720" rIns="91440" bIns="45720" numCol="1" rtlCol="0" anchor="t" anchorCtr="0" compatLnSpc="1"/>
+          <a:bodyPr vert="horz" wrap="square" lIns="91440" tIns="45720" rIns="91440" bIns="45720" numCol="1" rtlCol="0" anchor="t" anchorCtr="0" compatLnSpc="1">
+            <a:prstTxWarp prst="textNoShape">
+              <a:avLst/>
+            </a:prstTxWarp>
+          </a:bodyPr>
           <a:lstStyle/>
           <a:p>
             <a:pPr latinLnBrk="0"/>
@@ -17502,7 +17662,6 @@
               <a:rPr lang="en-US" altLang="zh-CN" dirty="0"/>
               <a:t>(pin)</a:t>
             </a:r>
-            <a:endParaRPr lang="en-US" altLang="zh-CN" dirty="0"/>
           </a:p>
           <a:p>
             <a:pPr marL="0" marR="0" indent="0" algn="l" defTabSz="914400" rtl="0" eaLnBrk="1" fontAlgn="base" latinLnBrk="0" hangingPunct="1">
@@ -17519,6 +17678,7 @@
               <a:buSzTx/>
               <a:buFontTx/>
               <a:buNone/>
+              <a:tabLst/>
             </a:pPr>
             <a:endParaRPr kumimoji="0" lang="zh-CN" altLang="en-US" b="1" i="0" u="none" strike="noStrike" cap="none" normalizeH="0" baseline="0" dirty="0">
               <a:ln>
@@ -17528,14 +17688,20 @@
                 <a:schemeClr val="tx1"/>
               </a:solidFill>
               <a:effectLst/>
-              <a:latin typeface="Arial" panose="020B0604020202020204" pitchFamily="34" charset="0"/>
+              <a:latin typeface="Arial" charset="0"/>
             </a:endParaRPr>
           </a:p>
         </p:txBody>
       </p:sp>
       <p:cxnSp>
         <p:nvCxnSpPr>
-          <p:cNvPr id="9" name="直接箭头连接符 8"/>
+          <p:cNvPr id="9" name="直接箭头连接符 8">
+            <a:extLst>
+              <a:ext uri="{FF2B5EF4-FFF2-40B4-BE49-F238E27FC236}">
+                <a16:creationId xmlns:a16="http://schemas.microsoft.com/office/drawing/2014/main" xmlns="" id="{54D78600-0343-431D-B299-60E522664416}"/>
+              </a:ext>
+            </a:extLst>
+          </p:cNvPr>
           <p:cNvCxnSpPr>
             <a:stCxn id="7" idx="3"/>
           </p:cNvCxnSpPr>
@@ -17577,7 +17743,13 @@
       </p:cxnSp>
       <p:cxnSp>
         <p:nvCxnSpPr>
-          <p:cNvPr id="11" name="直接箭头连接符 10"/>
+          <p:cNvPr id="11" name="直接箭头连接符 10">
+            <a:extLst>
+              <a:ext uri="{FF2B5EF4-FFF2-40B4-BE49-F238E27FC236}">
+                <a16:creationId xmlns:a16="http://schemas.microsoft.com/office/drawing/2014/main" xmlns="" id="{945B3101-C3B0-44E2-9FD6-D2F1F7EA927B}"/>
+              </a:ext>
+            </a:extLst>
+          </p:cNvPr>
           <p:cNvCxnSpPr>
             <a:stCxn id="7" idx="3"/>
           </p:cNvCxnSpPr>
@@ -17619,7 +17791,13 @@
       </p:cxnSp>
       <p:sp>
         <p:nvSpPr>
-          <p:cNvPr id="14" name="对话气泡: 圆角矩形 13"/>
+          <p:cNvPr id="14" name="对话气泡: 圆角矩形 13">
+            <a:extLst>
+              <a:ext uri="{FF2B5EF4-FFF2-40B4-BE49-F238E27FC236}">
+                <a16:creationId xmlns:a16="http://schemas.microsoft.com/office/drawing/2014/main" xmlns="" id="{98212745-6B49-4402-822A-6637374377D8}"/>
+              </a:ext>
+            </a:extLst>
+          </p:cNvPr>
           <p:cNvSpPr/>
           <p:nvPr/>
         </p:nvSpPr>
@@ -17655,7 +17833,11 @@
           </a:fontRef>
         </p:style>
         <p:txBody>
-          <a:bodyPr vert="horz" wrap="square" lIns="91440" tIns="45720" rIns="91440" bIns="45720" numCol="1" rtlCol="0" anchor="t" anchorCtr="0" compatLnSpc="1"/>
+          <a:bodyPr vert="horz" wrap="square" lIns="91440" tIns="45720" rIns="91440" bIns="45720" numCol="1" rtlCol="0" anchor="t" anchorCtr="0" compatLnSpc="1">
+            <a:prstTxWarp prst="textNoShape">
+              <a:avLst/>
+            </a:prstTxWarp>
+          </a:bodyPr>
           <a:lstStyle/>
           <a:p>
             <a:pPr latinLnBrk="0"/>
@@ -17707,11 +17889,6 @@
               </a:rPr>
               <a:t>wire</a:t>
             </a:r>
-            <a:endParaRPr lang="en-US" altLang="zh-CN" dirty="0">
-              <a:solidFill>
-                <a:srgbClr val="FF0000"/>
-              </a:solidFill>
-            </a:endParaRPr>
           </a:p>
           <a:p>
             <a:pPr marL="0" marR="0" indent="0" algn="l" defTabSz="914400" rtl="0" eaLnBrk="1" fontAlgn="base" latinLnBrk="0" hangingPunct="1">
@@ -17728,6 +17905,7 @@
               <a:buSzTx/>
               <a:buFontTx/>
               <a:buNone/>
+              <a:tabLst/>
             </a:pPr>
             <a:endParaRPr kumimoji="0" lang="zh-CN" altLang="en-US" sz="1800" b="1" i="0" u="none" strike="noStrike" cap="none" normalizeH="0" baseline="0" dirty="0">
               <a:ln>
@@ -17737,23 +17915,28 @@
                 <a:schemeClr val="tx1"/>
               </a:solidFill>
               <a:effectLst/>
-              <a:latin typeface="Arial" panose="020B0604020202020204" pitchFamily="34" charset="0"/>
+              <a:latin typeface="Arial" charset="0"/>
             </a:endParaRPr>
           </a:p>
         </p:txBody>
       </p:sp>
     </p:spTree>
+    <p:extLst>
+      <p:ext uri="{BB962C8B-B14F-4D97-AF65-F5344CB8AC3E}">
+        <p14:creationId xmlns:p14="http://schemas.microsoft.com/office/powerpoint/2010/main" val="2587038986"/>
+      </p:ext>
+    </p:extLst>
   </p:cSld>
   <p:clrMapOvr>
     <a:masterClrMapping/>
   </p:clrMapOvr>
-  <mc:AlternateContent xmlns:mc="http://schemas.openxmlformats.org/markup-compatibility/2006">
-    <mc:Choice xmlns:p14="http://schemas.microsoft.com/office/powerpoint/2010/main" Requires="p14">
+  <mc:AlternateContent xmlns:mc="http://schemas.openxmlformats.org/markup-compatibility/2006" xmlns:p14="http://schemas.microsoft.com/office/powerpoint/2010/main">
+    <mc:Choice Requires="p14">
       <p:transition spd="slow" p14:dur="1600">
         <p:blinds dir="vert"/>
       </p:transition>
     </mc:Choice>
-    <mc:Fallback>
+    <mc:Fallback xmlns="">
       <p:transition spd="slow">
         <p:blinds dir="vert"/>
       </p:transition>
@@ -17788,7 +17971,13 @@
       </p:grpSpPr>
       <p:sp>
         <p:nvSpPr>
-          <p:cNvPr id="2" name="标题 1"/>
+          <p:cNvPr id="2" name="标题 1">
+            <a:extLst>
+              <a:ext uri="{FF2B5EF4-FFF2-40B4-BE49-F238E27FC236}">
+                <a16:creationId xmlns:a16="http://schemas.microsoft.com/office/drawing/2014/main" xmlns="" id="{0EC4C1C8-D19F-4E92-8A59-D46900C057F0}"/>
+              </a:ext>
+            </a:extLst>
+          </p:cNvPr>
           <p:cNvSpPr>
             <a:spLocks noGrp="1"/>
           </p:cNvSpPr>
@@ -17815,7 +18004,13 @@
       </p:sp>
       <p:sp>
         <p:nvSpPr>
-          <p:cNvPr id="3" name="内容占位符 2"/>
+          <p:cNvPr id="3" name="内容占位符 2">
+            <a:extLst>
+              <a:ext uri="{FF2B5EF4-FFF2-40B4-BE49-F238E27FC236}">
+                <a16:creationId xmlns:a16="http://schemas.microsoft.com/office/drawing/2014/main" xmlns="" id="{24C8BFB5-6112-45B0-BC87-ECBCB78520A7}"/>
+              </a:ext>
+            </a:extLst>
+          </p:cNvPr>
           <p:cNvSpPr>
             <a:spLocks noGrp="1"/>
           </p:cNvSpPr>
@@ -17864,7 +18059,6 @@
               <a:rPr lang="en-US" altLang="zh-CN" sz="2000" b="0" dirty="0"/>
               <a:t>);</a:t>
             </a:r>
-            <a:endParaRPr lang="en-US" altLang="zh-CN" sz="2000" b="0" dirty="0"/>
           </a:p>
           <a:p>
             <a:pPr marL="0" indent="0">
@@ -17874,7 +18068,6 @@
               <a:rPr lang="en-US" altLang="zh-CN" sz="2000" b="0" dirty="0"/>
               <a:t>....</a:t>
             </a:r>
-            <a:endParaRPr lang="en-US" altLang="zh-CN" sz="2000" b="0" dirty="0"/>
           </a:p>
           <a:p>
             <a:pPr marL="0" indent="0">
@@ -17924,7 +18117,6 @@
               <a:rPr lang="en-US" altLang="zh-CN" sz="2000" b="0" dirty="0"/>
               <a:t>);</a:t>
             </a:r>
-            <a:endParaRPr lang="en-US" altLang="zh-CN" sz="2000" b="0" dirty="0"/>
           </a:p>
           <a:p>
             <a:pPr marL="0" indent="0">
@@ -17942,7 +18134,6 @@
               <a:rPr lang="en-US" altLang="zh-CN" sz="2000" b="0" dirty="0"/>
               <a:t>;</a:t>
             </a:r>
-            <a:endParaRPr lang="en-US" altLang="zh-CN" sz="2000" b="0" dirty="0"/>
           </a:p>
           <a:p>
             <a:pPr marL="0" indent="0">
@@ -17952,7 +18143,6 @@
               <a:rPr lang="en-US" altLang="zh-CN" sz="2000" b="0" dirty="0"/>
               <a:t>input [3:0] d;</a:t>
             </a:r>
-            <a:endParaRPr lang="en-US" altLang="zh-CN" sz="2000" b="0" dirty="0"/>
           </a:p>
           <a:p>
             <a:pPr marL="0" indent="0">
@@ -17978,7 +18168,6 @@
               <a:rPr lang="en-US" altLang="zh-CN" sz="2000" b="0" dirty="0"/>
               <a:t>;</a:t>
             </a:r>
-            <a:endParaRPr lang="en-US" altLang="zh-CN" sz="2000" b="0" dirty="0"/>
           </a:p>
           <a:p>
             <a:pPr marL="0" indent="0">
@@ -18012,7 +18201,6 @@
               <a:rPr lang="en-US" altLang="zh-CN" sz="2000" b="0" dirty="0"/>
               <a:t>[0]);</a:t>
             </a:r>
-            <a:endParaRPr lang="en-US" altLang="zh-CN" sz="2000" b="0" dirty="0"/>
           </a:p>
           <a:p>
             <a:pPr marL="0" indent="0">
@@ -18046,7 +18234,6 @@
               <a:rPr lang="en-US" altLang="zh-CN" sz="2000" b="0" dirty="0"/>
               <a:t>[1]);</a:t>
             </a:r>
-            <a:endParaRPr lang="en-US" altLang="zh-CN" sz="2000" b="0" dirty="0"/>
           </a:p>
           <a:p>
             <a:pPr marL="0" indent="0">
@@ -18080,7 +18267,6 @@
               <a:rPr lang="en-US" altLang="zh-CN" sz="2000" b="0" dirty="0"/>
               <a:t>[2]);</a:t>
             </a:r>
-            <a:endParaRPr lang="en-US" altLang="zh-CN" sz="2000" b="0" dirty="0"/>
           </a:p>
           <a:p>
             <a:pPr marL="0" indent="0">
@@ -18114,7 +18300,6 @@
               <a:rPr lang="en-US" altLang="zh-CN" sz="2000" b="0" dirty="0"/>
               <a:t>[3]);</a:t>
             </a:r>
-            <a:endParaRPr lang="en-US" altLang="zh-CN" sz="2000" b="0" dirty="0"/>
           </a:p>
           <a:p>
             <a:pPr marL="0" indent="0">
@@ -18136,14 +18321,20 @@
       </p:sp>
       <p:pic>
         <p:nvPicPr>
-          <p:cNvPr id="4" name="图片 3"/>
+          <p:cNvPr id="4" name="图片 3">
+            <a:extLst>
+              <a:ext uri="{FF2B5EF4-FFF2-40B4-BE49-F238E27FC236}">
+                <a16:creationId xmlns:a16="http://schemas.microsoft.com/office/drawing/2014/main" xmlns="" id="{FECEF485-ED03-46E5-BF57-3CBD949B273E}"/>
+              </a:ext>
+            </a:extLst>
+          </p:cNvPr>
           <p:cNvPicPr>
             <a:picLocks noChangeAspect="1"/>
           </p:cNvPicPr>
           <p:nvPr/>
         </p:nvPicPr>
         <p:blipFill>
-          <a:blip r:embed="rId1"/>
+          <a:blip r:embed="rId2"/>
           <a:stretch>
             <a:fillRect/>
           </a:stretch>
@@ -18160,7 +18351,13 @@
       </p:pic>
       <p:cxnSp>
         <p:nvCxnSpPr>
-          <p:cNvPr id="6" name="直接箭头连接符 5"/>
+          <p:cNvPr id="6" name="直接箭头连接符 5">
+            <a:extLst>
+              <a:ext uri="{FF2B5EF4-FFF2-40B4-BE49-F238E27FC236}">
+                <a16:creationId xmlns:a16="http://schemas.microsoft.com/office/drawing/2014/main" xmlns="" id="{AB295AD8-52DB-404D-A704-13624AE1F9D2}"/>
+              </a:ext>
+            </a:extLst>
+          </p:cNvPr>
           <p:cNvCxnSpPr/>
           <p:nvPr/>
         </p:nvCxnSpPr>
@@ -18200,7 +18397,13 @@
       </p:cxnSp>
       <p:cxnSp>
         <p:nvCxnSpPr>
-          <p:cNvPr id="7" name="直接箭头连接符 6"/>
+          <p:cNvPr id="7" name="直接箭头连接符 6">
+            <a:extLst>
+              <a:ext uri="{FF2B5EF4-FFF2-40B4-BE49-F238E27FC236}">
+                <a16:creationId xmlns:a16="http://schemas.microsoft.com/office/drawing/2014/main" xmlns="" id="{DBB47572-E51F-425E-8C6F-A4B818FB281C}"/>
+              </a:ext>
+            </a:extLst>
+          </p:cNvPr>
           <p:cNvCxnSpPr/>
           <p:nvPr/>
         </p:nvCxnSpPr>
@@ -18240,7 +18443,13 @@
       </p:cxnSp>
       <p:cxnSp>
         <p:nvCxnSpPr>
-          <p:cNvPr id="8" name="直接箭头连接符 7"/>
+          <p:cNvPr id="8" name="直接箭头连接符 7">
+            <a:extLst>
+              <a:ext uri="{FF2B5EF4-FFF2-40B4-BE49-F238E27FC236}">
+                <a16:creationId xmlns:a16="http://schemas.microsoft.com/office/drawing/2014/main" xmlns="" id="{C828E7AC-0279-4669-99D6-52AE157FD2EF}"/>
+              </a:ext>
+            </a:extLst>
+          </p:cNvPr>
           <p:cNvCxnSpPr/>
           <p:nvPr/>
         </p:nvCxnSpPr>
@@ -18279,17 +18488,22 @@
         </p:spPr>
       </p:cxnSp>
     </p:spTree>
+    <p:extLst>
+      <p:ext uri="{BB962C8B-B14F-4D97-AF65-F5344CB8AC3E}">
+        <p14:creationId xmlns:p14="http://schemas.microsoft.com/office/powerpoint/2010/main" val="4254005949"/>
+      </p:ext>
+    </p:extLst>
   </p:cSld>
   <p:clrMapOvr>
     <a:masterClrMapping/>
   </p:clrMapOvr>
-  <mc:AlternateContent xmlns:mc="http://schemas.openxmlformats.org/markup-compatibility/2006">
-    <mc:Choice xmlns:p14="http://schemas.microsoft.com/office/powerpoint/2010/main" Requires="p14">
+  <mc:AlternateContent xmlns:mc="http://schemas.openxmlformats.org/markup-compatibility/2006" xmlns:p14="http://schemas.microsoft.com/office/powerpoint/2010/main">
+    <mc:Choice Requires="p14">
       <p:transition spd="slow" p14:dur="1600">
         <p:blinds dir="vert"/>
       </p:transition>
     </mc:Choice>
-    <mc:Fallback>
+    <mc:Fallback xmlns="">
       <p:transition spd="slow">
         <p:blinds dir="vert"/>
       </p:transition>
@@ -18317,7 +18531,13 @@
       </p:grpSpPr>
       <p:sp>
         <p:nvSpPr>
-          <p:cNvPr id="2" name="标题 1"/>
+          <p:cNvPr id="2" name="标题 1">
+            <a:extLst>
+              <a:ext uri="{FF2B5EF4-FFF2-40B4-BE49-F238E27FC236}">
+                <a16:creationId xmlns:a16="http://schemas.microsoft.com/office/drawing/2014/main" xmlns="" id="{F8E4FDA5-8731-478C-884A-00F6916E6746}"/>
+              </a:ext>
+            </a:extLst>
+          </p:cNvPr>
           <p:cNvSpPr>
             <a:spLocks noGrp="1"/>
           </p:cNvSpPr>
@@ -18344,7 +18564,13 @@
       </p:sp>
       <p:sp>
         <p:nvSpPr>
-          <p:cNvPr id="3" name="内容占位符 2"/>
+          <p:cNvPr id="3" name="内容占位符 2">
+            <a:extLst>
+              <a:ext uri="{FF2B5EF4-FFF2-40B4-BE49-F238E27FC236}">
+                <a16:creationId xmlns:a16="http://schemas.microsoft.com/office/drawing/2014/main" xmlns="" id="{78724F6B-C017-4089-9908-52633567BEB1}"/>
+              </a:ext>
+            </a:extLst>
+          </p:cNvPr>
           <p:cNvSpPr>
             <a:spLocks noGrp="1"/>
           </p:cNvSpPr>
@@ -18444,17 +18670,22 @@
         </p:txBody>
       </p:sp>
     </p:spTree>
+    <p:extLst>
+      <p:ext uri="{BB962C8B-B14F-4D97-AF65-F5344CB8AC3E}">
+        <p14:creationId xmlns:p14="http://schemas.microsoft.com/office/powerpoint/2010/main" val="2137403837"/>
+      </p:ext>
+    </p:extLst>
   </p:cSld>
   <p:clrMapOvr>
     <a:masterClrMapping/>
   </p:clrMapOvr>
-  <mc:AlternateContent xmlns:mc="http://schemas.openxmlformats.org/markup-compatibility/2006">
-    <mc:Choice xmlns:p14="http://schemas.microsoft.com/office/powerpoint/2010/main" Requires="p14">
+  <mc:AlternateContent xmlns:mc="http://schemas.openxmlformats.org/markup-compatibility/2006" xmlns:p14="http://schemas.microsoft.com/office/powerpoint/2010/main">
+    <mc:Choice Requires="p14">
       <p:transition spd="slow" p14:dur="1600">
         <p:blinds dir="vert"/>
       </p:transition>
     </mc:Choice>
-    <mc:Fallback>
+    <mc:Fallback xmlns="">
       <p:transition spd="slow">
         <p:blinds dir="vert"/>
       </p:transition>
@@ -18519,17 +18750,22 @@
         </p:txBody>
       </p:sp>
     </p:spTree>
+    <p:extLst>
+      <p:ext uri="{BB962C8B-B14F-4D97-AF65-F5344CB8AC3E}">
+        <p14:creationId xmlns:p14="http://schemas.microsoft.com/office/powerpoint/2010/main" val="1347391416"/>
+      </p:ext>
+    </p:extLst>
   </p:cSld>
   <p:clrMapOvr>
     <a:masterClrMapping/>
   </p:clrMapOvr>
-  <mc:AlternateContent xmlns:mc="http://schemas.openxmlformats.org/markup-compatibility/2006">
-    <mc:Choice xmlns:p14="http://schemas.microsoft.com/office/powerpoint/2010/main" Requires="p14">
+  <mc:AlternateContent xmlns:mc="http://schemas.openxmlformats.org/markup-compatibility/2006" xmlns:p14="http://schemas.microsoft.com/office/powerpoint/2010/main">
+    <mc:Choice Requires="p14">
       <p:transition spd="slow" p14:dur="1600">
         <p:blinds dir="vert"/>
       </p:transition>
     </mc:Choice>
-    <mc:Fallback>
+    <mc:Fallback xmlns="">
       <p:transition spd="slow">
         <p:blinds dir="vert"/>
       </p:transition>
@@ -18557,7 +18793,13 @@
       </p:grpSpPr>
       <p:sp>
         <p:nvSpPr>
-          <p:cNvPr id="2" name="标题 1"/>
+          <p:cNvPr id="2" name="标题 1">
+            <a:extLst>
+              <a:ext uri="{FF2B5EF4-FFF2-40B4-BE49-F238E27FC236}">
+                <a16:creationId xmlns:a16="http://schemas.microsoft.com/office/drawing/2014/main" xmlns="" id="{2D4A2F1B-9D7E-4F7E-A499-78E35099E9E2}"/>
+              </a:ext>
+            </a:extLst>
+          </p:cNvPr>
           <p:cNvSpPr>
             <a:spLocks noGrp="1"/>
           </p:cNvSpPr>
@@ -18588,7 +18830,13 @@
       </p:sp>
       <p:sp>
         <p:nvSpPr>
-          <p:cNvPr id="3" name="内容占位符 2"/>
+          <p:cNvPr id="3" name="内容占位符 2">
+            <a:extLst>
+              <a:ext uri="{FF2B5EF4-FFF2-40B4-BE49-F238E27FC236}">
+                <a16:creationId xmlns:a16="http://schemas.microsoft.com/office/drawing/2014/main" xmlns="" id="{A2E61801-07EB-4296-BB74-195BD631F675}"/>
+              </a:ext>
+            </a:extLst>
+          </p:cNvPr>
           <p:cNvSpPr>
             <a:spLocks noGrp="1"/>
           </p:cNvSpPr>
@@ -18616,7 +18864,13 @@
       </p:sp>
       <p:sp>
         <p:nvSpPr>
-          <p:cNvPr id="4" name="文本框 3"/>
+          <p:cNvPr id="4" name="文本框 3">
+            <a:extLst>
+              <a:ext uri="{FF2B5EF4-FFF2-40B4-BE49-F238E27FC236}">
+                <a16:creationId xmlns:a16="http://schemas.microsoft.com/office/drawing/2014/main" xmlns="" id="{95E5DCCD-0D41-42E1-A9C7-DA08F72522D9}"/>
+              </a:ext>
+            </a:extLst>
+          </p:cNvPr>
           <p:cNvSpPr txBox="1"/>
           <p:nvPr/>
         </p:nvSpPr>
@@ -18667,7 +18921,6 @@
               <a:rPr lang="en-US" altLang="zh-CN" sz="2400" dirty="0"/>
               <a:t>);</a:t>
             </a:r>
-            <a:endParaRPr lang="en-US" altLang="zh-CN" sz="2400" dirty="0"/>
           </a:p>
           <a:p>
             <a:pPr marL="0" indent="0">
@@ -18677,7 +18930,6 @@
               <a:rPr lang="en-US" altLang="zh-CN" sz="2400" dirty="0"/>
               <a:t>....</a:t>
             </a:r>
-            <a:endParaRPr lang="en-US" altLang="zh-CN" sz="2400" dirty="0"/>
           </a:p>
           <a:p>
             <a:pPr marL="0" indent="0">
@@ -18696,7 +18948,13 @@
       </p:sp>
       <p:sp>
         <p:nvSpPr>
-          <p:cNvPr id="6" name="文本框 5"/>
+          <p:cNvPr id="6" name="文本框 5">
+            <a:extLst>
+              <a:ext uri="{FF2B5EF4-FFF2-40B4-BE49-F238E27FC236}">
+                <a16:creationId xmlns:a16="http://schemas.microsoft.com/office/drawing/2014/main" xmlns="" id="{5DA83834-C9AE-4577-BB2B-7975826604C4}"/>
+              </a:ext>
+            </a:extLst>
+          </p:cNvPr>
           <p:cNvSpPr txBox="1"/>
           <p:nvPr/>
         </p:nvSpPr>
@@ -18770,10 +19028,6 @@
               </a:rPr>
               <a:t>[0]);</a:t>
             </a:r>
-            <a:endParaRPr lang="en-US" altLang="zh-CN" sz="2400" b="1" dirty="0">
-              <a:latin typeface="等线" panose="02010600030101010101" pitchFamily="2" charset="-122"/>
-              <a:ea typeface="等线" panose="02010600030101010101" pitchFamily="2" charset="-122"/>
-            </a:endParaRPr>
           </a:p>
           <a:p>
             <a:endParaRPr lang="zh-CN" altLang="en-US" sz="2400" b="1" dirty="0">
@@ -18785,7 +19039,13 @@
       </p:sp>
       <p:sp>
         <p:nvSpPr>
-          <p:cNvPr id="7" name="文本框 6"/>
+          <p:cNvPr id="7" name="文本框 6">
+            <a:extLst>
+              <a:ext uri="{FF2B5EF4-FFF2-40B4-BE49-F238E27FC236}">
+                <a16:creationId xmlns:a16="http://schemas.microsoft.com/office/drawing/2014/main" xmlns="" id="{6E788711-8A46-43B3-A404-1D4D9421B3CF}"/>
+              </a:ext>
+            </a:extLst>
+          </p:cNvPr>
           <p:cNvSpPr txBox="1"/>
           <p:nvPr/>
         </p:nvSpPr>
@@ -18872,7 +19132,6 @@
               <a:rPr lang="en-US" altLang="zh-CN" dirty="0"/>
               <a:t>), .q(q[0]));</a:t>
             </a:r>
-            <a:endParaRPr lang="en-US" altLang="zh-CN" dirty="0"/>
           </a:p>
           <a:p>
             <a:endParaRPr lang="zh-CN" altLang="en-US" dirty="0"/>
@@ -18881,7 +19140,13 @@
       </p:sp>
       <p:sp>
         <p:nvSpPr>
-          <p:cNvPr id="8" name="对话气泡: 圆角矩形 7"/>
+          <p:cNvPr id="8" name="对话气泡: 圆角矩形 7">
+            <a:extLst>
+              <a:ext uri="{FF2B5EF4-FFF2-40B4-BE49-F238E27FC236}">
+                <a16:creationId xmlns:a16="http://schemas.microsoft.com/office/drawing/2014/main" xmlns="" id="{632908FF-F9F4-4C1D-8BF2-57CD23A3C9EB}"/>
+              </a:ext>
+            </a:extLst>
+          </p:cNvPr>
           <p:cNvSpPr/>
           <p:nvPr/>
         </p:nvSpPr>
@@ -18917,7 +19182,11 @@
           </a:fontRef>
         </p:style>
         <p:txBody>
-          <a:bodyPr vert="horz" wrap="square" lIns="91440" tIns="45720" rIns="91440" bIns="45720" numCol="1" rtlCol="0" anchor="t" anchorCtr="0" compatLnSpc="1"/>
+          <a:bodyPr vert="horz" wrap="square" lIns="91440" tIns="45720" rIns="91440" bIns="45720" numCol="1" rtlCol="0" anchor="t" anchorCtr="0" compatLnSpc="1">
+            <a:prstTxWarp prst="textNoShape">
+              <a:avLst/>
+            </a:prstTxWarp>
+          </a:bodyPr>
           <a:lstStyle/>
           <a:p>
             <a:pPr latinLnBrk="0"/>
@@ -18941,14 +19210,20 @@
                 <a:srgbClr val="FF0000"/>
               </a:solidFill>
               <a:effectLst/>
-              <a:latin typeface="Arial" panose="020B0604020202020204" pitchFamily="34" charset="0"/>
+              <a:latin typeface="Arial" charset="0"/>
             </a:endParaRPr>
           </a:p>
         </p:txBody>
       </p:sp>
       <p:sp>
         <p:nvSpPr>
-          <p:cNvPr id="9" name="对话气泡: 圆角矩形 8"/>
+          <p:cNvPr id="9" name="对话气泡: 圆角矩形 8">
+            <a:extLst>
+              <a:ext uri="{FF2B5EF4-FFF2-40B4-BE49-F238E27FC236}">
+                <a16:creationId xmlns:a16="http://schemas.microsoft.com/office/drawing/2014/main" xmlns="" id="{67D751C2-A538-4CD3-9F85-A061D34FF198}"/>
+              </a:ext>
+            </a:extLst>
+          </p:cNvPr>
           <p:cNvSpPr/>
           <p:nvPr/>
         </p:nvSpPr>
@@ -18984,7 +19259,11 @@
           </a:fontRef>
         </p:style>
         <p:txBody>
-          <a:bodyPr vert="horz" wrap="square" lIns="91440" tIns="45720" rIns="91440" bIns="45720" numCol="1" rtlCol="0" anchor="t" anchorCtr="0" compatLnSpc="1"/>
+          <a:bodyPr vert="horz" wrap="square" lIns="91440" tIns="45720" rIns="91440" bIns="45720" numCol="1" rtlCol="0" anchor="t" anchorCtr="0" compatLnSpc="1">
+            <a:prstTxWarp prst="textNoShape">
+              <a:avLst/>
+            </a:prstTxWarp>
+          </a:bodyPr>
           <a:lstStyle/>
           <a:p>
             <a:pPr marL="0" marR="0" indent="0" algn="l" defTabSz="914400" rtl="0" eaLnBrk="1" fontAlgn="base" latinLnBrk="0" hangingPunct="1">
@@ -19001,6 +19280,7 @@
               <a:buSzTx/>
               <a:buFontTx/>
               <a:buNone/>
+              <a:tabLst/>
             </a:pPr>
             <a:r>
               <a:rPr kumimoji="0" lang="zh-CN" altLang="en-US" sz="1800" b="1" i="0" u="none" strike="noStrike" cap="none" normalizeH="0" baseline="0" dirty="0">
@@ -19011,7 +19291,7 @@
                   <a:schemeClr val="tx1"/>
                 </a:solidFill>
                 <a:effectLst/>
-                <a:latin typeface="Arial" panose="020B0604020202020204" pitchFamily="34" charset="0"/>
+                <a:latin typeface="Arial" charset="0"/>
               </a:rPr>
               <a:t>通过模块定义的端口名称（类似形参），这种方式</a:t>
             </a:r>
@@ -19024,26 +19304,22 @@
                   <a:srgbClr val="7030A0"/>
                 </a:solidFill>
                 <a:effectLst/>
-                <a:latin typeface="Arial" panose="020B0604020202020204" pitchFamily="34" charset="0"/>
+                <a:latin typeface="Arial" charset="0"/>
               </a:rPr>
               <a:t>不要求次序相同</a:t>
             </a:r>
-            <a:endParaRPr kumimoji="0" lang="zh-CN" altLang="en-US" sz="1800" b="1" i="0" u="none" strike="noStrike" cap="none" normalizeH="0" baseline="0" dirty="0">
-              <a:ln>
-                <a:noFill/>
-              </a:ln>
-              <a:solidFill>
-                <a:srgbClr val="7030A0"/>
-              </a:solidFill>
-              <a:effectLst/>
-              <a:latin typeface="Arial" panose="020B0604020202020204" pitchFamily="34" charset="0"/>
-            </a:endParaRPr>
           </a:p>
         </p:txBody>
       </p:sp>
       <p:sp>
         <p:nvSpPr>
-          <p:cNvPr id="5" name="爆炸形: 8 pt  4"/>
+          <p:cNvPr id="5" name="爆炸形: 8 pt  4">
+            <a:extLst>
+              <a:ext uri="{FF2B5EF4-FFF2-40B4-BE49-F238E27FC236}">
+                <a16:creationId xmlns:a16="http://schemas.microsoft.com/office/drawing/2014/main" xmlns="" id="{AD68B8F1-758B-4509-A05B-BA4CC0503FF9}"/>
+              </a:ext>
+            </a:extLst>
+          </p:cNvPr>
           <p:cNvSpPr/>
           <p:nvPr/>
         </p:nvSpPr>
@@ -19081,7 +19357,11 @@
           </a:extLst>
         </p:spPr>
         <p:txBody>
-          <a:bodyPr vert="horz" wrap="square" lIns="91440" tIns="45720" rIns="91440" bIns="45720" numCol="1" rtlCol="0" anchor="t" anchorCtr="0" compatLnSpc="1"/>
+          <a:bodyPr vert="horz" wrap="square" lIns="91440" tIns="45720" rIns="91440" bIns="45720" numCol="1" rtlCol="0" anchor="t" anchorCtr="0" compatLnSpc="1">
+            <a:prstTxWarp prst="textNoShape">
+              <a:avLst/>
+            </a:prstTxWarp>
+          </a:bodyPr>
           <a:lstStyle/>
           <a:p>
             <a:pPr marL="0" marR="0" indent="0" algn="l" defTabSz="914400" rtl="0" eaLnBrk="1" fontAlgn="base" latinLnBrk="0" hangingPunct="1">
@@ -19098,6 +19378,7 @@
               <a:buSzTx/>
               <a:buFontTx/>
               <a:buNone/>
+              <a:tabLst/>
             </a:pPr>
             <a:r>
               <a:rPr kumimoji="0" lang="zh-CN" altLang="en-US" sz="2800" b="1" i="0" u="none" strike="noStrike" cap="none" normalizeH="0" baseline="0" dirty="0">
@@ -19162,17 +19443,22 @@
         </p:txBody>
       </p:sp>
     </p:spTree>
+    <p:extLst>
+      <p:ext uri="{BB962C8B-B14F-4D97-AF65-F5344CB8AC3E}">
+        <p14:creationId xmlns:p14="http://schemas.microsoft.com/office/powerpoint/2010/main" val="2548533709"/>
+      </p:ext>
+    </p:extLst>
   </p:cSld>
   <p:clrMapOvr>
     <a:masterClrMapping/>
   </p:clrMapOvr>
-  <mc:AlternateContent xmlns:mc="http://schemas.openxmlformats.org/markup-compatibility/2006">
-    <mc:Choice xmlns:p14="http://schemas.microsoft.com/office/powerpoint/2010/main" Requires="p14">
+  <mc:AlternateContent xmlns:mc="http://schemas.openxmlformats.org/markup-compatibility/2006" xmlns:p14="http://schemas.microsoft.com/office/powerpoint/2010/main">
+    <mc:Choice Requires="p14">
       <p:transition spd="slow" p14:dur="1600">
         <p:blinds dir="vert"/>
       </p:transition>
     </mc:Choice>
-    <mc:Fallback>
+    <mc:Fallback xmlns="">
       <p:transition spd="slow">
         <p:blinds dir="vert"/>
       </p:transition>
@@ -19286,7 +19572,13 @@
       </p:grpSpPr>
       <p:sp>
         <p:nvSpPr>
-          <p:cNvPr id="2" name="标题 1"/>
+          <p:cNvPr id="2" name="标题 1">
+            <a:extLst>
+              <a:ext uri="{FF2B5EF4-FFF2-40B4-BE49-F238E27FC236}">
+                <a16:creationId xmlns:a16="http://schemas.microsoft.com/office/drawing/2014/main" xmlns="" id="{E052AAE9-C2FB-4F03-B250-E990D6415B4D}"/>
+              </a:ext>
+            </a:extLst>
+          </p:cNvPr>
           <p:cNvSpPr>
             <a:spLocks noGrp="1"/>
           </p:cNvSpPr>
@@ -19317,7 +19609,13 @@
       </p:sp>
       <p:sp>
         <p:nvSpPr>
-          <p:cNvPr id="3" name="内容占位符 2"/>
+          <p:cNvPr id="3" name="内容占位符 2">
+            <a:extLst>
+              <a:ext uri="{FF2B5EF4-FFF2-40B4-BE49-F238E27FC236}">
+                <a16:creationId xmlns:a16="http://schemas.microsoft.com/office/drawing/2014/main" xmlns="" id="{926FFBDB-480D-4BC1-9A65-271C47F4B7AD}"/>
+              </a:ext>
+            </a:extLst>
+          </p:cNvPr>
           <p:cNvSpPr>
             <a:spLocks noGrp="1"/>
           </p:cNvSpPr>
@@ -19374,7 +19672,6 @@
               <a:rPr lang="zh-CN" altLang="en-US" b="0" dirty="0"/>
               <a:t>端口列表：与引用模块的次序相同或者通过形参调用</a:t>
             </a:r>
-            <a:endParaRPr lang="zh-CN" altLang="en-US" b="0" dirty="0"/>
           </a:p>
           <a:p>
             <a:endParaRPr lang="zh-CN" altLang="en-US" dirty="0"/>
@@ -19382,17 +19679,22 @@
         </p:txBody>
       </p:sp>
     </p:spTree>
+    <p:extLst>
+      <p:ext uri="{BB962C8B-B14F-4D97-AF65-F5344CB8AC3E}">
+        <p14:creationId xmlns:p14="http://schemas.microsoft.com/office/powerpoint/2010/main" val="3676949182"/>
+      </p:ext>
+    </p:extLst>
   </p:cSld>
   <p:clrMapOvr>
     <a:masterClrMapping/>
   </p:clrMapOvr>
-  <mc:AlternateContent xmlns:mc="http://schemas.openxmlformats.org/markup-compatibility/2006">
-    <mc:Choice xmlns:p14="http://schemas.microsoft.com/office/powerpoint/2010/main" Requires="p14">
+  <mc:AlternateContent xmlns:mc="http://schemas.openxmlformats.org/markup-compatibility/2006" xmlns:p14="http://schemas.microsoft.com/office/powerpoint/2010/main">
+    <mc:Choice Requires="p14">
       <p:transition spd="slow" p14:dur="1600">
         <p:blinds dir="vert"/>
       </p:transition>
     </mc:Choice>
-    <mc:Fallback>
+    <mc:Fallback xmlns="">
       <p:transition spd="slow">
         <p:blinds dir="vert"/>
       </p:transition>
@@ -19420,7 +19722,13 @@
       </p:grpSpPr>
       <p:sp>
         <p:nvSpPr>
-          <p:cNvPr id="2" name="标题 1"/>
+          <p:cNvPr id="2" name="标题 1">
+            <a:extLst>
+              <a:ext uri="{FF2B5EF4-FFF2-40B4-BE49-F238E27FC236}">
+                <a16:creationId xmlns:a16="http://schemas.microsoft.com/office/drawing/2014/main" xmlns="" id="{68F3D1CC-4ED2-4960-85B6-D33AC5B3C039}"/>
+              </a:ext>
+            </a:extLst>
+          </p:cNvPr>
           <p:cNvSpPr>
             <a:spLocks noGrp="1"/>
           </p:cNvSpPr>
@@ -19441,13 +19749,18 @@
               <a:rPr lang="zh-CN" altLang="en-US" dirty="0"/>
               <a:t>历史</a:t>
             </a:r>
-            <a:endParaRPr lang="zh-CN" altLang="en-US" dirty="0"/>
           </a:p>
         </p:txBody>
       </p:sp>
       <p:sp>
         <p:nvSpPr>
-          <p:cNvPr id="3" name="内容占位符 2"/>
+          <p:cNvPr id="3" name="内容占位符 2">
+            <a:extLst>
+              <a:ext uri="{FF2B5EF4-FFF2-40B4-BE49-F238E27FC236}">
+                <a16:creationId xmlns:a16="http://schemas.microsoft.com/office/drawing/2014/main" xmlns="" id="{8E612F23-9E40-4E5A-9191-C9CE7178776A}"/>
+              </a:ext>
+            </a:extLst>
+          </p:cNvPr>
           <p:cNvSpPr>
             <a:spLocks noGrp="1"/>
           </p:cNvSpPr>
@@ -19465,17 +19778,22 @@
         </p:txBody>
       </p:sp>
     </p:spTree>
+    <p:extLst>
+      <p:ext uri="{BB962C8B-B14F-4D97-AF65-F5344CB8AC3E}">
+        <p14:creationId xmlns:p14="http://schemas.microsoft.com/office/powerpoint/2010/main" val="189483023"/>
+      </p:ext>
+    </p:extLst>
   </p:cSld>
   <p:clrMapOvr>
     <a:masterClrMapping/>
   </p:clrMapOvr>
-  <mc:AlternateContent xmlns:mc="http://schemas.openxmlformats.org/markup-compatibility/2006">
-    <mc:Choice xmlns:p14="http://schemas.microsoft.com/office/powerpoint/2010/main" Requires="p14">
+  <mc:AlternateContent xmlns:mc="http://schemas.openxmlformats.org/markup-compatibility/2006" xmlns:p14="http://schemas.microsoft.com/office/powerpoint/2010/main">
+    <mc:Choice Requires="p14">
       <p:transition spd="slow" p14:dur="1600">
         <p:blinds dir="vert"/>
       </p:transition>
     </mc:Choice>
-    <mc:Fallback>
+    <mc:Fallback xmlns="">
       <p:transition spd="slow">
         <p:blinds dir="vert"/>
       </p:transition>
@@ -19510,7 +19828,13 @@
       </p:grpSpPr>
       <p:sp>
         <p:nvSpPr>
-          <p:cNvPr id="2" name="标题 1"/>
+          <p:cNvPr id="2" name="标题 1">
+            <a:extLst>
+              <a:ext uri="{FF2B5EF4-FFF2-40B4-BE49-F238E27FC236}">
+                <a16:creationId xmlns:a16="http://schemas.microsoft.com/office/drawing/2014/main" xmlns="" id="{580316D1-1EF9-4B63-BC85-5E96F3BE700A}"/>
+              </a:ext>
+            </a:extLst>
+          </p:cNvPr>
           <p:cNvSpPr>
             <a:spLocks noGrp="1"/>
           </p:cNvSpPr>
@@ -19539,7 +19863,13 @@
       </p:sp>
       <p:sp>
         <p:nvSpPr>
-          <p:cNvPr id="3" name="内容占位符 2"/>
+          <p:cNvPr id="3" name="内容占位符 2">
+            <a:extLst>
+              <a:ext uri="{FF2B5EF4-FFF2-40B4-BE49-F238E27FC236}">
+                <a16:creationId xmlns:a16="http://schemas.microsoft.com/office/drawing/2014/main" xmlns="" id="{DFDAE96B-7460-45E1-A0C7-4689600C029D}"/>
+              </a:ext>
+            </a:extLst>
+          </p:cNvPr>
           <p:cNvSpPr>
             <a:spLocks noGrp="1"/>
           </p:cNvSpPr>
@@ -19698,7 +20028,6 @@
               <a:rPr lang="en-US" altLang="zh-CN" b="0" dirty="0"/>
               <a:t>VHDL</a:t>
             </a:r>
-            <a:endParaRPr lang="en-US" altLang="zh-CN" b="0" dirty="0"/>
           </a:p>
           <a:p>
             <a:pPr marL="0" indent="0">
@@ -19815,17 +20144,22 @@
         </p:txBody>
       </p:sp>
     </p:spTree>
+    <p:extLst>
+      <p:ext uri="{BB962C8B-B14F-4D97-AF65-F5344CB8AC3E}">
+        <p14:creationId xmlns:p14="http://schemas.microsoft.com/office/powerpoint/2010/main" val="1822678352"/>
+      </p:ext>
+    </p:extLst>
   </p:cSld>
   <p:clrMapOvr>
     <a:masterClrMapping/>
   </p:clrMapOvr>
-  <mc:AlternateContent xmlns:mc="http://schemas.openxmlformats.org/markup-compatibility/2006">
-    <mc:Choice xmlns:p14="http://schemas.microsoft.com/office/powerpoint/2010/main" Requires="p14">
+  <mc:AlternateContent xmlns:mc="http://schemas.openxmlformats.org/markup-compatibility/2006" xmlns:p14="http://schemas.microsoft.com/office/powerpoint/2010/main">
+    <mc:Choice Requires="p14">
       <p:transition spd="slow" p14:dur="1600">
         <p:blinds dir="vert"/>
       </p:transition>
     </mc:Choice>
-    <mc:Fallback>
+    <mc:Fallback xmlns="">
       <p:transition spd="slow">
         <p:blinds dir="vert"/>
       </p:transition>
@@ -19860,7 +20194,13 @@
       </p:grpSpPr>
       <p:sp>
         <p:nvSpPr>
-          <p:cNvPr id="2" name="标题 1"/>
+          <p:cNvPr id="2" name="标题 1">
+            <a:extLst>
+              <a:ext uri="{FF2B5EF4-FFF2-40B4-BE49-F238E27FC236}">
+                <a16:creationId xmlns:a16="http://schemas.microsoft.com/office/drawing/2014/main" xmlns="" id="{953CA14C-EB18-44DE-B527-C2B536F7143E}"/>
+              </a:ext>
+            </a:extLst>
+          </p:cNvPr>
           <p:cNvSpPr>
             <a:spLocks noGrp="1"/>
           </p:cNvSpPr>
@@ -19881,13 +20221,18 @@
               <a:rPr lang="zh-CN" altLang="en-US" dirty="0"/>
               <a:t>的优点</a:t>
             </a:r>
-            <a:endParaRPr lang="zh-CN" altLang="en-US" dirty="0"/>
           </a:p>
         </p:txBody>
       </p:sp>
       <p:sp>
         <p:nvSpPr>
-          <p:cNvPr id="3" name="内容占位符 2"/>
+          <p:cNvPr id="3" name="内容占位符 2">
+            <a:extLst>
+              <a:ext uri="{FF2B5EF4-FFF2-40B4-BE49-F238E27FC236}">
+                <a16:creationId xmlns:a16="http://schemas.microsoft.com/office/drawing/2014/main" xmlns="" id="{190093A8-C30D-4626-AFD8-D05DF74290B8}"/>
+              </a:ext>
+            </a:extLst>
+          </p:cNvPr>
           <p:cNvSpPr>
             <a:spLocks noGrp="1"/>
           </p:cNvSpPr>
@@ -19950,22 +20295,26 @@
               <a:rPr lang="zh-CN" altLang="en-US" dirty="0"/>
               <a:t>不会出现部件损坏或接触不良的情况</a:t>
             </a:r>
-            <a:endParaRPr lang="zh-CN" altLang="en-US" dirty="0"/>
           </a:p>
         </p:txBody>
       </p:sp>
     </p:spTree>
+    <p:extLst>
+      <p:ext uri="{BB962C8B-B14F-4D97-AF65-F5344CB8AC3E}">
+        <p14:creationId xmlns:p14="http://schemas.microsoft.com/office/powerpoint/2010/main" val="3481828553"/>
+      </p:ext>
+    </p:extLst>
   </p:cSld>
   <p:clrMapOvr>
     <a:masterClrMapping/>
   </p:clrMapOvr>
-  <mc:AlternateContent xmlns:mc="http://schemas.openxmlformats.org/markup-compatibility/2006">
-    <mc:Choice xmlns:p14="http://schemas.microsoft.com/office/powerpoint/2010/main" Requires="p14">
+  <mc:AlternateContent xmlns:mc="http://schemas.openxmlformats.org/markup-compatibility/2006" xmlns:p14="http://schemas.microsoft.com/office/powerpoint/2010/main">
+    <mc:Choice Requires="p14">
       <p:transition spd="slow" p14:dur="1600">
         <p:blinds dir="vert"/>
       </p:transition>
     </mc:Choice>
-    <mc:Fallback>
+    <mc:Fallback xmlns="">
       <p:transition spd="slow">
         <p:blinds dir="vert"/>
       </p:transition>
@@ -20000,7 +20349,13 @@
       </p:grpSpPr>
       <p:sp>
         <p:nvSpPr>
-          <p:cNvPr id="2" name="标题 1"/>
+          <p:cNvPr id="2" name="标题 1">
+            <a:extLst>
+              <a:ext uri="{FF2B5EF4-FFF2-40B4-BE49-F238E27FC236}">
+                <a16:creationId xmlns:a16="http://schemas.microsoft.com/office/drawing/2014/main" xmlns="" id="{989966E7-599D-4F21-A0AE-D95707174AED}"/>
+              </a:ext>
+            </a:extLst>
+          </p:cNvPr>
           <p:cNvSpPr>
             <a:spLocks noGrp="1"/>
           </p:cNvSpPr>
@@ -20017,13 +20372,18 @@
               <a:rPr lang="zh-CN" altLang="en-US" dirty="0"/>
               <a:t>典型的设计流程</a:t>
             </a:r>
-            <a:endParaRPr lang="zh-CN" altLang="en-US" dirty="0"/>
           </a:p>
         </p:txBody>
       </p:sp>
       <p:sp>
         <p:nvSpPr>
-          <p:cNvPr id="3" name="内容占位符 2"/>
+          <p:cNvPr id="3" name="内容占位符 2">
+            <a:extLst>
+              <a:ext uri="{FF2B5EF4-FFF2-40B4-BE49-F238E27FC236}">
+                <a16:creationId xmlns:a16="http://schemas.microsoft.com/office/drawing/2014/main" xmlns="" id="{F84C444A-E519-49D5-8D0A-277107F83BCB}"/>
+              </a:ext>
+            </a:extLst>
+          </p:cNvPr>
           <p:cNvSpPr>
             <a:spLocks noGrp="1"/>
           </p:cNvSpPr>
@@ -20049,7 +20409,7 @@
           <p:nvPr/>
         </p:nvPicPr>
         <p:blipFill>
-          <a:blip r:embed="rId1"/>
+          <a:blip r:embed="rId2"/>
           <a:stretch>
             <a:fillRect/>
           </a:stretch>
@@ -20065,17 +20425,22 @@
         </p:spPr>
       </p:pic>
     </p:spTree>
+    <p:extLst>
+      <p:ext uri="{BB962C8B-B14F-4D97-AF65-F5344CB8AC3E}">
+        <p14:creationId xmlns:p14="http://schemas.microsoft.com/office/powerpoint/2010/main" val="1120578498"/>
+      </p:ext>
+    </p:extLst>
   </p:cSld>
   <p:clrMapOvr>
     <a:masterClrMapping/>
   </p:clrMapOvr>
-  <mc:AlternateContent xmlns:mc="http://schemas.openxmlformats.org/markup-compatibility/2006">
-    <mc:Choice xmlns:p14="http://schemas.microsoft.com/office/powerpoint/2010/main" Requires="p14">
+  <mc:AlternateContent xmlns:mc="http://schemas.openxmlformats.org/markup-compatibility/2006" xmlns:p14="http://schemas.microsoft.com/office/powerpoint/2010/main">
+    <mc:Choice Requires="p14">
       <p:transition spd="slow" p14:dur="1600">
         <p:blinds dir="vert"/>
       </p:transition>
     </mc:Choice>
-    <mc:Fallback>
+    <mc:Fallback xmlns="">
       <p:transition spd="slow">
         <p:blinds dir="vert"/>
       </p:transition>
@@ -20110,7 +20475,13 @@
       </p:grpSpPr>
       <p:sp>
         <p:nvSpPr>
-          <p:cNvPr id="2" name="标题 1"/>
+          <p:cNvPr id="2" name="标题 1">
+            <a:extLst>
+              <a:ext uri="{FF2B5EF4-FFF2-40B4-BE49-F238E27FC236}">
+                <a16:creationId xmlns:a16="http://schemas.microsoft.com/office/drawing/2014/main" xmlns="" id="{A74CE796-F8EE-4007-AB3D-21526B77EC3E}"/>
+              </a:ext>
+            </a:extLst>
+          </p:cNvPr>
           <p:cNvSpPr>
             <a:spLocks noGrp="1"/>
           </p:cNvSpPr>
@@ -20133,13 +20504,18 @@
               <a:rPr lang="zh-CN" altLang="en-US" dirty="0"/>
               <a:t>历史</a:t>
             </a:r>
-            <a:endParaRPr lang="zh-CN" altLang="en-US" dirty="0"/>
           </a:p>
         </p:txBody>
       </p:sp>
       <p:sp>
         <p:nvSpPr>
-          <p:cNvPr id="3" name="内容占位符 2"/>
+          <p:cNvPr id="3" name="内容占位符 2">
+            <a:extLst>
+              <a:ext uri="{FF2B5EF4-FFF2-40B4-BE49-F238E27FC236}">
+                <a16:creationId xmlns:a16="http://schemas.microsoft.com/office/drawing/2014/main" xmlns="" id="{42CA4301-76FA-4B83-889E-E593FDEC9815}"/>
+              </a:ext>
+            </a:extLst>
+          </p:cNvPr>
           <p:cNvSpPr>
             <a:spLocks noGrp="1"/>
           </p:cNvSpPr>
@@ -20395,7 +20771,6 @@
               <a:rPr lang="zh-CN" altLang="en-US" b="0" dirty="0"/>
               <a:t>。</a:t>
             </a:r>
-            <a:endParaRPr lang="zh-CN" altLang="en-US" b="0" dirty="0"/>
           </a:p>
           <a:p>
             <a:endParaRPr lang="zh-CN" altLang="en-US" dirty="0"/>
@@ -20403,17 +20778,22 @@
         </p:txBody>
       </p:sp>
     </p:spTree>
+    <p:extLst>
+      <p:ext uri="{BB962C8B-B14F-4D97-AF65-F5344CB8AC3E}">
+        <p14:creationId xmlns:p14="http://schemas.microsoft.com/office/powerpoint/2010/main" val="292558444"/>
+      </p:ext>
+    </p:extLst>
   </p:cSld>
   <p:clrMapOvr>
     <a:masterClrMapping/>
   </p:clrMapOvr>
-  <mc:AlternateContent xmlns:mc="http://schemas.openxmlformats.org/markup-compatibility/2006">
-    <mc:Choice xmlns:p14="http://schemas.microsoft.com/office/powerpoint/2010/main" Requires="p14">
+  <mc:AlternateContent xmlns:mc="http://schemas.openxmlformats.org/markup-compatibility/2006" xmlns:p14="http://schemas.microsoft.com/office/powerpoint/2010/main">
+    <mc:Choice Requires="p14">
       <p:transition spd="slow" p14:dur="1600">
         <p:blinds dir="vert"/>
       </p:transition>
     </mc:Choice>
-    <mc:Fallback>
+    <mc:Fallback xmlns="">
       <p:transition spd="slow">
         <p:blinds dir="vert"/>
       </p:transition>
@@ -20448,7 +20828,13 @@
       </p:grpSpPr>
       <p:sp>
         <p:nvSpPr>
-          <p:cNvPr id="2" name="标题 1"/>
+          <p:cNvPr id="2" name="标题 1">
+            <a:extLst>
+              <a:ext uri="{FF2B5EF4-FFF2-40B4-BE49-F238E27FC236}">
+                <a16:creationId xmlns:a16="http://schemas.microsoft.com/office/drawing/2014/main" xmlns="" id="{B7340957-CAFB-4D02-AD74-6150C7A92AA4}"/>
+              </a:ext>
+            </a:extLst>
+          </p:cNvPr>
           <p:cNvSpPr>
             <a:spLocks noGrp="1"/>
           </p:cNvSpPr>
@@ -20475,7 +20861,13 @@
       </p:sp>
       <p:sp>
         <p:nvSpPr>
-          <p:cNvPr id="3" name="内容占位符 2"/>
+          <p:cNvPr id="3" name="内容占位符 2">
+            <a:extLst>
+              <a:ext uri="{FF2B5EF4-FFF2-40B4-BE49-F238E27FC236}">
+                <a16:creationId xmlns:a16="http://schemas.microsoft.com/office/drawing/2014/main" xmlns="" id="{7C894521-D0EC-47FF-8A63-F69D1E3B5035}"/>
+              </a:ext>
+            </a:extLst>
+          </p:cNvPr>
           <p:cNvSpPr>
             <a:spLocks noGrp="1"/>
           </p:cNvSpPr>
@@ -20722,7 +21114,6 @@
               <a:rPr lang="zh-CN" altLang="en-US" sz="2000" b="0" dirty="0"/>
               <a:t>易于管理</a:t>
             </a:r>
-            <a:endParaRPr lang="zh-CN" altLang="en-US" sz="2000" b="0" dirty="0"/>
           </a:p>
           <a:p>
             <a:endParaRPr lang="zh-CN" altLang="en-US" dirty="0"/>
@@ -20730,17 +21121,22 @@
         </p:txBody>
       </p:sp>
     </p:spTree>
+    <p:extLst>
+      <p:ext uri="{BB962C8B-B14F-4D97-AF65-F5344CB8AC3E}">
+        <p14:creationId xmlns:p14="http://schemas.microsoft.com/office/powerpoint/2010/main" val="1180635966"/>
+      </p:ext>
+    </p:extLst>
   </p:cSld>
   <p:clrMapOvr>
     <a:masterClrMapping/>
   </p:clrMapOvr>
-  <mc:AlternateContent xmlns:mc="http://schemas.openxmlformats.org/markup-compatibility/2006">
-    <mc:Choice xmlns:p14="http://schemas.microsoft.com/office/powerpoint/2010/main" Requires="p14">
+  <mc:AlternateContent xmlns:mc="http://schemas.openxmlformats.org/markup-compatibility/2006" xmlns:p14="http://schemas.microsoft.com/office/powerpoint/2010/main">
+    <mc:Choice Requires="p14">
       <p:transition spd="slow" p14:dur="1600">
         <p:blinds dir="vert"/>
       </p:transition>
     </mc:Choice>
-    <mc:Fallback>
+    <mc:Fallback xmlns="">
       <p:transition spd="slow">
         <p:blinds dir="vert"/>
       </p:transition>
@@ -20775,7 +21171,13 @@
       </p:grpSpPr>
       <p:sp>
         <p:nvSpPr>
-          <p:cNvPr id="2" name="标题 1"/>
+          <p:cNvPr id="2" name="标题 1">
+            <a:extLst>
+              <a:ext uri="{FF2B5EF4-FFF2-40B4-BE49-F238E27FC236}">
+                <a16:creationId xmlns:a16="http://schemas.microsoft.com/office/drawing/2014/main" xmlns="" id="{9D09B810-8DF3-4128-AC62-95ECFFB8DB2C}"/>
+              </a:ext>
+            </a:extLst>
+          </p:cNvPr>
           <p:cNvSpPr>
             <a:spLocks noGrp="1"/>
           </p:cNvSpPr>
@@ -20802,7 +21204,13 @@
       </p:sp>
       <p:sp>
         <p:nvSpPr>
-          <p:cNvPr id="3" name="内容占位符 2"/>
+          <p:cNvPr id="3" name="内容占位符 2">
+            <a:extLst>
+              <a:ext uri="{FF2B5EF4-FFF2-40B4-BE49-F238E27FC236}">
+                <a16:creationId xmlns:a16="http://schemas.microsoft.com/office/drawing/2014/main" xmlns="" id="{D296E36D-7B69-45E0-849C-8F3544DB7D3C}"/>
+              </a:ext>
+            </a:extLst>
+          </p:cNvPr>
           <p:cNvSpPr>
             <a:spLocks noGrp="1"/>
           </p:cNvSpPr>
@@ -20842,14 +21250,20 @@
       </p:sp>
       <p:pic>
         <p:nvPicPr>
-          <p:cNvPr id="4" name="图片 3"/>
+          <p:cNvPr id="4" name="图片 3">
+            <a:extLst>
+              <a:ext uri="{FF2B5EF4-FFF2-40B4-BE49-F238E27FC236}">
+                <a16:creationId xmlns:a16="http://schemas.microsoft.com/office/drawing/2014/main" xmlns="" id="{FCFAD98F-7C29-42DF-BE13-8EAAF521E97B}"/>
+              </a:ext>
+            </a:extLst>
+          </p:cNvPr>
           <p:cNvPicPr>
             <a:picLocks noChangeAspect="1"/>
           </p:cNvPicPr>
           <p:nvPr/>
         </p:nvPicPr>
         <p:blipFill>
-          <a:blip r:embed="rId1"/>
+          <a:blip r:embed="rId2"/>
           <a:stretch>
             <a:fillRect/>
           </a:stretch>
@@ -20866,7 +21280,13 @@
       </p:pic>
       <p:sp>
         <p:nvSpPr>
-          <p:cNvPr id="5" name="文本框 4"/>
+          <p:cNvPr id="5" name="文本框 4">
+            <a:extLst>
+              <a:ext uri="{FF2B5EF4-FFF2-40B4-BE49-F238E27FC236}">
+                <a16:creationId xmlns:a16="http://schemas.microsoft.com/office/drawing/2014/main" xmlns="" id="{279E314A-9A7E-4AA3-9D76-7A797E772B83}"/>
+              </a:ext>
+            </a:extLst>
+          </p:cNvPr>
           <p:cNvSpPr txBox="1"/>
           <p:nvPr/>
         </p:nvSpPr>
@@ -21002,13 +21422,6 @@
               </a:rPr>
               <a:t>-Verilog</a:t>
             </a:r>
-            <a:endParaRPr lang="en-US" altLang="zh-CN" dirty="0">
-              <a:solidFill>
-                <a:srgbClr val="0070C0"/>
-              </a:solidFill>
-              <a:latin typeface="等线" panose="02010600030101010101" pitchFamily="2" charset="-122"/>
-              <a:ea typeface="等线" panose="02010600030101010101" pitchFamily="2" charset="-122"/>
-            </a:endParaRPr>
           </a:p>
           <a:p>
             <a:endParaRPr lang="en-US" altLang="zh-CN" dirty="0">
@@ -21069,13 +21482,6 @@
               </a:rPr>
               <a:t>-Verilog</a:t>
             </a:r>
-            <a:endParaRPr lang="en-US" altLang="zh-CN" dirty="0">
-              <a:solidFill>
-                <a:srgbClr val="0070C0"/>
-              </a:solidFill>
-              <a:latin typeface="等线" panose="02010600030101010101" pitchFamily="2" charset="-122"/>
-              <a:ea typeface="等线" panose="02010600030101010101" pitchFamily="2" charset="-122"/>
-            </a:endParaRPr>
           </a:p>
           <a:p>
             <a:endParaRPr lang="en-US" altLang="zh-CN" dirty="0">
@@ -21155,28 +21561,26 @@
               </a:rPr>
               <a:t>几何图形</a:t>
             </a:r>
-            <a:endParaRPr lang="zh-CN" altLang="en-US" dirty="0">
-              <a:solidFill>
-                <a:srgbClr val="0070C0"/>
-              </a:solidFill>
-              <a:latin typeface="等线" panose="02010600030101010101" pitchFamily="2" charset="-122"/>
-              <a:ea typeface="等线" panose="02010600030101010101" pitchFamily="2" charset="-122"/>
-            </a:endParaRPr>
           </a:p>
         </p:txBody>
       </p:sp>
     </p:spTree>
+    <p:extLst>
+      <p:ext uri="{BB962C8B-B14F-4D97-AF65-F5344CB8AC3E}">
+        <p14:creationId xmlns:p14="http://schemas.microsoft.com/office/powerpoint/2010/main" val="4164139244"/>
+      </p:ext>
+    </p:extLst>
   </p:cSld>
   <p:clrMapOvr>
     <a:masterClrMapping/>
   </p:clrMapOvr>
-  <mc:AlternateContent xmlns:mc="http://schemas.openxmlformats.org/markup-compatibility/2006">
-    <mc:Choice xmlns:p14="http://schemas.microsoft.com/office/powerpoint/2010/main" Requires="p14">
+  <mc:AlternateContent xmlns:mc="http://schemas.openxmlformats.org/markup-compatibility/2006" xmlns:p14="http://schemas.microsoft.com/office/powerpoint/2010/main">
+    <mc:Choice Requires="p14">
       <p:transition spd="slow" p14:dur="1600">
         <p:blinds dir="vert"/>
       </p:transition>
     </mc:Choice>
-    <mc:Fallback>
+    <mc:Fallback xmlns="">
       <p:transition spd="slow">
         <p:blinds dir="vert"/>
       </p:transition>
@@ -21211,7 +21615,13 @@
       </p:grpSpPr>
       <p:sp>
         <p:nvSpPr>
-          <p:cNvPr id="2" name="标题 1"/>
+          <p:cNvPr id="2" name="标题 1">
+            <a:extLst>
+              <a:ext uri="{FF2B5EF4-FFF2-40B4-BE49-F238E27FC236}">
+                <a16:creationId xmlns:a16="http://schemas.microsoft.com/office/drawing/2014/main" xmlns="" id="{4C5B4633-132A-4CFD-95D1-C8D22BEC467E}"/>
+              </a:ext>
+            </a:extLst>
+          </p:cNvPr>
           <p:cNvSpPr>
             <a:spLocks noGrp="1"/>
           </p:cNvSpPr>
@@ -21238,7 +21648,13 @@
       </p:sp>
       <p:sp>
         <p:nvSpPr>
-          <p:cNvPr id="3" name="内容占位符 2"/>
+          <p:cNvPr id="3" name="内容占位符 2">
+            <a:extLst>
+              <a:ext uri="{FF2B5EF4-FFF2-40B4-BE49-F238E27FC236}">
+                <a16:creationId xmlns:a16="http://schemas.microsoft.com/office/drawing/2014/main" xmlns="" id="{4FA697B8-A38B-4829-8517-4FA9B4C503EC}"/>
+              </a:ext>
+            </a:extLst>
+          </p:cNvPr>
           <p:cNvSpPr>
             <a:spLocks noGrp="1"/>
           </p:cNvSpPr>
@@ -21511,11 +21927,6 @@
               </a:rPr>
               <a:t>描述映射到门级网表</a:t>
             </a:r>
-            <a:endParaRPr lang="zh-CN" altLang="en-US" sz="2000" b="0" dirty="0">
-              <a:solidFill>
-                <a:srgbClr val="7030A0"/>
-              </a:solidFill>
-            </a:endParaRPr>
           </a:p>
           <a:p>
             <a:r>
@@ -21530,22 +21941,26 @@
               <a:rPr lang="zh-CN" altLang="en-US" dirty="0"/>
               <a:t>晶体管</a:t>
             </a:r>
-            <a:endParaRPr lang="zh-CN" altLang="en-US" dirty="0"/>
           </a:p>
         </p:txBody>
       </p:sp>
     </p:spTree>
+    <p:extLst>
+      <p:ext uri="{BB962C8B-B14F-4D97-AF65-F5344CB8AC3E}">
+        <p14:creationId xmlns:p14="http://schemas.microsoft.com/office/powerpoint/2010/main" val="3062809666"/>
+      </p:ext>
+    </p:extLst>
   </p:cSld>
   <p:clrMapOvr>
     <a:masterClrMapping/>
   </p:clrMapOvr>
-  <mc:AlternateContent xmlns:mc="http://schemas.openxmlformats.org/markup-compatibility/2006">
-    <mc:Choice xmlns:p14="http://schemas.microsoft.com/office/powerpoint/2010/main" Requires="p14">
+  <mc:AlternateContent xmlns:mc="http://schemas.openxmlformats.org/markup-compatibility/2006" xmlns:p14="http://schemas.microsoft.com/office/powerpoint/2010/main">
+    <mc:Choice Requires="p14">
       <p:transition spd="slow" p14:dur="1600">
         <p:blinds dir="vert"/>
       </p:transition>
     </mc:Choice>
-    <mc:Fallback>
+    <mc:Fallback xmlns="">
       <p:transition spd="slow">
         <p:blinds dir="vert"/>
       </p:transition>
@@ -21808,8 +22223,13 @@
           <a:headEnd type="none" w="med" len="med"/>
           <a:tailEnd type="none" w="med" len="med"/>
         </a:ln>
+        <a:effectLst/>
       </a:spPr>
-      <a:bodyPr vert="horz" wrap="square" lIns="91440" tIns="45720" rIns="91440" bIns="45720" numCol="1" anchor="t" anchorCtr="0" compatLnSpc="1"/>
+      <a:bodyPr vert="horz" wrap="square" lIns="91440" tIns="45720" rIns="91440" bIns="45720" numCol="1" anchor="t" anchorCtr="0" compatLnSpc="1">
+        <a:prstTxWarp prst="textNoShape">
+          <a:avLst/>
+        </a:prstTxWarp>
+      </a:bodyPr>
       <a:lstStyle>
         <a:defPPr marL="0" marR="0" indent="0" algn="l" defTabSz="914400" rtl="0" eaLnBrk="1" fontAlgn="base" latinLnBrk="1" hangingPunct="1">
           <a:lnSpc>
@@ -21825,6 +22245,7 @@
           <a:buSzTx/>
           <a:buFontTx/>
           <a:buNone/>
+          <a:tabLst/>
           <a:defRPr kumimoji="0" lang="ko-KR" sz="1800" b="0" i="0" u="none" strike="noStrike" cap="none" normalizeH="0" baseline="0" smtClean="0">
             <a:ln>
               <a:noFill/>
@@ -21865,8 +22286,13 @@
           <a:headEnd type="none" w="med" len="med"/>
           <a:tailEnd type="none" w="med" len="med"/>
         </a:ln>
+        <a:effectLst/>
       </a:spPr>
-      <a:bodyPr vert="horz" wrap="square" lIns="91440" tIns="45720" rIns="91440" bIns="45720" numCol="1" anchor="t" anchorCtr="0" compatLnSpc="1"/>
+      <a:bodyPr vert="horz" wrap="square" lIns="91440" tIns="45720" rIns="91440" bIns="45720" numCol="1" anchor="t" anchorCtr="0" compatLnSpc="1">
+        <a:prstTxWarp prst="textNoShape">
+          <a:avLst/>
+        </a:prstTxWarp>
+      </a:bodyPr>
       <a:lstStyle>
         <a:defPPr marL="0" marR="0" indent="0" algn="l" defTabSz="914400" rtl="0" eaLnBrk="1" fontAlgn="base" latinLnBrk="1" hangingPunct="1">
           <a:lnSpc>
@@ -21882,6 +22308,7 @@
           <a:buSzTx/>
           <a:buFontTx/>
           <a:buNone/>
+          <a:tabLst/>
           <a:defRPr kumimoji="0" lang="ko-KR" sz="1800" b="0" i="0" u="none" strike="noStrike" cap="none" normalizeH="0" baseline="0" smtClean="0">
             <a:ln>
               <a:noFill/>
@@ -22391,11 +22818,6 @@
       <a:clrMap bg1="dk2" tx1="lt1" bg2="dk1" tx2="lt2" accent1="accent1" accent2="accent2" accent3="accent3" accent4="accent4" accent5="accent5" accent6="accent6" hlink="hlink" folHlink="folHlink"/>
     </a:extraClrScheme>
   </a:extraClrSchemeLst>
-  <a:extLst>
-    <a:ext uri="{05A4C25C-085E-4340-85A3-A5531E510DB2}">
-      <thm15:themeFamily xmlns:thm15="http://schemas.microsoft.com/office/thememl/2012/main" name="Office Theme" id="{62F939B6-93AF-4DB8-9C6B-D6C7DFDC589F}" vid="{4A3C46E8-61CC-4603-A589-7422A47A8E4A}"/>
-    </a:ext>
-  </a:extLst>
 </a:theme>
 </file>
 
@@ -22679,11 +23101,8 @@
       </a:bgFillStyleLst>
     </a:fmtScheme>
   </a:themeElements>
-  <a:extLst>
-    <a:ext uri="{05A4C25C-085E-4340-85A3-A5531E510DB2}">
-      <thm15:themeFamily xmlns:thm15="http://schemas.microsoft.com/office/thememl/2012/main" name="Office Theme" id="{62F939B6-93AF-4DB8-9C6B-D6C7DFDC589F}" vid="{4A3C46E8-61CC-4603-A589-7422A47A8E4A}"/>
-    </a:ext>
-  </a:extLst>
+  <a:objectDefaults/>
+  <a:extraClrSchemeLst/>
 </a:theme>
 </file>
 
@@ -22934,8 +23353,24 @@
           <a:headEnd type="none" w="med" len="med"/>
           <a:tailEnd type="none" w="med" len="med"/>
         </a:ln>
+        <a:effectLst/>
+        <a:extLst>
+          <a:ext uri="{AF507438-7753-43E0-B8FC-AC1667EBCBE1}">
+            <a14:hiddenEffects xmlns:a14="http://schemas.microsoft.com/office/drawing/2010/main">
+              <a:effectLst>
+                <a:outerShdw dist="35921" dir="2700000" algn="ctr" rotWithShape="0">
+                  <a:schemeClr val="bg2"/>
+                </a:outerShdw>
+              </a:effectLst>
+            </a14:hiddenEffects>
+          </a:ext>
+        </a:extLst>
       </a:spPr>
-      <a:bodyPr vert="horz" wrap="square" lIns="91440" tIns="45720" rIns="91440" bIns="45720" numCol="1" anchor="t" anchorCtr="0" compatLnSpc="1"/>
+      <a:bodyPr vert="horz" wrap="square" lIns="91440" tIns="45720" rIns="91440" bIns="45720" numCol="1" anchor="t" anchorCtr="0" compatLnSpc="1">
+        <a:prstTxWarp prst="textNoShape">
+          <a:avLst/>
+        </a:prstTxWarp>
+      </a:bodyPr>
       <a:lstStyle>
         <a:defPPr marL="0" marR="0" indent="0" algn="l" defTabSz="914400" rtl="0" eaLnBrk="1" fontAlgn="base" latinLnBrk="0" hangingPunct="1">
           <a:lnSpc>
@@ -22951,6 +23386,7 @@
           <a:buSzTx/>
           <a:buFontTx/>
           <a:buNone/>
+          <a:tabLst/>
           <a:defRPr kumimoji="0" lang="en-US" sz="1800" b="1" i="0" u="none" strike="noStrike" cap="none" normalizeH="0" baseline="0" smtClean="0">
             <a:ln>
               <a:noFill/>
@@ -22959,7 +23395,7 @@
               <a:schemeClr val="tx1"/>
             </a:solidFill>
             <a:effectLst/>
-            <a:latin typeface="Arial" panose="020B0604020202020204" pitchFamily="34" charset="0"/>
+            <a:latin typeface="Arial" charset="0"/>
           </a:defRPr>
         </a:defPPr>
       </a:lstStyle>
@@ -22990,8 +23426,24 @@
           <a:headEnd type="none" w="med" len="med"/>
           <a:tailEnd type="none" w="med" len="med"/>
         </a:ln>
+        <a:effectLst/>
+        <a:extLst>
+          <a:ext uri="{AF507438-7753-43E0-B8FC-AC1667EBCBE1}">
+            <a14:hiddenEffects xmlns:a14="http://schemas.microsoft.com/office/drawing/2010/main">
+              <a:effectLst>
+                <a:outerShdw dist="35921" dir="2700000" algn="ctr" rotWithShape="0">
+                  <a:schemeClr val="bg2"/>
+                </a:outerShdw>
+              </a:effectLst>
+            </a14:hiddenEffects>
+          </a:ext>
+        </a:extLst>
       </a:spPr>
-      <a:bodyPr vert="horz" wrap="square" lIns="91440" tIns="45720" rIns="91440" bIns="45720" numCol="1" anchor="t" anchorCtr="0" compatLnSpc="1"/>
+      <a:bodyPr vert="horz" wrap="square" lIns="91440" tIns="45720" rIns="91440" bIns="45720" numCol="1" anchor="t" anchorCtr="0" compatLnSpc="1">
+        <a:prstTxWarp prst="textNoShape">
+          <a:avLst/>
+        </a:prstTxWarp>
+      </a:bodyPr>
       <a:lstStyle>
         <a:defPPr marL="0" marR="0" indent="0" algn="l" defTabSz="914400" rtl="0" eaLnBrk="1" fontAlgn="base" latinLnBrk="0" hangingPunct="1">
           <a:lnSpc>
@@ -23007,6 +23459,7 @@
           <a:buSzTx/>
           <a:buFontTx/>
           <a:buNone/>
+          <a:tabLst/>
           <a:defRPr kumimoji="0" lang="en-US" sz="1800" b="1" i="0" u="none" strike="noStrike" cap="none" normalizeH="0" baseline="0" smtClean="0">
             <a:ln>
               <a:noFill/>
@@ -23015,7 +23468,7 @@
               <a:schemeClr val="tx1"/>
             </a:solidFill>
             <a:effectLst/>
-            <a:latin typeface="Arial" panose="020B0604020202020204" pitchFamily="34" charset="0"/>
+            <a:latin typeface="Arial" charset="0"/>
           </a:defRPr>
         </a:defPPr>
       </a:lstStyle>
@@ -23146,11 +23599,6 @@
       <a:clrMap bg1="lt1" tx1="dk1" bg2="lt2" tx2="dk2" accent1="accent1" accent2="accent2" accent3="accent3" accent4="accent4" accent5="accent5" accent6="accent6" hlink="hlink" folHlink="folHlink"/>
     </a:extraClrScheme>
   </a:extraClrSchemeLst>
-  <a:extLst>
-    <a:ext uri="{05A4C25C-085E-4340-85A3-A5531E510DB2}">
-      <thm15:themeFamily xmlns:thm15="http://schemas.microsoft.com/office/thememl/2012/main" name="Office Theme" id="{62F939B6-93AF-4DB8-9C6B-D6C7DFDC589F}" vid="{4A3C46E8-61CC-4603-A589-7422A47A8E4A}"/>
-    </a:ext>
-  </a:extLst>
 </a:theme>
 </file>
 
@@ -23230,6 +23678,23 @@
         <a:font script="Viet" typeface="Times New Roman"/>
         <a:font script="Uigh" typeface="Microsoft Uighur"/>
         <a:font script="Geor" typeface="Sylfaen"/>
+        <a:font script="Armn" typeface="Arial"/>
+        <a:font script="Bugi" typeface="Leelawadee UI"/>
+        <a:font script="Bopo" typeface="Microsoft JhengHei"/>
+        <a:font script="Java" typeface="Javanese Text"/>
+        <a:font script="Lisu" typeface="Segoe UI"/>
+        <a:font script="Mymr" typeface="Myanmar Text"/>
+        <a:font script="Nkoo" typeface="Ebrima"/>
+        <a:font script="Olck" typeface="Nirmala UI"/>
+        <a:font script="Osma" typeface="Ebrima"/>
+        <a:font script="Phag" typeface="Phagspa"/>
+        <a:font script="Syrn" typeface="Estrangelo Edessa"/>
+        <a:font script="Syrj" typeface="Estrangelo Edessa"/>
+        <a:font script="Syre" typeface="Estrangelo Edessa"/>
+        <a:font script="Sora" typeface="Nirmala UI"/>
+        <a:font script="Tale" typeface="Microsoft Tai Le"/>
+        <a:font script="Talu" typeface="Microsoft New Tai Lue"/>
+        <a:font script="Tfng" typeface="Ebrima"/>
       </a:majorFont>
       <a:minorFont>
         <a:latin typeface="等线"/>
@@ -23265,6 +23730,23 @@
         <a:font script="Viet" typeface="Arial"/>
         <a:font script="Uigh" typeface="Microsoft Uighur"/>
         <a:font script="Geor" typeface="Sylfaen"/>
+        <a:font script="Armn" typeface="Arial"/>
+        <a:font script="Bugi" typeface="Leelawadee UI"/>
+        <a:font script="Bopo" typeface="Microsoft JhengHei"/>
+        <a:font script="Java" typeface="Javanese Text"/>
+        <a:font script="Lisu" typeface="Segoe UI"/>
+        <a:font script="Mymr" typeface="Myanmar Text"/>
+        <a:font script="Nkoo" typeface="Ebrima"/>
+        <a:font script="Olck" typeface="Nirmala UI"/>
+        <a:font script="Osma" typeface="Ebrima"/>
+        <a:font script="Phag" typeface="Phagspa"/>
+        <a:font script="Syrn" typeface="Estrangelo Edessa"/>
+        <a:font script="Syrj" typeface="Estrangelo Edessa"/>
+        <a:font script="Syre" typeface="Estrangelo Edessa"/>
+        <a:font script="Sora" typeface="Nirmala UI"/>
+        <a:font script="Tale" typeface="Microsoft Tai Le"/>
+        <a:font script="Talu" typeface="Microsoft New Tai Lue"/>
+        <a:font script="Tfng" typeface="Ebrima"/>
       </a:minorFont>
     </a:fontScheme>
     <a:fmtScheme name="Office">
@@ -23405,9 +23887,11 @@
       </a:bgFillStyleLst>
     </a:fmtScheme>
   </a:themeElements>
+  <a:objectDefaults/>
+  <a:extraClrSchemeLst/>
   <a:extLst>
     <a:ext uri="{05A4C25C-085E-4340-85A3-A5531E510DB2}">
-      <thm15:themeFamily xmlns:thm15="http://schemas.microsoft.com/office/thememl/2012/main" name="Office Theme" id="{62F939B6-93AF-4DB8-9C6B-D6C7DFDC589F}" vid="{4A3C46E8-61CC-4603-A589-7422A47A8E4A}"/>
+      <thm15:themeFamily xmlns:thm15="http://schemas.microsoft.com/office/thememl/2012/main" xmlns="" name="Office Theme" id="{62F939B6-93AF-4DB8-9C6B-D6C7DFDC589F}" vid="{4A3C46E8-61CC-4603-A589-7422A47A8E4A}"/>
     </a:ext>
   </a:extLst>
 </a:theme>
